--- a/Curso_de_Base_de_Dados_Exercicios_de_Modelagem_02.pptx
+++ b/Curso_de_Base_de_Dados_Exercicios_de_Modelagem_02.pptx
@@ -13,12 +13,13 @@
     <p:sldId id="259" r:id="rId7"/>
     <p:sldId id="260" r:id="rId8"/>
     <p:sldId id="261" r:id="rId9"/>
-    <p:sldId id="263" r:id="rId10"/>
-    <p:sldId id="262" r:id="rId11"/>
-    <p:sldId id="272" r:id="rId12"/>
+    <p:sldId id="262" r:id="rId10"/>
+    <p:sldId id="272" r:id="rId11"/>
+    <p:sldId id="274" r:id="rId12"/>
     <p:sldId id="273" r:id="rId13"/>
     <p:sldId id="267" r:id="rId14"/>
     <p:sldId id="268" r:id="rId15"/>
+    <p:sldId id="275" r:id="rId16"/>
   </p:sldIdLst>
   <p:sldSz cx="12192000" cy="6858000"/>
   <p:notesSz cx="6858000" cy="9144000"/>
@@ -528,7 +529,7 @@
           <a:p>
             <a:fld id="{7F4AC5D5-691B-4C37-9A68-381AC719AB4D}" type="datetimeFigureOut">
               <a:rPr lang="it-IT" smtClean="0"/>
-              <a:t>05/05/2020</a:t>
+              <a:t>17/07/2020</a:t>
             </a:fld>
             <a:endParaRPr lang="it-IT"/>
           </a:p>
@@ -707,7 +708,7 @@
           <a:p>
             <a:fld id="{7F4AC5D5-691B-4C37-9A68-381AC719AB4D}" type="datetimeFigureOut">
               <a:rPr lang="it-IT" smtClean="0"/>
-              <a:t>05/05/2020</a:t>
+              <a:t>17/07/2020</a:t>
             </a:fld>
             <a:endParaRPr lang="it-IT"/>
           </a:p>
@@ -887,7 +888,7 @@
           <a:p>
             <a:fld id="{7F4AC5D5-691B-4C37-9A68-381AC719AB4D}" type="datetimeFigureOut">
               <a:rPr lang="it-IT" smtClean="0"/>
-              <a:t>05/05/2020</a:t>
+              <a:t>17/07/2020</a:t>
             </a:fld>
             <a:endParaRPr lang="it-IT"/>
           </a:p>
@@ -1057,7 +1058,7 @@
           <a:p>
             <a:fld id="{7F4AC5D5-691B-4C37-9A68-381AC719AB4D}" type="datetimeFigureOut">
               <a:rPr lang="it-IT" smtClean="0"/>
-              <a:t>05/05/2020</a:t>
+              <a:t>17/07/2020</a:t>
             </a:fld>
             <a:endParaRPr lang="it-IT"/>
           </a:p>
@@ -1370,7 +1371,7 @@
           <a:p>
             <a:fld id="{7F4AC5D5-691B-4C37-9A68-381AC719AB4D}" type="datetimeFigureOut">
               <a:rPr lang="it-IT" smtClean="0"/>
-              <a:t>05/05/2020</a:t>
+              <a:t>17/07/2020</a:t>
             </a:fld>
             <a:endParaRPr lang="it-IT"/>
           </a:p>
@@ -1756,7 +1757,7 @@
           <a:p>
             <a:fld id="{7F4AC5D5-691B-4C37-9A68-381AC719AB4D}" type="datetimeFigureOut">
               <a:rPr lang="it-IT" smtClean="0"/>
-              <a:t>05/05/2020</a:t>
+              <a:t>17/07/2020</a:t>
             </a:fld>
             <a:endParaRPr lang="it-IT"/>
           </a:p>
@@ -2190,7 +2191,7 @@
           <a:p>
             <a:fld id="{7F4AC5D5-691B-4C37-9A68-381AC719AB4D}" type="datetimeFigureOut">
               <a:rPr lang="it-IT" smtClean="0"/>
-              <a:t>05/05/2020</a:t>
+              <a:t>17/07/2020</a:t>
             </a:fld>
             <a:endParaRPr lang="it-IT"/>
           </a:p>
@@ -2308,7 +2309,7 @@
           <a:p>
             <a:fld id="{7F4AC5D5-691B-4C37-9A68-381AC719AB4D}" type="datetimeFigureOut">
               <a:rPr lang="it-IT" smtClean="0"/>
-              <a:t>05/05/2020</a:t>
+              <a:t>17/07/2020</a:t>
             </a:fld>
             <a:endParaRPr lang="it-IT"/>
           </a:p>
@@ -2403,7 +2404,7 @@
           <a:p>
             <a:fld id="{7F4AC5D5-691B-4C37-9A68-381AC719AB4D}" type="datetimeFigureOut">
               <a:rPr lang="it-IT" smtClean="0"/>
-              <a:t>05/05/2020</a:t>
+              <a:t>17/07/2020</a:t>
             </a:fld>
             <a:endParaRPr lang="it-IT"/>
           </a:p>
@@ -2753,7 +2754,7 @@
           <a:p>
             <a:fld id="{7F4AC5D5-691B-4C37-9A68-381AC719AB4D}" type="datetimeFigureOut">
               <a:rPr lang="it-IT" smtClean="0"/>
-              <a:t>05/05/2020</a:t>
+              <a:t>17/07/2020</a:t>
             </a:fld>
             <a:endParaRPr lang="it-IT"/>
           </a:p>
@@ -3178,7 +3179,7 @@
           <a:p>
             <a:fld id="{7F4AC5D5-691B-4C37-9A68-381AC719AB4D}" type="datetimeFigureOut">
               <a:rPr lang="it-IT" smtClean="0"/>
-              <a:t>05/05/2020</a:t>
+              <a:t>17/07/2020</a:t>
             </a:fld>
             <a:endParaRPr lang="it-IT"/>
           </a:p>
@@ -3459,7 +3460,7 @@
           <a:p>
             <a:fld id="{7F4AC5D5-691B-4C37-9A68-381AC719AB4D}" type="datetimeFigureOut">
               <a:rPr lang="it-IT" smtClean="0"/>
-              <a:t>05/05/2020</a:t>
+              <a:t>17/07/2020</a:t>
             </a:fld>
             <a:endParaRPr lang="it-IT"/>
           </a:p>
@@ -4198,7 +4199,3991 @@
           <a:p>
             <a:r>
               <a:rPr lang="pt-BR" sz="2400" b="1" dirty="0"/>
-              <a:t>8º Passo – </a:t>
+              <a:t>7</a:t>
+            </a:r>
+            <a:r>
+              <a:rPr lang="pt-BR" sz="2400" b="1" dirty="0" smtClean="0"/>
+              <a:t>º </a:t>
+            </a:r>
+            <a:r>
+              <a:rPr lang="pt-BR" sz="2400" b="1" dirty="0"/>
+              <a:t>Passo – </a:t>
+            </a:r>
+            <a:r>
+              <a:rPr lang="pt-BR" sz="2400" b="1" cap="none" dirty="0"/>
+              <a:t>Criar o </a:t>
+            </a:r>
+            <a:r>
+              <a:rPr lang="pt-BR" sz="2400" b="1" i="1" cap="none" dirty="0"/>
+              <a:t>Diagrama de Entidade-Relacionamento </a:t>
+            </a:r>
+            <a:r>
+              <a:rPr lang="pt-BR" sz="2400" b="1" cap="none" dirty="0"/>
+              <a:t>(</a:t>
+            </a:r>
+            <a:r>
+              <a:rPr lang="pt-BR" sz="2400" b="1" i="1" cap="none" dirty="0"/>
+              <a:t>DER</a:t>
+            </a:r>
+            <a:r>
+              <a:rPr lang="pt-BR" sz="2400" b="1" cap="none" dirty="0"/>
+              <a:t>) a partir</a:t>
+            </a:r>
+            <a:br>
+              <a:rPr lang="pt-BR" sz="2400" b="1" cap="none" dirty="0"/>
+            </a:br>
+            <a:r>
+              <a:rPr lang="it-IT" sz="2400" b="1" cap="none" dirty="0"/>
+              <a:t>da </a:t>
+            </a:r>
+            <a:r>
+              <a:rPr lang="it-IT" sz="2400" b="1" cap="none" dirty="0" err="1"/>
+              <a:t>modelagem</a:t>
+            </a:r>
+            <a:r>
+              <a:rPr lang="it-IT" sz="2400" b="1" cap="none" dirty="0"/>
+              <a:t> </a:t>
+            </a:r>
+            <a:r>
+              <a:rPr lang="it-IT" sz="2400" b="1" cap="none" dirty="0" err="1"/>
+              <a:t>realizada</a:t>
+            </a:r>
+            <a:endParaRPr lang="it-IT" sz="2400" cap="none" dirty="0"/>
+          </a:p>
+        </p:txBody>
+      </p:sp>
+      <p:sp>
+        <p:nvSpPr>
+          <p:cNvPr id="7" name="Segnaposto contenuto 2"/>
+          <p:cNvSpPr>
+            <a:spLocks noGrp="1"/>
+          </p:cNvSpPr>
+          <p:nvPr>
+            <p:ph idx="1"/>
+          </p:nvPr>
+        </p:nvSpPr>
+        <p:spPr>
+          <a:xfrm>
+            <a:off x="1069848" y="1570616"/>
+            <a:ext cx="9558707" cy="4601584"/>
+          </a:xfrm>
+        </p:spPr>
+        <p:txBody>
+          <a:bodyPr>
+            <a:normAutofit/>
+          </a:bodyPr>
+          <a:lstStyle/>
+          <a:p>
+            <a:r>
+              <a:rPr lang="it-IT" b="1" dirty="0" err="1"/>
+              <a:t>Resultado</a:t>
+            </a:r>
+            <a:r>
+              <a:rPr lang="it-IT" dirty="0" smtClean="0"/>
+              <a:t>:</a:t>
+            </a:r>
+          </a:p>
+          <a:p>
+            <a:pPr marL="0" indent="0">
+              <a:buNone/>
+            </a:pPr>
+            <a:endParaRPr lang="it-IT" dirty="0" smtClean="0"/>
+          </a:p>
+          <a:p>
+            <a:pPr marL="0" indent="0">
+              <a:buNone/>
+            </a:pPr>
+            <a:r>
+              <a:rPr lang="it-IT" dirty="0" smtClean="0"/>
+              <a:t>PROJECTO </a:t>
+            </a:r>
+            <a:r>
+              <a:rPr lang="it-IT" dirty="0"/>
+              <a:t>x </a:t>
+            </a:r>
+            <a:r>
+              <a:rPr lang="it-IT" dirty="0" smtClean="0"/>
+              <a:t>CONSULTOR</a:t>
+            </a:r>
+            <a:endParaRPr lang="it-IT" dirty="0"/>
+          </a:p>
+          <a:p>
+            <a:pPr lvl="2"/>
+            <a:r>
+              <a:rPr lang="pt-BR" dirty="0" smtClean="0"/>
+              <a:t>Num projecto podem trabalhar </a:t>
+            </a:r>
+            <a:r>
+              <a:rPr lang="pt-BR" dirty="0" smtClean="0">
+                <a:solidFill>
+                  <a:srgbClr val="FF0000"/>
+                </a:solidFill>
+              </a:rPr>
+              <a:t>um ou varios </a:t>
+            </a:r>
+            <a:r>
+              <a:rPr lang="pt-BR" dirty="0" smtClean="0"/>
+              <a:t>consultores</a:t>
+            </a:r>
+            <a:endParaRPr lang="pt-BR" dirty="0"/>
+          </a:p>
+          <a:p>
+            <a:pPr lvl="2"/>
+            <a:r>
+              <a:rPr lang="pt-BR" dirty="0" smtClean="0"/>
+              <a:t>Um consultor pode trabalhar </a:t>
+            </a:r>
+            <a:r>
+              <a:rPr lang="pt-BR" dirty="0" smtClean="0">
+                <a:solidFill>
+                  <a:srgbClr val="FF0000"/>
+                </a:solidFill>
+              </a:rPr>
+              <a:t>num ou vários </a:t>
+            </a:r>
+            <a:r>
+              <a:rPr lang="pt-BR" dirty="0" smtClean="0"/>
+              <a:t>projectos</a:t>
+            </a:r>
+            <a:endParaRPr lang="it-IT" dirty="0" smtClean="0"/>
+          </a:p>
+        </p:txBody>
+      </p:sp>
+      <p:sp>
+        <p:nvSpPr>
+          <p:cNvPr id="8" name="Rettangolo 7"/>
+          <p:cNvSpPr/>
+          <p:nvPr/>
+        </p:nvSpPr>
+        <p:spPr>
+          <a:xfrm>
+            <a:off x="1441525" y="4044876"/>
+            <a:ext cx="2248348" cy="742277"/>
+          </a:xfrm>
+          <a:prstGeom prst="rect">
+            <a:avLst/>
+          </a:prstGeom>
+        </p:spPr>
+        <p:style>
+          <a:lnRef idx="2">
+            <a:schemeClr val="accent1">
+              <a:shade val="50000"/>
+            </a:schemeClr>
+          </a:lnRef>
+          <a:fillRef idx="1">
+            <a:schemeClr val="accent1"/>
+          </a:fillRef>
+          <a:effectRef idx="0">
+            <a:schemeClr val="accent1"/>
+          </a:effectRef>
+          <a:fontRef idx="minor">
+            <a:schemeClr val="lt1"/>
+          </a:fontRef>
+        </p:style>
+        <p:txBody>
+          <a:bodyPr rtlCol="0" anchor="ctr"/>
+          <a:lstStyle/>
+          <a:p>
+            <a:pPr algn="ctr"/>
+            <a:r>
+              <a:rPr lang="pt-PT" dirty="0" err="1" smtClean="0"/>
+              <a:t>Projecto</a:t>
+            </a:r>
+            <a:endParaRPr lang="it-IT" dirty="0"/>
+          </a:p>
+        </p:txBody>
+      </p:sp>
+      <p:sp>
+        <p:nvSpPr>
+          <p:cNvPr id="9" name="Rettangolo 8"/>
+          <p:cNvSpPr/>
+          <p:nvPr/>
+        </p:nvSpPr>
+        <p:spPr>
+          <a:xfrm>
+            <a:off x="8132784" y="4044875"/>
+            <a:ext cx="2506532" cy="742277"/>
+          </a:xfrm>
+          <a:prstGeom prst="rect">
+            <a:avLst/>
+          </a:prstGeom>
+        </p:spPr>
+        <p:style>
+          <a:lnRef idx="2">
+            <a:schemeClr val="accent1">
+              <a:shade val="50000"/>
+            </a:schemeClr>
+          </a:lnRef>
+          <a:fillRef idx="1">
+            <a:schemeClr val="accent1"/>
+          </a:fillRef>
+          <a:effectRef idx="0">
+            <a:schemeClr val="accent1"/>
+          </a:effectRef>
+          <a:fontRef idx="minor">
+            <a:schemeClr val="lt1"/>
+          </a:fontRef>
+        </p:style>
+        <p:txBody>
+          <a:bodyPr rtlCol="0" anchor="ctr"/>
+          <a:lstStyle/>
+          <a:p>
+            <a:pPr algn="ctr"/>
+            <a:r>
+              <a:rPr lang="pt-PT" dirty="0" smtClean="0"/>
+              <a:t>Consultor</a:t>
+            </a:r>
+            <a:endParaRPr lang="it-IT" dirty="0"/>
+          </a:p>
+        </p:txBody>
+      </p:sp>
+      <p:sp>
+        <p:nvSpPr>
+          <p:cNvPr id="10" name="Rombo 9"/>
+          <p:cNvSpPr/>
+          <p:nvPr/>
+        </p:nvSpPr>
+        <p:spPr>
+          <a:xfrm>
+            <a:off x="4776399" y="4001843"/>
+            <a:ext cx="2250138" cy="763793"/>
+          </a:xfrm>
+          <a:prstGeom prst="diamond">
+            <a:avLst/>
+          </a:prstGeom>
+        </p:spPr>
+        <p:style>
+          <a:lnRef idx="2">
+            <a:schemeClr val="accent1">
+              <a:shade val="50000"/>
+            </a:schemeClr>
+          </a:lnRef>
+          <a:fillRef idx="1">
+            <a:schemeClr val="accent1"/>
+          </a:fillRef>
+          <a:effectRef idx="0">
+            <a:schemeClr val="accent1"/>
+          </a:effectRef>
+          <a:fontRef idx="minor">
+            <a:schemeClr val="lt1"/>
+          </a:fontRef>
+        </p:style>
+        <p:txBody>
+          <a:bodyPr rtlCol="0" anchor="ctr"/>
+          <a:lstStyle/>
+          <a:p>
+            <a:pPr algn="ctr"/>
+            <a:r>
+              <a:rPr lang="pt-PT" dirty="0" smtClean="0"/>
+              <a:t>trabalha</a:t>
+            </a:r>
+            <a:endParaRPr lang="it-IT" dirty="0"/>
+          </a:p>
+        </p:txBody>
+      </p:sp>
+      <p:cxnSp>
+        <p:nvCxnSpPr>
+          <p:cNvPr id="12" name="Connettore 1 11"/>
+          <p:cNvCxnSpPr>
+            <a:stCxn id="8" idx="3"/>
+          </p:cNvCxnSpPr>
+          <p:nvPr/>
+        </p:nvCxnSpPr>
+        <p:spPr>
+          <a:xfrm flipV="1">
+            <a:off x="3689873" y="4405256"/>
+            <a:ext cx="1475590" cy="10759"/>
+          </a:xfrm>
+          <a:prstGeom prst="line">
+            <a:avLst/>
+          </a:prstGeom>
+        </p:spPr>
+        <p:style>
+          <a:lnRef idx="1">
+            <a:schemeClr val="accent1"/>
+          </a:lnRef>
+          <a:fillRef idx="0">
+            <a:schemeClr val="accent1"/>
+          </a:fillRef>
+          <a:effectRef idx="0">
+            <a:schemeClr val="accent1"/>
+          </a:effectRef>
+          <a:fontRef idx="minor">
+            <a:schemeClr val="tx1"/>
+          </a:fontRef>
+        </p:style>
+      </p:cxnSp>
+      <p:cxnSp>
+        <p:nvCxnSpPr>
+          <p:cNvPr id="14" name="Connettore 1 13"/>
+          <p:cNvCxnSpPr>
+            <a:endCxn id="9" idx="1"/>
+          </p:cNvCxnSpPr>
+          <p:nvPr/>
+        </p:nvCxnSpPr>
+        <p:spPr>
+          <a:xfrm>
+            <a:off x="7026536" y="4405256"/>
+            <a:ext cx="1106248" cy="10758"/>
+          </a:xfrm>
+          <a:prstGeom prst="line">
+            <a:avLst/>
+          </a:prstGeom>
+        </p:spPr>
+        <p:style>
+          <a:lnRef idx="1">
+            <a:schemeClr val="accent1"/>
+          </a:lnRef>
+          <a:fillRef idx="0">
+            <a:schemeClr val="accent1"/>
+          </a:fillRef>
+          <a:effectRef idx="0">
+            <a:schemeClr val="accent1"/>
+          </a:effectRef>
+          <a:fontRef idx="minor">
+            <a:schemeClr val="tx1"/>
+          </a:fontRef>
+        </p:style>
+      </p:cxnSp>
+      <p:sp>
+        <p:nvSpPr>
+          <p:cNvPr id="19" name="CasellaDiTesto 18"/>
+          <p:cNvSpPr txBox="1"/>
+          <p:nvPr/>
+        </p:nvSpPr>
+        <p:spPr>
+          <a:xfrm>
+            <a:off x="3689873" y="4087906"/>
+            <a:ext cx="817581" cy="369332"/>
+          </a:xfrm>
+          <a:prstGeom prst="rect">
+            <a:avLst/>
+          </a:prstGeom>
+          <a:noFill/>
+        </p:spPr>
+        <p:txBody>
+          <a:bodyPr wrap="square" rtlCol="0">
+            <a:spAutoFit/>
+          </a:bodyPr>
+          <a:lstStyle/>
+          <a:p>
+            <a:r>
+              <a:rPr lang="pt-PT" dirty="0" smtClean="0"/>
+              <a:t>(N,M)</a:t>
+            </a:r>
+            <a:endParaRPr lang="it-IT" dirty="0"/>
+          </a:p>
+        </p:txBody>
+      </p:sp>
+      <p:sp>
+        <p:nvSpPr>
+          <p:cNvPr id="20" name="CasellaDiTesto 19"/>
+          <p:cNvSpPr txBox="1"/>
+          <p:nvPr/>
+        </p:nvSpPr>
+        <p:spPr>
+          <a:xfrm>
+            <a:off x="7272169" y="4087908"/>
+            <a:ext cx="860615" cy="369332"/>
+          </a:xfrm>
+          <a:prstGeom prst="rect">
+            <a:avLst/>
+          </a:prstGeom>
+          <a:noFill/>
+        </p:spPr>
+        <p:txBody>
+          <a:bodyPr wrap="square" rtlCol="0">
+            <a:spAutoFit/>
+          </a:bodyPr>
+          <a:lstStyle/>
+          <a:p>
+            <a:r>
+              <a:rPr lang="pt-PT" dirty="0" smtClean="0"/>
+              <a:t>(N,M)</a:t>
+            </a:r>
+            <a:endParaRPr lang="it-IT" dirty="0"/>
+          </a:p>
+        </p:txBody>
+      </p:sp>
+    </p:spTree>
+    <p:extLst>
+      <p:ext uri="{BB962C8B-B14F-4D97-AF65-F5344CB8AC3E}">
+        <p14:creationId xmlns:p14="http://schemas.microsoft.com/office/powerpoint/2010/main" val="3283883633"/>
+      </p:ext>
+    </p:extLst>
+  </p:cSld>
+  <p:clrMapOvr>
+    <a:masterClrMapping/>
+  </p:clrMapOvr>
+  <p:timing>
+    <p:tnLst>
+      <p:par>
+        <p:cTn id="1" dur="indefinite" restart="never" nodeType="tmRoot"/>
+      </p:par>
+    </p:tnLst>
+  </p:timing>
+</p:sld>
+</file>
+
+<file path=ppt/slides/slide11.xml><?xml version="1.0" encoding="utf-8"?>
+<p:sld xmlns:a="http://schemas.openxmlformats.org/drawingml/2006/main" xmlns:r="http://schemas.openxmlformats.org/officeDocument/2006/relationships" xmlns:p="http://schemas.openxmlformats.org/presentationml/2006/main">
+  <p:cSld>
+    <p:spTree>
+      <p:nvGrpSpPr>
+        <p:cNvPr id="1" name=""/>
+        <p:cNvGrpSpPr/>
+        <p:nvPr/>
+      </p:nvGrpSpPr>
+      <p:grpSpPr>
+        <a:xfrm>
+          <a:off x="0" y="0"/>
+          <a:ext cx="0" cy="0"/>
+          <a:chOff x="0" y="0"/>
+          <a:chExt cx="0" cy="0"/>
+        </a:xfrm>
+      </p:grpSpPr>
+      <p:sp>
+        <p:nvSpPr>
+          <p:cNvPr id="2" name="Titolo 1"/>
+          <p:cNvSpPr>
+            <a:spLocks noGrp="1"/>
+          </p:cNvSpPr>
+          <p:nvPr>
+            <p:ph type="title"/>
+          </p:nvPr>
+        </p:nvSpPr>
+        <p:spPr>
+          <a:xfrm>
+            <a:off x="1069848" y="280233"/>
+            <a:ext cx="10058400" cy="1609344"/>
+          </a:xfrm>
+        </p:spPr>
+        <p:txBody>
+          <a:bodyPr>
+            <a:noAutofit/>
+          </a:bodyPr>
+          <a:lstStyle/>
+          <a:p>
+            <a:r>
+              <a:rPr lang="pt-BR" sz="3200" b="1" cap="none" dirty="0"/>
+              <a:t>8</a:t>
+            </a:r>
+            <a:r>
+              <a:rPr lang="pt-BR" sz="3200" b="1" cap="none" dirty="0" smtClean="0"/>
+              <a:t>º </a:t>
+            </a:r>
+            <a:r>
+              <a:rPr lang="pt-BR" sz="3200" b="1" cap="none" dirty="0"/>
+              <a:t>Passo - Identificar os atributos de cada ENTIDADE, ou seja, </a:t>
+            </a:r>
+            <a:r>
+              <a:rPr lang="pt-BR" sz="3200" b="1" cap="none" dirty="0" smtClean="0"/>
+              <a:t>quais </a:t>
+            </a:r>
+            <a:r>
+              <a:rPr lang="it-IT" sz="3200" b="1" cap="none" dirty="0" err="1" smtClean="0"/>
+              <a:t>informações</a:t>
+            </a:r>
+            <a:r>
+              <a:rPr lang="it-IT" sz="3200" b="1" cap="none" dirty="0" smtClean="0"/>
+              <a:t> </a:t>
+            </a:r>
+            <a:r>
+              <a:rPr lang="it-IT" sz="3200" b="1" cap="none" dirty="0" err="1"/>
+              <a:t>deverão</a:t>
+            </a:r>
+            <a:r>
+              <a:rPr lang="it-IT" sz="3200" b="1" cap="none" dirty="0"/>
+              <a:t> ser </a:t>
+            </a:r>
+            <a:r>
+              <a:rPr lang="it-IT" sz="3200" b="1" cap="none" dirty="0" err="1"/>
+              <a:t>armazenadas</a:t>
+            </a:r>
+            <a:endParaRPr lang="it-IT" sz="3200" cap="none" dirty="0"/>
+          </a:p>
+        </p:txBody>
+      </p:sp>
+      <p:sp>
+        <p:nvSpPr>
+          <p:cNvPr id="3" name="Segnaposto contenuto 2"/>
+          <p:cNvSpPr>
+            <a:spLocks noGrp="1"/>
+          </p:cNvSpPr>
+          <p:nvPr>
+            <p:ph idx="1"/>
+          </p:nvPr>
+        </p:nvSpPr>
+        <p:spPr>
+          <a:xfrm>
+            <a:off x="838200" y="1825625"/>
+            <a:ext cx="3131372" cy="2864709"/>
+          </a:xfrm>
+        </p:spPr>
+        <p:txBody>
+          <a:bodyPr>
+            <a:normAutofit/>
+          </a:bodyPr>
+          <a:lstStyle/>
+          <a:p>
+            <a:pPr marL="0" indent="0">
+              <a:buNone/>
+            </a:pPr>
+            <a:r>
+              <a:rPr lang="pt-PT" b="1" dirty="0" smtClean="0"/>
+              <a:t>Empresa</a:t>
+            </a:r>
+            <a:endParaRPr lang="it-IT" dirty="0"/>
+          </a:p>
+          <a:p>
+            <a:pPr lvl="1"/>
+            <a:r>
+              <a:rPr lang="pt-BR" dirty="0" smtClean="0"/>
+              <a:t>Código</a:t>
+            </a:r>
+          </a:p>
+          <a:p>
+            <a:pPr lvl="1"/>
+            <a:r>
+              <a:rPr lang="pt-BR" dirty="0" smtClean="0"/>
+              <a:t>nome </a:t>
+            </a:r>
+          </a:p>
+          <a:p>
+            <a:pPr lvl="1"/>
+            <a:r>
+              <a:rPr lang="pt-BR" b="1" dirty="0" smtClean="0"/>
+              <a:t>endereço</a:t>
+            </a:r>
+            <a:r>
+              <a:rPr lang="pt-BR" dirty="0" smtClean="0"/>
+              <a:t> </a:t>
+            </a:r>
+          </a:p>
+          <a:p>
+            <a:pPr lvl="3"/>
+            <a:r>
+              <a:rPr lang="pt-BR" dirty="0" smtClean="0"/>
+              <a:t>casa</a:t>
+            </a:r>
+          </a:p>
+          <a:p>
+            <a:pPr lvl="3"/>
+            <a:r>
+              <a:rPr lang="pt-BR" dirty="0" smtClean="0"/>
+              <a:t>rua</a:t>
+            </a:r>
+          </a:p>
+          <a:p>
+            <a:pPr lvl="3"/>
+            <a:r>
+              <a:rPr lang="pt-BR" dirty="0" smtClean="0"/>
+              <a:t> bairro</a:t>
+            </a:r>
+          </a:p>
+          <a:p>
+            <a:pPr lvl="3"/>
+            <a:r>
+              <a:rPr lang="pt-BR" dirty="0" smtClean="0"/>
+              <a:t>distrito</a:t>
+            </a:r>
+          </a:p>
+          <a:p>
+            <a:pPr lvl="3"/>
+            <a:r>
+              <a:rPr lang="pt-BR" dirty="0" smtClean="0"/>
+              <a:t> municipio</a:t>
+            </a:r>
+          </a:p>
+        </p:txBody>
+      </p:sp>
+      <p:sp>
+        <p:nvSpPr>
+          <p:cNvPr id="4" name="Segnaposto contenuto 2"/>
+          <p:cNvSpPr txBox="1">
+            <a:spLocks/>
+          </p:cNvSpPr>
+          <p:nvPr/>
+        </p:nvSpPr>
+        <p:spPr>
+          <a:xfrm>
+            <a:off x="4357743" y="1747951"/>
+            <a:ext cx="2742304" cy="3413349"/>
+          </a:xfrm>
+          <a:prstGeom prst="rect">
+            <a:avLst/>
+          </a:prstGeom>
+        </p:spPr>
+        <p:txBody>
+          <a:bodyPr vert="horz" lIns="91440" tIns="45720" rIns="91440" bIns="45720" rtlCol="0">
+            <a:normAutofit/>
+          </a:bodyPr>
+          <a:lstStyle>
+            <a:lvl1pPr marL="228600" indent="-228600" algn="l" defTabSz="914400" rtl="0" eaLnBrk="1" latinLnBrk="0" hangingPunct="1">
+              <a:lnSpc>
+                <a:spcPct val="90000"/>
+              </a:lnSpc>
+              <a:spcBef>
+                <a:spcPts val="1000"/>
+              </a:spcBef>
+              <a:buFont typeface="Arial" panose="020B0604020202020204" pitchFamily="34" charset="0"/>
+              <a:buChar char="•"/>
+              <a:defRPr sz="2800" kern="1200">
+                <a:solidFill>
+                  <a:schemeClr val="tx1"/>
+                </a:solidFill>
+                <a:latin typeface="+mn-lt"/>
+                <a:ea typeface="+mn-ea"/>
+                <a:cs typeface="+mn-cs"/>
+              </a:defRPr>
+            </a:lvl1pPr>
+            <a:lvl2pPr marL="685800" indent="-228600" algn="l" defTabSz="914400" rtl="0" eaLnBrk="1" latinLnBrk="0" hangingPunct="1">
+              <a:lnSpc>
+                <a:spcPct val="90000"/>
+              </a:lnSpc>
+              <a:spcBef>
+                <a:spcPts val="500"/>
+              </a:spcBef>
+              <a:buFont typeface="Arial" panose="020B0604020202020204" pitchFamily="34" charset="0"/>
+              <a:buChar char="•"/>
+              <a:defRPr sz="2400" kern="1200">
+                <a:solidFill>
+                  <a:schemeClr val="tx1"/>
+                </a:solidFill>
+                <a:latin typeface="+mn-lt"/>
+                <a:ea typeface="+mn-ea"/>
+                <a:cs typeface="+mn-cs"/>
+              </a:defRPr>
+            </a:lvl2pPr>
+            <a:lvl3pPr marL="1143000" indent="-228600" algn="l" defTabSz="914400" rtl="0" eaLnBrk="1" latinLnBrk="0" hangingPunct="1">
+              <a:lnSpc>
+                <a:spcPct val="90000"/>
+              </a:lnSpc>
+              <a:spcBef>
+                <a:spcPts val="500"/>
+              </a:spcBef>
+              <a:buFont typeface="Arial" panose="020B0604020202020204" pitchFamily="34" charset="0"/>
+              <a:buChar char="•"/>
+              <a:defRPr sz="2000" kern="1200">
+                <a:solidFill>
+                  <a:schemeClr val="tx1"/>
+                </a:solidFill>
+                <a:latin typeface="+mn-lt"/>
+                <a:ea typeface="+mn-ea"/>
+                <a:cs typeface="+mn-cs"/>
+              </a:defRPr>
+            </a:lvl3pPr>
+            <a:lvl4pPr marL="1600200" indent="-228600" algn="l" defTabSz="914400" rtl="0" eaLnBrk="1" latinLnBrk="0" hangingPunct="1">
+              <a:lnSpc>
+                <a:spcPct val="90000"/>
+              </a:lnSpc>
+              <a:spcBef>
+                <a:spcPts val="500"/>
+              </a:spcBef>
+              <a:buFont typeface="Arial" panose="020B0604020202020204" pitchFamily="34" charset="0"/>
+              <a:buChar char="•"/>
+              <a:defRPr sz="1800" kern="1200">
+                <a:solidFill>
+                  <a:schemeClr val="tx1"/>
+                </a:solidFill>
+                <a:latin typeface="+mn-lt"/>
+                <a:ea typeface="+mn-ea"/>
+                <a:cs typeface="+mn-cs"/>
+              </a:defRPr>
+            </a:lvl4pPr>
+            <a:lvl5pPr marL="2057400" indent="-228600" algn="l" defTabSz="914400" rtl="0" eaLnBrk="1" latinLnBrk="0" hangingPunct="1">
+              <a:lnSpc>
+                <a:spcPct val="90000"/>
+              </a:lnSpc>
+              <a:spcBef>
+                <a:spcPts val="500"/>
+              </a:spcBef>
+              <a:buFont typeface="Arial" panose="020B0604020202020204" pitchFamily="34" charset="0"/>
+              <a:buChar char="•"/>
+              <a:defRPr sz="1800" kern="1200">
+                <a:solidFill>
+                  <a:schemeClr val="tx1"/>
+                </a:solidFill>
+                <a:latin typeface="+mn-lt"/>
+                <a:ea typeface="+mn-ea"/>
+                <a:cs typeface="+mn-cs"/>
+              </a:defRPr>
+            </a:lvl5pPr>
+            <a:lvl6pPr marL="2514600" indent="-228600" algn="l" defTabSz="914400" rtl="0" eaLnBrk="1" latinLnBrk="0" hangingPunct="1">
+              <a:lnSpc>
+                <a:spcPct val="90000"/>
+              </a:lnSpc>
+              <a:spcBef>
+                <a:spcPts val="500"/>
+              </a:spcBef>
+              <a:buFont typeface="Arial" panose="020B0604020202020204" pitchFamily="34" charset="0"/>
+              <a:buChar char="•"/>
+              <a:defRPr sz="1800" kern="1200">
+                <a:solidFill>
+                  <a:schemeClr val="tx1"/>
+                </a:solidFill>
+                <a:latin typeface="+mn-lt"/>
+                <a:ea typeface="+mn-ea"/>
+                <a:cs typeface="+mn-cs"/>
+              </a:defRPr>
+            </a:lvl6pPr>
+            <a:lvl7pPr marL="2971800" indent="-228600" algn="l" defTabSz="914400" rtl="0" eaLnBrk="1" latinLnBrk="0" hangingPunct="1">
+              <a:lnSpc>
+                <a:spcPct val="90000"/>
+              </a:lnSpc>
+              <a:spcBef>
+                <a:spcPts val="500"/>
+              </a:spcBef>
+              <a:buFont typeface="Arial" panose="020B0604020202020204" pitchFamily="34" charset="0"/>
+              <a:buChar char="•"/>
+              <a:defRPr sz="1800" kern="1200">
+                <a:solidFill>
+                  <a:schemeClr val="tx1"/>
+                </a:solidFill>
+                <a:latin typeface="+mn-lt"/>
+                <a:ea typeface="+mn-ea"/>
+                <a:cs typeface="+mn-cs"/>
+              </a:defRPr>
+            </a:lvl7pPr>
+            <a:lvl8pPr marL="3429000" indent="-228600" algn="l" defTabSz="914400" rtl="0" eaLnBrk="1" latinLnBrk="0" hangingPunct="1">
+              <a:lnSpc>
+                <a:spcPct val="90000"/>
+              </a:lnSpc>
+              <a:spcBef>
+                <a:spcPts val="500"/>
+              </a:spcBef>
+              <a:buFont typeface="Arial" panose="020B0604020202020204" pitchFamily="34" charset="0"/>
+              <a:buChar char="•"/>
+              <a:defRPr sz="1800" kern="1200">
+                <a:solidFill>
+                  <a:schemeClr val="tx1"/>
+                </a:solidFill>
+                <a:latin typeface="+mn-lt"/>
+                <a:ea typeface="+mn-ea"/>
+                <a:cs typeface="+mn-cs"/>
+              </a:defRPr>
+            </a:lvl8pPr>
+            <a:lvl9pPr marL="3886200" indent="-228600" algn="l" defTabSz="914400" rtl="0" eaLnBrk="1" latinLnBrk="0" hangingPunct="1">
+              <a:lnSpc>
+                <a:spcPct val="90000"/>
+              </a:lnSpc>
+              <a:spcBef>
+                <a:spcPts val="500"/>
+              </a:spcBef>
+              <a:buFont typeface="Arial" panose="020B0604020202020204" pitchFamily="34" charset="0"/>
+              <a:buChar char="•"/>
+              <a:defRPr sz="1800" kern="1200">
+                <a:solidFill>
+                  <a:schemeClr val="tx1"/>
+                </a:solidFill>
+                <a:latin typeface="+mn-lt"/>
+                <a:ea typeface="+mn-ea"/>
+                <a:cs typeface="+mn-cs"/>
+              </a:defRPr>
+            </a:lvl9pPr>
+          </a:lstStyle>
+          <a:p>
+            <a:pPr marL="0" indent="0">
+              <a:buNone/>
+            </a:pPr>
+            <a:r>
+              <a:rPr lang="pt-PT" sz="2000" b="1" dirty="0" err="1" smtClean="0"/>
+              <a:t>Projecto</a:t>
+            </a:r>
+            <a:endParaRPr lang="it-IT" sz="2000" dirty="0" smtClean="0"/>
+          </a:p>
+          <a:p>
+            <a:pPr lvl="1"/>
+            <a:r>
+              <a:rPr lang="pt-BR" sz="1800" dirty="0" smtClean="0"/>
+              <a:t>número </a:t>
+            </a:r>
+          </a:p>
+          <a:p>
+            <a:pPr lvl="1"/>
+            <a:r>
+              <a:rPr lang="pt-BR" sz="1800" dirty="0" smtClean="0"/>
+              <a:t>data </a:t>
+            </a:r>
+            <a:r>
+              <a:rPr lang="pt-BR" sz="1800" dirty="0"/>
+              <a:t>de </a:t>
+            </a:r>
+            <a:r>
+              <a:rPr lang="pt-BR" sz="1800" dirty="0" smtClean="0"/>
+              <a:t>início</a:t>
+            </a:r>
+          </a:p>
+          <a:p>
+            <a:pPr lvl="1"/>
+            <a:r>
+              <a:rPr lang="pt-BR" sz="1800" dirty="0"/>
+              <a:t>data </a:t>
+            </a:r>
+            <a:r>
+              <a:rPr lang="pt-BR" sz="1800" dirty="0" smtClean="0"/>
+              <a:t>término </a:t>
+            </a:r>
+          </a:p>
+          <a:p>
+            <a:pPr lvl="1"/>
+            <a:r>
+              <a:rPr lang="pt-BR" sz="1800" dirty="0" smtClean="0"/>
+              <a:t>valor </a:t>
+            </a:r>
+            <a:endParaRPr lang="it-IT" sz="1800" dirty="0"/>
+          </a:p>
+          <a:p>
+            <a:pPr marL="0" indent="0">
+              <a:buNone/>
+            </a:pPr>
+            <a:r>
+              <a:rPr lang="pt-PT" sz="2000" b="1" dirty="0" smtClean="0"/>
+              <a:t>Consultor</a:t>
+            </a:r>
+            <a:endParaRPr lang="it-IT" sz="2000" dirty="0"/>
+          </a:p>
+          <a:p>
+            <a:pPr lvl="1"/>
+            <a:r>
+              <a:rPr lang="pt-BR" sz="1800" dirty="0"/>
+              <a:t>número</a:t>
+            </a:r>
+            <a:endParaRPr lang="it-IT" sz="1800" dirty="0"/>
+          </a:p>
+          <a:p>
+            <a:pPr lvl="1"/>
+            <a:r>
+              <a:rPr lang="it-IT" sz="1800" dirty="0" smtClean="0"/>
+              <a:t>nome</a:t>
+            </a:r>
+            <a:endParaRPr lang="it-IT" sz="1800" dirty="0"/>
+          </a:p>
+          <a:p>
+            <a:pPr lvl="1"/>
+            <a:r>
+              <a:rPr lang="pt-PT" sz="1800" dirty="0" smtClean="0"/>
+              <a:t>documento</a:t>
+            </a:r>
+            <a:endParaRPr lang="it-IT" sz="1800" dirty="0"/>
+          </a:p>
+          <a:p>
+            <a:pPr lvl="1"/>
+            <a:r>
+              <a:rPr lang="pt-PT" sz="1800" b="1" dirty="0" smtClean="0">
+                <a:solidFill>
+                  <a:srgbClr val="C00000"/>
+                </a:solidFill>
+              </a:rPr>
+              <a:t>especialidade</a:t>
+            </a:r>
+            <a:endParaRPr lang="it-IT" sz="1800" b="1" dirty="0">
+              <a:solidFill>
+                <a:srgbClr val="C00000"/>
+              </a:solidFill>
+            </a:endParaRPr>
+          </a:p>
+          <a:p>
+            <a:pPr lvl="1"/>
+            <a:endParaRPr lang="pt-PT" dirty="0"/>
+          </a:p>
+        </p:txBody>
+      </p:sp>
+      <p:sp>
+        <p:nvSpPr>
+          <p:cNvPr id="5" name="CasellaDiTesto 4"/>
+          <p:cNvSpPr txBox="1"/>
+          <p:nvPr/>
+        </p:nvSpPr>
+        <p:spPr>
+          <a:xfrm>
+            <a:off x="1132422" y="5161300"/>
+            <a:ext cx="9537192" cy="1600438"/>
+          </a:xfrm>
+          <a:prstGeom prst="rect">
+            <a:avLst/>
+          </a:prstGeom>
+        </p:spPr>
+        <p:style>
+          <a:lnRef idx="2">
+            <a:schemeClr val="accent2"/>
+          </a:lnRef>
+          <a:fillRef idx="1">
+            <a:schemeClr val="lt1"/>
+          </a:fillRef>
+          <a:effectRef idx="0">
+            <a:schemeClr val="accent2"/>
+          </a:effectRef>
+          <a:fontRef idx="minor">
+            <a:schemeClr val="dk1"/>
+          </a:fontRef>
+        </p:style>
+        <p:txBody>
+          <a:bodyPr wrap="square" rtlCol="0">
+            <a:spAutoFit/>
+          </a:bodyPr>
+          <a:lstStyle/>
+          <a:p>
+            <a:r>
+              <a:rPr lang="pt-BR" sz="1600" dirty="0"/>
+              <a:t>De acordo com o solicitado pelo cliente, para cada projecto dever-se-á armazenar o código, nome e endereço da empresa que solicitou o projecto, o número do projecto, a data de início e de término do projecto, o valor do projeto, o número, nome, número do documento de identidade e </a:t>
+            </a:r>
+            <a:r>
+              <a:rPr lang="pt-BR" sz="1600" dirty="0" smtClean="0"/>
+              <a:t>especialidade </a:t>
+            </a:r>
+            <a:r>
+              <a:rPr lang="pt-BR" sz="1600" dirty="0"/>
+              <a:t>dos consultores que participaram do projecto, </a:t>
+            </a:r>
+            <a:r>
+              <a:rPr lang="pt-BR" sz="1600" i="1" dirty="0">
+                <a:solidFill>
+                  <a:srgbClr val="00B050"/>
+                </a:solidFill>
+              </a:rPr>
+              <a:t>as horas que trabalharam em cada projecto e a função que algum deles exerceu (líder ou membro) no projecto. </a:t>
+            </a:r>
+          </a:p>
+          <a:p>
+            <a:endParaRPr lang="it-IT" dirty="0"/>
+          </a:p>
+        </p:txBody>
+      </p:sp>
+      <p:sp>
+        <p:nvSpPr>
+          <p:cNvPr id="6" name="Segnaposto contenuto 2"/>
+          <p:cNvSpPr txBox="1">
+            <a:spLocks/>
+          </p:cNvSpPr>
+          <p:nvPr/>
+        </p:nvSpPr>
+        <p:spPr>
+          <a:xfrm>
+            <a:off x="7488218" y="1825625"/>
+            <a:ext cx="3065034" cy="3413349"/>
+          </a:xfrm>
+          <a:prstGeom prst="rect">
+            <a:avLst/>
+          </a:prstGeom>
+        </p:spPr>
+        <p:txBody>
+          <a:bodyPr vert="horz" lIns="91440" tIns="45720" rIns="91440" bIns="45720" rtlCol="0">
+            <a:normAutofit/>
+          </a:bodyPr>
+          <a:lstStyle>
+            <a:lvl1pPr marL="228600" indent="-228600" algn="l" defTabSz="914400" rtl="0" eaLnBrk="1" latinLnBrk="0" hangingPunct="1">
+              <a:lnSpc>
+                <a:spcPct val="90000"/>
+              </a:lnSpc>
+              <a:spcBef>
+                <a:spcPts val="1000"/>
+              </a:spcBef>
+              <a:buFont typeface="Arial" panose="020B0604020202020204" pitchFamily="34" charset="0"/>
+              <a:buChar char="•"/>
+              <a:defRPr sz="2800" kern="1200">
+                <a:solidFill>
+                  <a:schemeClr val="tx1"/>
+                </a:solidFill>
+                <a:latin typeface="+mn-lt"/>
+                <a:ea typeface="+mn-ea"/>
+                <a:cs typeface="+mn-cs"/>
+              </a:defRPr>
+            </a:lvl1pPr>
+            <a:lvl2pPr marL="685800" indent="-228600" algn="l" defTabSz="914400" rtl="0" eaLnBrk="1" latinLnBrk="0" hangingPunct="1">
+              <a:lnSpc>
+                <a:spcPct val="90000"/>
+              </a:lnSpc>
+              <a:spcBef>
+                <a:spcPts val="500"/>
+              </a:spcBef>
+              <a:buFont typeface="Arial" panose="020B0604020202020204" pitchFamily="34" charset="0"/>
+              <a:buChar char="•"/>
+              <a:defRPr sz="2400" kern="1200">
+                <a:solidFill>
+                  <a:schemeClr val="tx1"/>
+                </a:solidFill>
+                <a:latin typeface="+mn-lt"/>
+                <a:ea typeface="+mn-ea"/>
+                <a:cs typeface="+mn-cs"/>
+              </a:defRPr>
+            </a:lvl2pPr>
+            <a:lvl3pPr marL="1143000" indent="-228600" algn="l" defTabSz="914400" rtl="0" eaLnBrk="1" latinLnBrk="0" hangingPunct="1">
+              <a:lnSpc>
+                <a:spcPct val="90000"/>
+              </a:lnSpc>
+              <a:spcBef>
+                <a:spcPts val="500"/>
+              </a:spcBef>
+              <a:buFont typeface="Arial" panose="020B0604020202020204" pitchFamily="34" charset="0"/>
+              <a:buChar char="•"/>
+              <a:defRPr sz="2000" kern="1200">
+                <a:solidFill>
+                  <a:schemeClr val="tx1"/>
+                </a:solidFill>
+                <a:latin typeface="+mn-lt"/>
+                <a:ea typeface="+mn-ea"/>
+                <a:cs typeface="+mn-cs"/>
+              </a:defRPr>
+            </a:lvl3pPr>
+            <a:lvl4pPr marL="1600200" indent="-228600" algn="l" defTabSz="914400" rtl="0" eaLnBrk="1" latinLnBrk="0" hangingPunct="1">
+              <a:lnSpc>
+                <a:spcPct val="90000"/>
+              </a:lnSpc>
+              <a:spcBef>
+                <a:spcPts val="500"/>
+              </a:spcBef>
+              <a:buFont typeface="Arial" panose="020B0604020202020204" pitchFamily="34" charset="0"/>
+              <a:buChar char="•"/>
+              <a:defRPr sz="1800" kern="1200">
+                <a:solidFill>
+                  <a:schemeClr val="tx1"/>
+                </a:solidFill>
+                <a:latin typeface="+mn-lt"/>
+                <a:ea typeface="+mn-ea"/>
+                <a:cs typeface="+mn-cs"/>
+              </a:defRPr>
+            </a:lvl4pPr>
+            <a:lvl5pPr marL="2057400" indent="-228600" algn="l" defTabSz="914400" rtl="0" eaLnBrk="1" latinLnBrk="0" hangingPunct="1">
+              <a:lnSpc>
+                <a:spcPct val="90000"/>
+              </a:lnSpc>
+              <a:spcBef>
+                <a:spcPts val="500"/>
+              </a:spcBef>
+              <a:buFont typeface="Arial" panose="020B0604020202020204" pitchFamily="34" charset="0"/>
+              <a:buChar char="•"/>
+              <a:defRPr sz="1800" kern="1200">
+                <a:solidFill>
+                  <a:schemeClr val="tx1"/>
+                </a:solidFill>
+                <a:latin typeface="+mn-lt"/>
+                <a:ea typeface="+mn-ea"/>
+                <a:cs typeface="+mn-cs"/>
+              </a:defRPr>
+            </a:lvl5pPr>
+            <a:lvl6pPr marL="2514600" indent="-228600" algn="l" defTabSz="914400" rtl="0" eaLnBrk="1" latinLnBrk="0" hangingPunct="1">
+              <a:lnSpc>
+                <a:spcPct val="90000"/>
+              </a:lnSpc>
+              <a:spcBef>
+                <a:spcPts val="500"/>
+              </a:spcBef>
+              <a:buFont typeface="Arial" panose="020B0604020202020204" pitchFamily="34" charset="0"/>
+              <a:buChar char="•"/>
+              <a:defRPr sz="1800" kern="1200">
+                <a:solidFill>
+                  <a:schemeClr val="tx1"/>
+                </a:solidFill>
+                <a:latin typeface="+mn-lt"/>
+                <a:ea typeface="+mn-ea"/>
+                <a:cs typeface="+mn-cs"/>
+              </a:defRPr>
+            </a:lvl6pPr>
+            <a:lvl7pPr marL="2971800" indent="-228600" algn="l" defTabSz="914400" rtl="0" eaLnBrk="1" latinLnBrk="0" hangingPunct="1">
+              <a:lnSpc>
+                <a:spcPct val="90000"/>
+              </a:lnSpc>
+              <a:spcBef>
+                <a:spcPts val="500"/>
+              </a:spcBef>
+              <a:buFont typeface="Arial" panose="020B0604020202020204" pitchFamily="34" charset="0"/>
+              <a:buChar char="•"/>
+              <a:defRPr sz="1800" kern="1200">
+                <a:solidFill>
+                  <a:schemeClr val="tx1"/>
+                </a:solidFill>
+                <a:latin typeface="+mn-lt"/>
+                <a:ea typeface="+mn-ea"/>
+                <a:cs typeface="+mn-cs"/>
+              </a:defRPr>
+            </a:lvl7pPr>
+            <a:lvl8pPr marL="3429000" indent="-228600" algn="l" defTabSz="914400" rtl="0" eaLnBrk="1" latinLnBrk="0" hangingPunct="1">
+              <a:lnSpc>
+                <a:spcPct val="90000"/>
+              </a:lnSpc>
+              <a:spcBef>
+                <a:spcPts val="500"/>
+              </a:spcBef>
+              <a:buFont typeface="Arial" panose="020B0604020202020204" pitchFamily="34" charset="0"/>
+              <a:buChar char="•"/>
+              <a:defRPr sz="1800" kern="1200">
+                <a:solidFill>
+                  <a:schemeClr val="tx1"/>
+                </a:solidFill>
+                <a:latin typeface="+mn-lt"/>
+                <a:ea typeface="+mn-ea"/>
+                <a:cs typeface="+mn-cs"/>
+              </a:defRPr>
+            </a:lvl8pPr>
+            <a:lvl9pPr marL="3886200" indent="-228600" algn="l" defTabSz="914400" rtl="0" eaLnBrk="1" latinLnBrk="0" hangingPunct="1">
+              <a:lnSpc>
+                <a:spcPct val="90000"/>
+              </a:lnSpc>
+              <a:spcBef>
+                <a:spcPts val="500"/>
+              </a:spcBef>
+              <a:buFont typeface="Arial" panose="020B0604020202020204" pitchFamily="34" charset="0"/>
+              <a:buChar char="•"/>
+              <a:defRPr sz="1800" kern="1200">
+                <a:solidFill>
+                  <a:schemeClr val="tx1"/>
+                </a:solidFill>
+                <a:latin typeface="+mn-lt"/>
+                <a:ea typeface="+mn-ea"/>
+                <a:cs typeface="+mn-cs"/>
+              </a:defRPr>
+            </a:lvl9pPr>
+          </a:lstStyle>
+          <a:p>
+            <a:pPr marL="0" indent="0">
+              <a:buNone/>
+            </a:pPr>
+            <a:endParaRPr lang="pt-PT" sz="2000" b="1" dirty="0" smtClean="0"/>
+          </a:p>
+          <a:p>
+            <a:pPr marL="0" indent="0">
+              <a:buNone/>
+            </a:pPr>
+            <a:endParaRPr lang="pt-PT" sz="2000" b="1" dirty="0"/>
+          </a:p>
+          <a:p>
+            <a:pPr marL="0" indent="0" algn="ctr">
+              <a:buNone/>
+            </a:pPr>
+            <a:r>
+              <a:rPr lang="pt-PT" sz="4400" b="1" dirty="0" smtClean="0"/>
+              <a:t>?</a:t>
+            </a:r>
+            <a:endParaRPr lang="it-IT" sz="4400" dirty="0" smtClean="0"/>
+          </a:p>
+          <a:p>
+            <a:pPr lvl="1"/>
+            <a:r>
+              <a:rPr lang="pt-BR" sz="1800" dirty="0"/>
+              <a:t>h</a:t>
+            </a:r>
+            <a:r>
+              <a:rPr lang="pt-BR" sz="1800" dirty="0" smtClean="0"/>
+              <a:t>oras trabalhadas </a:t>
+            </a:r>
+          </a:p>
+          <a:p>
+            <a:pPr lvl="1"/>
+            <a:r>
+              <a:rPr lang="pt-BR" sz="1800" dirty="0" smtClean="0"/>
+              <a:t>função</a:t>
+            </a:r>
+          </a:p>
+          <a:p>
+            <a:pPr lvl="1"/>
+            <a:endParaRPr lang="pt-PT" dirty="0"/>
+          </a:p>
+        </p:txBody>
+      </p:sp>
+    </p:spTree>
+    <p:extLst>
+      <p:ext uri="{BB962C8B-B14F-4D97-AF65-F5344CB8AC3E}">
+        <p14:creationId xmlns:p14="http://schemas.microsoft.com/office/powerpoint/2010/main" val="1611930695"/>
+      </p:ext>
+    </p:extLst>
+  </p:cSld>
+  <p:clrMapOvr>
+    <a:masterClrMapping/>
+  </p:clrMapOvr>
+  <p:timing>
+    <p:tnLst>
+      <p:par>
+        <p:cTn id="1" dur="indefinite" restart="never" nodeType="tmRoot"/>
+      </p:par>
+    </p:tnLst>
+  </p:timing>
+</p:sld>
+</file>
+
+<file path=ppt/slides/slide12.xml><?xml version="1.0" encoding="utf-8"?>
+<p:sld xmlns:a="http://schemas.openxmlformats.org/drawingml/2006/main" xmlns:r="http://schemas.openxmlformats.org/officeDocument/2006/relationships" xmlns:p="http://schemas.openxmlformats.org/presentationml/2006/main">
+  <p:cSld>
+    <p:spTree>
+      <p:nvGrpSpPr>
+        <p:cNvPr id="1" name=""/>
+        <p:cNvGrpSpPr/>
+        <p:nvPr/>
+      </p:nvGrpSpPr>
+      <p:grpSpPr>
+        <a:xfrm>
+          <a:off x="0" y="0"/>
+          <a:ext cx="0" cy="0"/>
+          <a:chOff x="0" y="0"/>
+          <a:chExt cx="0" cy="0"/>
+        </a:xfrm>
+      </p:grpSpPr>
+      <p:sp>
+        <p:nvSpPr>
+          <p:cNvPr id="2" name="Titolo 1"/>
+          <p:cNvSpPr>
+            <a:spLocks noGrp="1"/>
+          </p:cNvSpPr>
+          <p:nvPr>
+            <p:ph type="title"/>
+          </p:nvPr>
+        </p:nvSpPr>
+        <p:spPr/>
+        <p:txBody>
+          <a:bodyPr>
+            <a:normAutofit/>
+          </a:bodyPr>
+          <a:lstStyle/>
+          <a:p>
+            <a:r>
+              <a:rPr lang="pt-PT" sz="3200" cap="none" dirty="0" smtClean="0"/>
+              <a:t>Software usado para a criação dos diagramas : </a:t>
+            </a:r>
+            <a:r>
+              <a:rPr lang="it-IT" sz="2400" cap="none" dirty="0">
+                <a:hlinkClick r:id="rId2"/>
+              </a:rPr>
+              <a:t>https://app.diagrams.net/</a:t>
+            </a:r>
+            <a:endParaRPr lang="it-IT" sz="2400" cap="none" dirty="0"/>
+          </a:p>
+        </p:txBody>
+      </p:sp>
+      <p:pic>
+        <p:nvPicPr>
+          <p:cNvPr id="4" name="Immagine 3"/>
+          <p:cNvPicPr>
+            <a:picLocks noChangeAspect="1"/>
+          </p:cNvPicPr>
+          <p:nvPr/>
+        </p:nvPicPr>
+        <p:blipFill rotWithShape="1">
+          <a:blip r:embed="rId3"/>
+          <a:srcRect l="25857" t="21960" r="26641" b="16393"/>
+          <a:stretch/>
+        </p:blipFill>
+        <p:spPr>
+          <a:xfrm>
+            <a:off x="2645797" y="1957891"/>
+            <a:ext cx="6110928" cy="4736367"/>
+          </a:xfrm>
+          <a:prstGeom prst="rect">
+            <a:avLst/>
+          </a:prstGeom>
+        </p:spPr>
+      </p:pic>
+    </p:spTree>
+    <p:extLst>
+      <p:ext uri="{BB962C8B-B14F-4D97-AF65-F5344CB8AC3E}">
+        <p14:creationId xmlns:p14="http://schemas.microsoft.com/office/powerpoint/2010/main" val="2502569403"/>
+      </p:ext>
+    </p:extLst>
+  </p:cSld>
+  <p:clrMapOvr>
+    <a:masterClrMapping/>
+  </p:clrMapOvr>
+  <p:timing>
+    <p:tnLst>
+      <p:par>
+        <p:cTn id="1" dur="indefinite" restart="never" nodeType="tmRoot"/>
+      </p:par>
+    </p:tnLst>
+  </p:timing>
+</p:sld>
+</file>
+
+<file path=ppt/slides/slide13.xml><?xml version="1.0" encoding="utf-8"?>
+<p:sld xmlns:a="http://schemas.openxmlformats.org/drawingml/2006/main" xmlns:r="http://schemas.openxmlformats.org/officeDocument/2006/relationships" xmlns:p="http://schemas.openxmlformats.org/presentationml/2006/main">
+  <p:cSld>
+    <p:spTree>
+      <p:nvGrpSpPr>
+        <p:cNvPr id="1" name=""/>
+        <p:cNvGrpSpPr/>
+        <p:nvPr/>
+      </p:nvGrpSpPr>
+      <p:grpSpPr>
+        <a:xfrm>
+          <a:off x="0" y="0"/>
+          <a:ext cx="0" cy="0"/>
+          <a:chOff x="0" y="0"/>
+          <a:chExt cx="0" cy="0"/>
+        </a:xfrm>
+      </p:grpSpPr>
+      <p:sp>
+        <p:nvSpPr>
+          <p:cNvPr id="2" name="Titolo 1"/>
+          <p:cNvSpPr>
+            <a:spLocks noGrp="1"/>
+          </p:cNvSpPr>
+          <p:nvPr>
+            <p:ph type="title"/>
+          </p:nvPr>
+        </p:nvSpPr>
+        <p:spPr/>
+        <p:txBody>
+          <a:bodyPr>
+            <a:normAutofit/>
+          </a:bodyPr>
+          <a:lstStyle/>
+          <a:p>
+            <a:r>
+              <a:rPr lang="pt-BR" sz="4000" b="1" cap="none" dirty="0"/>
+              <a:t>Visão </a:t>
+            </a:r>
+            <a:r>
+              <a:rPr lang="pt-BR" sz="4000" b="1" cap="none" dirty="0" smtClean="0"/>
+              <a:t>Geral do diagrama </a:t>
+            </a:r>
+            <a:r>
+              <a:rPr lang="pt-BR" sz="4000" b="1" cap="none" dirty="0"/>
+              <a:t>(</a:t>
+            </a:r>
+            <a:r>
+              <a:rPr lang="pt-BR" sz="4000" b="1" i="1" cap="none" dirty="0"/>
+              <a:t>sem os atributos</a:t>
+            </a:r>
+            <a:r>
+              <a:rPr lang="pt-BR" sz="4000" b="1" cap="none" dirty="0"/>
+              <a:t>):</a:t>
+            </a:r>
+            <a:endParaRPr lang="it-IT" sz="4000" cap="none" dirty="0"/>
+          </a:p>
+        </p:txBody>
+      </p:sp>
+      <p:pic>
+        <p:nvPicPr>
+          <p:cNvPr id="3" name="Immagine 2"/>
+          <p:cNvPicPr>
+            <a:picLocks noChangeAspect="1"/>
+          </p:cNvPicPr>
+          <p:nvPr/>
+        </p:nvPicPr>
+        <p:blipFill rotWithShape="1">
+          <a:blip r:embed="rId2"/>
+          <a:srcRect l="23562" t="36079" r="31340" b="18117"/>
+          <a:stretch/>
+        </p:blipFill>
+        <p:spPr>
+          <a:xfrm>
+            <a:off x="1602889" y="1839557"/>
+            <a:ext cx="7261413" cy="4609419"/>
+          </a:xfrm>
+          <a:prstGeom prst="rect">
+            <a:avLst/>
+          </a:prstGeom>
+        </p:spPr>
+      </p:pic>
+    </p:spTree>
+    <p:extLst>
+      <p:ext uri="{BB962C8B-B14F-4D97-AF65-F5344CB8AC3E}">
+        <p14:creationId xmlns:p14="http://schemas.microsoft.com/office/powerpoint/2010/main" val="4148899015"/>
+      </p:ext>
+    </p:extLst>
+  </p:cSld>
+  <p:clrMapOvr>
+    <a:masterClrMapping/>
+  </p:clrMapOvr>
+  <p:timing>
+    <p:tnLst>
+      <p:par>
+        <p:cTn id="1" dur="indefinite" restart="never" nodeType="tmRoot"/>
+      </p:par>
+    </p:tnLst>
+  </p:timing>
+</p:sld>
+</file>
+
+<file path=ppt/slides/slide14.xml><?xml version="1.0" encoding="utf-8"?>
+<p:sld xmlns:a="http://schemas.openxmlformats.org/drawingml/2006/main" xmlns:r="http://schemas.openxmlformats.org/officeDocument/2006/relationships" xmlns:p="http://schemas.openxmlformats.org/presentationml/2006/main">
+  <p:cSld>
+    <p:spTree>
+      <p:nvGrpSpPr>
+        <p:cNvPr id="1" name=""/>
+        <p:cNvGrpSpPr/>
+        <p:nvPr/>
+      </p:nvGrpSpPr>
+      <p:grpSpPr>
+        <a:xfrm>
+          <a:off x="0" y="0"/>
+          <a:ext cx="0" cy="0"/>
+          <a:chOff x="0" y="0"/>
+          <a:chExt cx="0" cy="0"/>
+        </a:xfrm>
+      </p:grpSpPr>
+      <p:sp>
+        <p:nvSpPr>
+          <p:cNvPr id="2" name="Titolo 1"/>
+          <p:cNvSpPr>
+            <a:spLocks noGrp="1"/>
+          </p:cNvSpPr>
+          <p:nvPr>
+            <p:ph type="title"/>
+          </p:nvPr>
+        </p:nvSpPr>
+        <p:spPr/>
+        <p:txBody>
+          <a:bodyPr>
+            <a:normAutofit/>
+          </a:bodyPr>
+          <a:lstStyle/>
+          <a:p>
+            <a:r>
+              <a:rPr lang="pt-BR" sz="4000" b="1" cap="none" dirty="0"/>
+              <a:t>Visão Geral </a:t>
+            </a:r>
+            <a:r>
+              <a:rPr lang="pt-BR" sz="4000" b="1" cap="none" dirty="0" smtClean="0"/>
+              <a:t>do diagrama (</a:t>
+            </a:r>
+            <a:r>
+              <a:rPr lang="pt-BR" sz="4000" b="1" i="1" cap="none" dirty="0" smtClean="0"/>
+              <a:t>com </a:t>
+            </a:r>
+            <a:r>
+              <a:rPr lang="pt-BR" sz="4000" b="1" i="1" cap="none" dirty="0"/>
+              <a:t>os atributos</a:t>
+            </a:r>
+            <a:r>
+              <a:rPr lang="pt-BR" sz="4000" b="1" cap="none" dirty="0"/>
+              <a:t>):</a:t>
+            </a:r>
+            <a:endParaRPr lang="it-IT" sz="4000" cap="none" dirty="0"/>
+          </a:p>
+        </p:txBody>
+      </p:sp>
+      <p:pic>
+        <p:nvPicPr>
+          <p:cNvPr id="5" name="Immagine 4"/>
+          <p:cNvPicPr>
+            <a:picLocks noChangeAspect="1"/>
+          </p:cNvPicPr>
+          <p:nvPr/>
+        </p:nvPicPr>
+        <p:blipFill rotWithShape="1">
+          <a:blip r:embed="rId2"/>
+          <a:srcRect l="21013" t="26510" r="21242" b="15294"/>
+          <a:stretch/>
+        </p:blipFill>
+        <p:spPr>
+          <a:xfrm>
+            <a:off x="2173043" y="1870990"/>
+            <a:ext cx="7659445" cy="4824540"/>
+          </a:xfrm>
+          <a:prstGeom prst="rect">
+            <a:avLst/>
+          </a:prstGeom>
+        </p:spPr>
+      </p:pic>
+    </p:spTree>
+    <p:extLst>
+      <p:ext uri="{BB962C8B-B14F-4D97-AF65-F5344CB8AC3E}">
+        <p14:creationId xmlns:p14="http://schemas.microsoft.com/office/powerpoint/2010/main" val="1837395659"/>
+      </p:ext>
+    </p:extLst>
+  </p:cSld>
+  <p:clrMapOvr>
+    <a:masterClrMapping/>
+  </p:clrMapOvr>
+  <p:timing>
+    <p:tnLst>
+      <p:par>
+        <p:cTn id="1" dur="indefinite" restart="never" nodeType="tmRoot"/>
+      </p:par>
+    </p:tnLst>
+  </p:timing>
+</p:sld>
+</file>
+
+<file path=ppt/slides/slide15.xml><?xml version="1.0" encoding="utf-8"?>
+<p:sld xmlns:a="http://schemas.openxmlformats.org/drawingml/2006/main" xmlns:r="http://schemas.openxmlformats.org/officeDocument/2006/relationships" xmlns:p="http://schemas.openxmlformats.org/presentationml/2006/main">
+  <p:cSld>
+    <p:spTree>
+      <p:nvGrpSpPr>
+        <p:cNvPr id="1" name=""/>
+        <p:cNvGrpSpPr/>
+        <p:nvPr/>
+      </p:nvGrpSpPr>
+      <p:grpSpPr>
+        <a:xfrm>
+          <a:off x="0" y="0"/>
+          <a:ext cx="0" cy="0"/>
+          <a:chOff x="0" y="0"/>
+          <a:chExt cx="0" cy="0"/>
+        </a:xfrm>
+      </p:grpSpPr>
+      <p:sp>
+        <p:nvSpPr>
+          <p:cNvPr id="4" name="Titolo 3"/>
+          <p:cNvSpPr>
+            <a:spLocks noGrp="1"/>
+          </p:cNvSpPr>
+          <p:nvPr>
+            <p:ph type="ctrTitle"/>
+          </p:nvPr>
+        </p:nvSpPr>
+        <p:spPr/>
+        <p:txBody>
+          <a:bodyPr/>
+          <a:lstStyle/>
+          <a:p>
+            <a:r>
+              <a:rPr lang="pt-PT" smtClean="0"/>
+              <a:t>Obrigado</a:t>
+            </a:r>
+            <a:endParaRPr lang="it-IT"/>
+          </a:p>
+        </p:txBody>
+      </p:sp>
+      <p:sp>
+        <p:nvSpPr>
+          <p:cNvPr id="5" name="Sottotitolo 4"/>
+          <p:cNvSpPr>
+            <a:spLocks noGrp="1"/>
+          </p:cNvSpPr>
+          <p:nvPr>
+            <p:ph type="subTitle" idx="1"/>
+          </p:nvPr>
+        </p:nvSpPr>
+        <p:spPr/>
+        <p:txBody>
+          <a:bodyPr/>
+          <a:lstStyle/>
+          <a:p>
+            <a:endParaRPr lang="it-IT"/>
+          </a:p>
+        </p:txBody>
+      </p:sp>
+    </p:spTree>
+    <p:extLst>
+      <p:ext uri="{BB962C8B-B14F-4D97-AF65-F5344CB8AC3E}">
+        <p14:creationId xmlns:p14="http://schemas.microsoft.com/office/powerpoint/2010/main" val="1762246217"/>
+      </p:ext>
+    </p:extLst>
+  </p:cSld>
+  <p:clrMapOvr>
+    <a:masterClrMapping/>
+  </p:clrMapOvr>
+</p:sld>
+</file>
+
+<file path=ppt/slides/slide2.xml><?xml version="1.0" encoding="utf-8"?>
+<p:sld xmlns:a="http://schemas.openxmlformats.org/drawingml/2006/main" xmlns:r="http://schemas.openxmlformats.org/officeDocument/2006/relationships" xmlns:p="http://schemas.openxmlformats.org/presentationml/2006/main">
+  <p:cSld>
+    <p:spTree>
+      <p:nvGrpSpPr>
+        <p:cNvPr id="1" name=""/>
+        <p:cNvGrpSpPr/>
+        <p:nvPr/>
+      </p:nvGrpSpPr>
+      <p:grpSpPr>
+        <a:xfrm>
+          <a:off x="0" y="0"/>
+          <a:ext cx="0" cy="0"/>
+          <a:chOff x="0" y="0"/>
+          <a:chExt cx="0" cy="0"/>
+        </a:xfrm>
+      </p:grpSpPr>
+      <p:sp>
+        <p:nvSpPr>
+          <p:cNvPr id="2" name="Titolo 1"/>
+          <p:cNvSpPr>
+            <a:spLocks noGrp="1"/>
+          </p:cNvSpPr>
+          <p:nvPr>
+            <p:ph type="title"/>
+          </p:nvPr>
+        </p:nvSpPr>
+        <p:spPr/>
+        <p:txBody>
+          <a:bodyPr>
+            <a:normAutofit/>
+          </a:bodyPr>
+          <a:lstStyle/>
+          <a:p>
+            <a:pPr algn="ctr"/>
+            <a:r>
+              <a:rPr lang="pt-BR" sz="2800" b="1" i="1" dirty="0"/>
+              <a:t>Exercício sobre Modelagem Conceitual de </a:t>
+            </a:r>
+            <a:r>
+              <a:rPr lang="pt-BR" sz="2800" b="1" i="1" dirty="0" smtClean="0"/>
+              <a:t>Base </a:t>
+            </a:r>
+            <a:r>
+              <a:rPr lang="pt-BR" sz="2800" b="1" i="1" dirty="0"/>
+              <a:t>de </a:t>
+            </a:r>
+            <a:r>
+              <a:rPr lang="pt-BR" sz="2800" b="1" i="1" dirty="0" smtClean="0"/>
+              <a:t>Dados</a:t>
+            </a:r>
+            <a:r>
+              <a:rPr lang="pt-BR" sz="3200" b="1" i="1" dirty="0" smtClean="0"/>
+              <a:t/>
+            </a:r>
+            <a:br>
+              <a:rPr lang="pt-BR" sz="3200" b="1" i="1" dirty="0" smtClean="0"/>
+            </a:br>
+            <a:r>
+              <a:rPr lang="pt-BR" sz="3200" b="1" dirty="0" smtClean="0">
+                <a:solidFill>
+                  <a:srgbClr val="FF0000"/>
+                </a:solidFill>
+              </a:rPr>
+              <a:t>Enunciado</a:t>
+            </a:r>
+            <a:endParaRPr lang="it-IT" sz="3200" dirty="0">
+              <a:solidFill>
+                <a:srgbClr val="FF0000"/>
+              </a:solidFill>
+            </a:endParaRPr>
+          </a:p>
+        </p:txBody>
+      </p:sp>
+      <p:sp>
+        <p:nvSpPr>
+          <p:cNvPr id="3" name="Segnaposto contenuto 2"/>
+          <p:cNvSpPr>
+            <a:spLocks noGrp="1"/>
+          </p:cNvSpPr>
+          <p:nvPr>
+            <p:ph idx="1"/>
+          </p:nvPr>
+        </p:nvSpPr>
+        <p:spPr>
+          <a:xfrm>
+            <a:off x="322729" y="1968648"/>
+            <a:ext cx="10805519" cy="4203551"/>
+          </a:xfrm>
+        </p:spPr>
+        <p:txBody>
+          <a:bodyPr>
+            <a:normAutofit/>
+          </a:bodyPr>
+          <a:lstStyle/>
+          <a:p>
+            <a:pPr marL="0" indent="0">
+              <a:buNone/>
+            </a:pPr>
+            <a:r>
+              <a:rPr lang="pt-BR" dirty="0"/>
+              <a:t>Você foi </a:t>
+            </a:r>
+            <a:r>
+              <a:rPr lang="pt-BR" dirty="0" smtClean="0"/>
+              <a:t>convidado(a) </a:t>
+            </a:r>
+            <a:r>
+              <a:rPr lang="pt-BR" dirty="0"/>
+              <a:t>a elaborar </a:t>
+            </a:r>
+            <a:r>
+              <a:rPr lang="pt-BR" dirty="0" smtClean="0"/>
+              <a:t>uma base </a:t>
+            </a:r>
+            <a:r>
+              <a:rPr lang="pt-BR" dirty="0"/>
+              <a:t>de dados para uma </a:t>
+            </a:r>
+            <a:r>
+              <a:rPr lang="pt-BR" dirty="0" smtClean="0"/>
+              <a:t>empresa de </a:t>
+            </a:r>
+            <a:r>
+              <a:rPr lang="pt-BR" dirty="0"/>
+              <a:t>consultoria que deseja </a:t>
+            </a:r>
+            <a:r>
+              <a:rPr lang="pt-BR" dirty="0" smtClean="0"/>
+              <a:t>registar </a:t>
+            </a:r>
+            <a:r>
+              <a:rPr lang="pt-BR" dirty="0"/>
+              <a:t>informações sobre </a:t>
+            </a:r>
+            <a:r>
+              <a:rPr lang="pt-BR" dirty="0" smtClean="0"/>
+              <a:t>os seus projectos e consultores</a:t>
+            </a:r>
+            <a:r>
+              <a:rPr lang="pt-BR" dirty="0"/>
+              <a:t>. </a:t>
+            </a:r>
+            <a:endParaRPr lang="pt-BR" dirty="0" smtClean="0"/>
+          </a:p>
+          <a:p>
+            <a:pPr marL="0" indent="0">
+              <a:buNone/>
+            </a:pPr>
+            <a:r>
+              <a:rPr lang="pt-BR" dirty="0" smtClean="0"/>
+              <a:t>De </a:t>
+            </a:r>
+            <a:r>
+              <a:rPr lang="pt-BR" dirty="0"/>
+              <a:t>acordo com o solicitado </a:t>
+            </a:r>
+            <a:r>
+              <a:rPr lang="pt-BR" dirty="0" smtClean="0"/>
+              <a:t>pelo </a:t>
+            </a:r>
+            <a:r>
+              <a:rPr lang="pt-BR" dirty="0"/>
+              <a:t>cliente, para </a:t>
+            </a:r>
+            <a:r>
+              <a:rPr lang="pt-BR" dirty="0" smtClean="0"/>
+              <a:t>cada projecto dever-se-á </a:t>
+            </a:r>
+            <a:r>
+              <a:rPr lang="pt-BR" dirty="0"/>
+              <a:t>armazenar o código, nome e endereço </a:t>
+            </a:r>
+            <a:r>
+              <a:rPr lang="pt-BR" dirty="0" smtClean="0"/>
+              <a:t>da empresa </a:t>
+            </a:r>
+            <a:r>
+              <a:rPr lang="pt-BR" dirty="0"/>
+              <a:t>que solicitou o </a:t>
+            </a:r>
+            <a:r>
+              <a:rPr lang="pt-BR" dirty="0" smtClean="0"/>
+              <a:t>projecto</a:t>
+            </a:r>
+            <a:r>
+              <a:rPr lang="pt-BR" dirty="0"/>
+              <a:t>, o número do </a:t>
+            </a:r>
+            <a:r>
+              <a:rPr lang="pt-BR" dirty="0" smtClean="0"/>
+              <a:t>projecto</a:t>
+            </a:r>
+            <a:r>
+              <a:rPr lang="pt-BR" dirty="0"/>
+              <a:t>, a data </a:t>
+            </a:r>
+            <a:r>
+              <a:rPr lang="pt-BR" dirty="0" smtClean="0"/>
+              <a:t>de início </a:t>
+            </a:r>
+            <a:r>
+              <a:rPr lang="pt-BR" dirty="0"/>
+              <a:t>e de término do </a:t>
+            </a:r>
+            <a:r>
+              <a:rPr lang="pt-BR" dirty="0" smtClean="0"/>
+              <a:t>projecto</a:t>
+            </a:r>
+            <a:r>
+              <a:rPr lang="pt-BR" dirty="0"/>
+              <a:t>, o valor do </a:t>
+            </a:r>
+            <a:r>
+              <a:rPr lang="pt-BR" dirty="0" smtClean="0"/>
+              <a:t>projeto</a:t>
+            </a:r>
+            <a:r>
+              <a:rPr lang="pt-BR" dirty="0"/>
+              <a:t>, o número, </a:t>
+            </a:r>
+            <a:r>
+              <a:rPr lang="pt-BR" dirty="0" smtClean="0"/>
+              <a:t>nome, número </a:t>
+            </a:r>
+            <a:r>
+              <a:rPr lang="pt-BR" dirty="0"/>
+              <a:t>do documento de identidade e especialização </a:t>
+            </a:r>
+            <a:r>
+              <a:rPr lang="pt-BR" dirty="0" smtClean="0"/>
+              <a:t>dos consultores </a:t>
+            </a:r>
+            <a:r>
+              <a:rPr lang="pt-BR" dirty="0"/>
+              <a:t>que participaram do </a:t>
+            </a:r>
+            <a:r>
+              <a:rPr lang="pt-BR" dirty="0" smtClean="0"/>
+              <a:t>projecto</a:t>
+            </a:r>
+            <a:r>
+              <a:rPr lang="pt-BR" dirty="0"/>
+              <a:t>, as horas que </a:t>
+            </a:r>
+            <a:r>
+              <a:rPr lang="pt-BR" dirty="0" smtClean="0"/>
+              <a:t>trabalharam em </a:t>
+            </a:r>
+            <a:r>
+              <a:rPr lang="pt-BR" dirty="0"/>
+              <a:t>cada </a:t>
+            </a:r>
+            <a:r>
+              <a:rPr lang="pt-BR" dirty="0" smtClean="0"/>
+              <a:t>projecto </a:t>
+            </a:r>
+            <a:r>
+              <a:rPr lang="pt-BR" dirty="0"/>
+              <a:t>e a função que </a:t>
+            </a:r>
+            <a:r>
+              <a:rPr lang="pt-BR" dirty="0" smtClean="0"/>
+              <a:t>algum deles exerceu </a:t>
+            </a:r>
+            <a:r>
+              <a:rPr lang="pt-BR" dirty="0"/>
+              <a:t>(líder ou membro). </a:t>
+            </a:r>
+            <a:endParaRPr lang="pt-BR" dirty="0" smtClean="0"/>
+          </a:p>
+          <a:p>
+            <a:pPr marL="0" indent="0">
+              <a:buNone/>
+            </a:pPr>
+            <a:r>
+              <a:rPr lang="pt-BR" dirty="0" smtClean="0"/>
+              <a:t>De nota que uma </a:t>
+            </a:r>
+            <a:r>
+              <a:rPr lang="pt-BR" dirty="0"/>
+              <a:t>mesma empresa pode solicitar diversos </a:t>
+            </a:r>
+            <a:r>
+              <a:rPr lang="pt-BR" dirty="0" smtClean="0"/>
+              <a:t>projectos </a:t>
+            </a:r>
+            <a:r>
+              <a:rPr lang="pt-BR" dirty="0"/>
+              <a:t>e um </a:t>
+            </a:r>
+            <a:r>
+              <a:rPr lang="pt-BR" dirty="0" smtClean="0"/>
+              <a:t>mesmo consultor </a:t>
+            </a:r>
+            <a:r>
+              <a:rPr lang="pt-BR" dirty="0"/>
+              <a:t>pode trabalhar em diversos </a:t>
+            </a:r>
+            <a:r>
+              <a:rPr lang="pt-BR" dirty="0" smtClean="0"/>
+              <a:t>projectos</a:t>
+            </a:r>
+            <a:r>
+              <a:rPr lang="pt-BR" dirty="0"/>
+              <a:t>. </a:t>
+            </a:r>
+            <a:endParaRPr lang="pt-BR" dirty="0" smtClean="0"/>
+          </a:p>
+          <a:p>
+            <a:pPr marL="0" indent="0">
+              <a:buNone/>
+            </a:pPr>
+            <a:r>
+              <a:rPr lang="pt-BR" dirty="0" smtClean="0"/>
+              <a:t>Utilizando os seus conhecimentos </a:t>
+            </a:r>
+            <a:r>
+              <a:rPr lang="pt-BR" dirty="0"/>
+              <a:t>sobre modelo de entidades e </a:t>
+            </a:r>
+            <a:r>
+              <a:rPr lang="pt-BR" dirty="0" smtClean="0"/>
+              <a:t>relacionamentos (MER</a:t>
+            </a:r>
+            <a:r>
+              <a:rPr lang="pt-BR" dirty="0"/>
+              <a:t>), elabore o desenho inicial </a:t>
+            </a:r>
+            <a:r>
+              <a:rPr lang="pt-BR" dirty="0" smtClean="0"/>
+              <a:t>desta base </a:t>
+            </a:r>
+            <a:r>
+              <a:rPr lang="pt-BR" dirty="0"/>
+              <a:t>de dados.</a:t>
+            </a:r>
+            <a:endParaRPr lang="it-IT" dirty="0"/>
+          </a:p>
+        </p:txBody>
+      </p:sp>
+    </p:spTree>
+    <p:extLst>
+      <p:ext uri="{BB962C8B-B14F-4D97-AF65-F5344CB8AC3E}">
+        <p14:creationId xmlns:p14="http://schemas.microsoft.com/office/powerpoint/2010/main" val="4175739152"/>
+      </p:ext>
+    </p:extLst>
+  </p:cSld>
+  <p:clrMapOvr>
+    <a:masterClrMapping/>
+  </p:clrMapOvr>
+  <p:timing>
+    <p:tnLst>
+      <p:par>
+        <p:cTn id="1" dur="indefinite" restart="never" nodeType="tmRoot"/>
+      </p:par>
+    </p:tnLst>
+  </p:timing>
+</p:sld>
+</file>
+
+<file path=ppt/slides/slide3.xml><?xml version="1.0" encoding="utf-8"?>
+<p:sld xmlns:a="http://schemas.openxmlformats.org/drawingml/2006/main" xmlns:r="http://schemas.openxmlformats.org/officeDocument/2006/relationships" xmlns:p="http://schemas.openxmlformats.org/presentationml/2006/main">
+  <p:cSld>
+    <p:spTree>
+      <p:nvGrpSpPr>
+        <p:cNvPr id="1" name=""/>
+        <p:cNvGrpSpPr/>
+        <p:nvPr/>
+      </p:nvGrpSpPr>
+      <p:grpSpPr>
+        <a:xfrm>
+          <a:off x="0" y="0"/>
+          <a:ext cx="0" cy="0"/>
+          <a:chOff x="0" y="0"/>
+          <a:chExt cx="0" cy="0"/>
+        </a:xfrm>
+      </p:grpSpPr>
+      <p:sp>
+        <p:nvSpPr>
+          <p:cNvPr id="2" name="Titolo 1"/>
+          <p:cNvSpPr>
+            <a:spLocks noGrp="1"/>
+          </p:cNvSpPr>
+          <p:nvPr>
+            <p:ph type="title"/>
+          </p:nvPr>
+        </p:nvSpPr>
+        <p:spPr>
+          <a:xfrm>
+            <a:off x="1069848" y="118872"/>
+            <a:ext cx="10058400" cy="1609344"/>
+          </a:xfrm>
+        </p:spPr>
+        <p:txBody>
+          <a:bodyPr/>
+          <a:lstStyle/>
+          <a:p>
+            <a:r>
+              <a:rPr lang="pt-PT" dirty="0" smtClean="0"/>
+              <a:t>Processo em 8 (oito) passos</a:t>
+            </a:r>
+            <a:endParaRPr lang="it-IT" dirty="0"/>
+          </a:p>
+        </p:txBody>
+      </p:sp>
+      <p:sp>
+        <p:nvSpPr>
+          <p:cNvPr id="3" name="Segnaposto contenuto 2"/>
+          <p:cNvSpPr>
+            <a:spLocks noGrp="1"/>
+          </p:cNvSpPr>
+          <p:nvPr>
+            <p:ph idx="1"/>
+          </p:nvPr>
+        </p:nvSpPr>
+        <p:spPr>
+          <a:xfrm>
+            <a:off x="1069848" y="1463041"/>
+            <a:ext cx="10058400" cy="5152912"/>
+          </a:xfrm>
+        </p:spPr>
+        <p:txBody>
+          <a:bodyPr>
+            <a:normAutofit fontScale="92500" lnSpcReduction="10000"/>
+          </a:bodyPr>
+          <a:lstStyle/>
+          <a:p>
+            <a:r>
+              <a:rPr lang="pt-BR" b="1" dirty="0"/>
+              <a:t>1º Passo – Identificar, sem duplicar, todos os substantivos que designem</a:t>
+            </a:r>
+            <a:br>
+              <a:rPr lang="pt-BR" b="1" dirty="0"/>
+            </a:br>
+            <a:r>
+              <a:rPr lang="it-IT" b="1" dirty="0"/>
+              <a:t>ENTIDADES</a:t>
+            </a:r>
+            <a:r>
+              <a:rPr lang="it-IT" b="1" dirty="0" smtClean="0"/>
+              <a:t>:</a:t>
+            </a:r>
+          </a:p>
+          <a:p>
+            <a:r>
+              <a:rPr lang="pt-BR" b="1" dirty="0"/>
+              <a:t>2º Passo - Descartar substantivos que como ENTIDADE teriam </a:t>
+            </a:r>
+            <a:r>
+              <a:rPr lang="pt-BR" b="1" u="sng" dirty="0"/>
+              <a:t>apenas uma ocorrência </a:t>
+            </a:r>
+            <a:r>
+              <a:rPr lang="pt-BR" b="1" dirty="0"/>
+              <a:t>na base de </a:t>
+            </a:r>
+            <a:r>
+              <a:rPr lang="pt-BR" b="1" dirty="0" smtClean="0"/>
+              <a:t>dados</a:t>
+            </a:r>
+          </a:p>
+          <a:p>
+            <a:r>
+              <a:rPr lang="pt-BR" b="1" dirty="0"/>
+              <a:t>3º Passo - Descartar substantivos que servem apenas para entendimento </a:t>
+            </a:r>
+            <a:r>
+              <a:rPr lang="it-IT" b="1" dirty="0"/>
+              <a:t>do problema</a:t>
+            </a:r>
+            <a:endParaRPr lang="it-IT" dirty="0"/>
+          </a:p>
+          <a:p>
+            <a:r>
+              <a:rPr lang="pt-BR" b="1" dirty="0"/>
+              <a:t>4º Passo - Descartar ENTIDADES que são referência a uma </a:t>
+            </a:r>
+            <a:r>
+              <a:rPr lang="pt-BR" b="1" dirty="0" smtClean="0"/>
+              <a:t>futura </a:t>
+            </a:r>
+            <a:r>
+              <a:rPr lang="it-IT" b="1" dirty="0" err="1" smtClean="0"/>
+              <a:t>funcionalidade</a:t>
+            </a:r>
+            <a:r>
+              <a:rPr lang="it-IT" b="1" dirty="0" smtClean="0"/>
+              <a:t> </a:t>
+            </a:r>
+            <a:r>
+              <a:rPr lang="it-IT" b="1" dirty="0"/>
+              <a:t>do </a:t>
+            </a:r>
+            <a:r>
+              <a:rPr lang="it-IT" b="1" dirty="0" smtClean="0"/>
+              <a:t>sistema</a:t>
+            </a:r>
+          </a:p>
+          <a:p>
+            <a:r>
+              <a:rPr lang="pt-BR" b="1" dirty="0"/>
+              <a:t>5º Passo - Listar os substantivos que se tornarão </a:t>
+            </a:r>
+            <a:r>
+              <a:rPr lang="pt-BR" b="1" dirty="0" smtClean="0"/>
+              <a:t>ENTIDADES</a:t>
+            </a:r>
+          </a:p>
+          <a:p>
+            <a:r>
+              <a:rPr lang="pt-BR" b="1" dirty="0"/>
+              <a:t>6º Passo – Para cada par de ENTIDADES, identificar os RELACIONAMENTOS existentes entre elas - caso haja algum. Utilizar verbos ou preposições para demonstrar os RELACIONAMENTOS de dependência ou existência e incluir informações sobre a cardinalidade</a:t>
+            </a:r>
+            <a:r>
+              <a:rPr lang="pt-BR" b="1" dirty="0" smtClean="0"/>
+              <a:t>.</a:t>
+            </a:r>
+          </a:p>
+          <a:p>
+            <a:r>
+              <a:rPr lang="pt-BR" b="1" dirty="0"/>
+              <a:t>7</a:t>
+            </a:r>
+            <a:r>
+              <a:rPr lang="pt-BR" b="1" dirty="0" smtClean="0"/>
+              <a:t>º </a:t>
+            </a:r>
+            <a:r>
+              <a:rPr lang="pt-BR" b="1" dirty="0"/>
+              <a:t>Passo – Criar o </a:t>
+            </a:r>
+            <a:r>
+              <a:rPr lang="pt-BR" b="1" i="1" dirty="0"/>
+              <a:t>Diagrama de Entidade-Relacionamento </a:t>
+            </a:r>
+            <a:r>
+              <a:rPr lang="pt-BR" b="1" dirty="0"/>
+              <a:t>(</a:t>
+            </a:r>
+            <a:r>
+              <a:rPr lang="pt-BR" b="1" i="1" dirty="0"/>
+              <a:t>DER</a:t>
+            </a:r>
+            <a:r>
+              <a:rPr lang="pt-BR" b="1" dirty="0"/>
+              <a:t>) a partir </a:t>
+            </a:r>
+            <a:r>
+              <a:rPr lang="it-IT" b="1" dirty="0"/>
+              <a:t>da </a:t>
+            </a:r>
+            <a:r>
+              <a:rPr lang="it-IT" b="1" dirty="0" err="1"/>
+              <a:t>modelagem</a:t>
+            </a:r>
+            <a:r>
+              <a:rPr lang="it-IT" b="1" dirty="0"/>
+              <a:t> </a:t>
+            </a:r>
+            <a:r>
+              <a:rPr lang="it-IT" b="1" dirty="0" err="1" smtClean="0"/>
+              <a:t>realizada</a:t>
+            </a:r>
+            <a:endParaRPr lang="it-IT" b="1" dirty="0" smtClean="0"/>
+          </a:p>
+          <a:p>
+            <a:r>
+              <a:rPr lang="pt-BR" b="1" dirty="0" smtClean="0"/>
+              <a:t>8º </a:t>
+            </a:r>
+            <a:r>
+              <a:rPr lang="pt-BR" b="1" dirty="0"/>
+              <a:t>Passo - Identificar os atributos de cada ENTIDADE, ou seja, quais </a:t>
+            </a:r>
+            <a:r>
+              <a:rPr lang="it-IT" b="1" dirty="0" err="1"/>
+              <a:t>informações</a:t>
+            </a:r>
+            <a:r>
+              <a:rPr lang="it-IT" b="1" dirty="0"/>
+              <a:t> </a:t>
+            </a:r>
+            <a:r>
+              <a:rPr lang="it-IT" b="1" dirty="0" err="1"/>
+              <a:t>deverão</a:t>
+            </a:r>
+            <a:r>
+              <a:rPr lang="it-IT" b="1" dirty="0"/>
+              <a:t> ser </a:t>
+            </a:r>
+            <a:r>
+              <a:rPr lang="it-IT" b="1" dirty="0" err="1"/>
+              <a:t>armazenadas</a:t>
+            </a:r>
+            <a:endParaRPr lang="it-IT" b="1" dirty="0"/>
+          </a:p>
+          <a:p>
+            <a:endParaRPr lang="it-IT" dirty="0"/>
+          </a:p>
+          <a:p>
+            <a:endParaRPr lang="it-IT" dirty="0"/>
+          </a:p>
+        </p:txBody>
+      </p:sp>
+    </p:spTree>
+    <p:extLst>
+      <p:ext uri="{BB962C8B-B14F-4D97-AF65-F5344CB8AC3E}">
+        <p14:creationId xmlns:p14="http://schemas.microsoft.com/office/powerpoint/2010/main" val="1531547081"/>
+      </p:ext>
+    </p:extLst>
+  </p:cSld>
+  <p:clrMapOvr>
+    <a:masterClrMapping/>
+  </p:clrMapOvr>
+  <p:timing>
+    <p:tnLst>
+      <p:par>
+        <p:cTn id="1" dur="indefinite" restart="never" nodeType="tmRoot"/>
+      </p:par>
+    </p:tnLst>
+  </p:timing>
+</p:sld>
+</file>
+
+<file path=ppt/slides/slide4.xml><?xml version="1.0" encoding="utf-8"?>
+<p:sld xmlns:a="http://schemas.openxmlformats.org/drawingml/2006/main" xmlns:r="http://schemas.openxmlformats.org/officeDocument/2006/relationships" xmlns:p="http://schemas.openxmlformats.org/presentationml/2006/main">
+  <p:cSld>
+    <p:spTree>
+      <p:nvGrpSpPr>
+        <p:cNvPr id="1" name=""/>
+        <p:cNvGrpSpPr/>
+        <p:nvPr/>
+      </p:nvGrpSpPr>
+      <p:grpSpPr>
+        <a:xfrm>
+          <a:off x="0" y="0"/>
+          <a:ext cx="0" cy="0"/>
+          <a:chOff x="0" y="0"/>
+          <a:chExt cx="0" cy="0"/>
+        </a:xfrm>
+      </p:grpSpPr>
+      <p:sp>
+        <p:nvSpPr>
+          <p:cNvPr id="2" name="Titolo 1"/>
+          <p:cNvSpPr>
+            <a:spLocks noGrp="1"/>
+          </p:cNvSpPr>
+          <p:nvPr>
+            <p:ph type="title"/>
+          </p:nvPr>
+        </p:nvSpPr>
+        <p:spPr/>
+        <p:txBody>
+          <a:bodyPr>
+            <a:normAutofit fontScale="90000"/>
+          </a:bodyPr>
+          <a:lstStyle/>
+          <a:p>
+            <a:r>
+              <a:rPr lang="pt-BR" sz="4400" b="1" dirty="0"/>
+              <a:t>1º Passo – Identificar, sem duplicar, todos os substantivos que designem</a:t>
+            </a:r>
+            <a:br>
+              <a:rPr lang="pt-BR" sz="4400" b="1" dirty="0"/>
+            </a:br>
+            <a:r>
+              <a:rPr lang="it-IT" sz="4400" b="1" dirty="0"/>
+              <a:t>ENTIDADES:</a:t>
+            </a:r>
+            <a:endParaRPr lang="it-IT" sz="4400" dirty="0"/>
+          </a:p>
+        </p:txBody>
+      </p:sp>
+      <p:sp>
+        <p:nvSpPr>
+          <p:cNvPr id="3" name="Sottotitolo 2"/>
+          <p:cNvSpPr>
+            <a:spLocks noGrp="1"/>
+          </p:cNvSpPr>
+          <p:nvPr>
+            <p:ph idx="1"/>
+          </p:nvPr>
+        </p:nvSpPr>
+        <p:spPr/>
+        <p:txBody>
+          <a:bodyPr>
+            <a:normAutofit/>
+          </a:bodyPr>
+          <a:lstStyle/>
+          <a:p>
+            <a:endParaRPr lang="pt-BR" sz="3600" i="1" dirty="0" smtClean="0"/>
+          </a:p>
+          <a:p>
+            <a:r>
+              <a:rPr lang="pt-BR" sz="3600" i="1" dirty="0" smtClean="0"/>
+              <a:t>Leia </a:t>
+            </a:r>
+            <a:r>
+              <a:rPr lang="pt-BR" sz="3600" i="1" dirty="0"/>
+              <a:t>os requisitos e </a:t>
+            </a:r>
+            <a:r>
+              <a:rPr lang="pt-BR" sz="3600" i="1" dirty="0" smtClean="0"/>
+              <a:t>sublinhe todos </a:t>
+            </a:r>
+            <a:r>
+              <a:rPr lang="pt-BR" sz="3600" i="1" dirty="0"/>
+              <a:t>os substantivos que designem coisas </a:t>
+            </a:r>
+            <a:r>
+              <a:rPr lang="pt-BR" sz="3600" i="1" dirty="0" smtClean="0"/>
+              <a:t>do mundo </a:t>
+            </a:r>
+            <a:r>
+              <a:rPr lang="pt-BR" sz="3600" i="1" dirty="0"/>
+              <a:t>real, tais como pessoas, documentos, objetos, etc.</a:t>
+            </a:r>
+            <a:endParaRPr lang="it-IT" sz="3600" dirty="0"/>
+          </a:p>
+        </p:txBody>
+      </p:sp>
+    </p:spTree>
+    <p:extLst>
+      <p:ext uri="{BB962C8B-B14F-4D97-AF65-F5344CB8AC3E}">
+        <p14:creationId xmlns:p14="http://schemas.microsoft.com/office/powerpoint/2010/main" val="1101584047"/>
+      </p:ext>
+    </p:extLst>
+  </p:cSld>
+  <p:clrMapOvr>
+    <a:masterClrMapping/>
+  </p:clrMapOvr>
+  <p:timing>
+    <p:tnLst>
+      <p:par>
+        <p:cTn id="1" dur="indefinite" restart="never" nodeType="tmRoot"/>
+      </p:par>
+    </p:tnLst>
+  </p:timing>
+</p:sld>
+</file>
+
+<file path=ppt/slides/slide5.xml><?xml version="1.0" encoding="utf-8"?>
+<p:sld xmlns:a="http://schemas.openxmlformats.org/drawingml/2006/main" xmlns:r="http://schemas.openxmlformats.org/officeDocument/2006/relationships" xmlns:p="http://schemas.openxmlformats.org/presentationml/2006/main">
+  <p:cSld>
+    <p:spTree>
+      <p:nvGrpSpPr>
+        <p:cNvPr id="1" name=""/>
+        <p:cNvGrpSpPr/>
+        <p:nvPr/>
+      </p:nvGrpSpPr>
+      <p:grpSpPr>
+        <a:xfrm>
+          <a:off x="0" y="0"/>
+          <a:ext cx="0" cy="0"/>
+          <a:chOff x="0" y="0"/>
+          <a:chExt cx="0" cy="0"/>
+        </a:xfrm>
+      </p:grpSpPr>
+      <p:sp>
+        <p:nvSpPr>
+          <p:cNvPr id="2" name="Titolo 1"/>
+          <p:cNvSpPr>
+            <a:spLocks noGrp="1"/>
+          </p:cNvSpPr>
+          <p:nvPr>
+            <p:ph type="title"/>
+          </p:nvPr>
+        </p:nvSpPr>
+        <p:spPr/>
+        <p:txBody>
+          <a:bodyPr>
+            <a:normAutofit/>
+          </a:bodyPr>
+          <a:lstStyle/>
+          <a:p>
+            <a:pPr algn="ctr"/>
+            <a:r>
+              <a:rPr lang="pt-BR" sz="3200" b="1" dirty="0" smtClean="0">
+                <a:solidFill>
+                  <a:srgbClr val="FF0000"/>
+                </a:solidFill>
+              </a:rPr>
+              <a:t>Enunciado</a:t>
+            </a:r>
+            <a:endParaRPr lang="it-IT" sz="3200" dirty="0">
+              <a:solidFill>
+                <a:srgbClr val="FF0000"/>
+              </a:solidFill>
+            </a:endParaRPr>
+          </a:p>
+        </p:txBody>
+      </p:sp>
+      <p:sp>
+        <p:nvSpPr>
+          <p:cNvPr id="3" name="Segnaposto contenuto 2"/>
+          <p:cNvSpPr>
+            <a:spLocks noGrp="1"/>
+          </p:cNvSpPr>
+          <p:nvPr>
+            <p:ph idx="1"/>
+          </p:nvPr>
+        </p:nvSpPr>
+        <p:spPr>
+          <a:xfrm>
+            <a:off x="1069848" y="1669586"/>
+            <a:ext cx="10058400" cy="4677425"/>
+          </a:xfrm>
+        </p:spPr>
+        <p:txBody>
+          <a:bodyPr>
+            <a:normAutofit lnSpcReduction="10000"/>
+          </a:bodyPr>
+          <a:lstStyle/>
+          <a:p>
+            <a:pPr marL="0" indent="0">
+              <a:buNone/>
+            </a:pPr>
+            <a:r>
+              <a:rPr lang="pt-BR" dirty="0"/>
+              <a:t>Você foi convidado(a) a elaborar uma </a:t>
+            </a:r>
+            <a:r>
+              <a:rPr lang="pt-BR" u="sng" dirty="0"/>
+              <a:t>base de dados </a:t>
+            </a:r>
+            <a:r>
+              <a:rPr lang="pt-BR" dirty="0"/>
+              <a:t>para uma </a:t>
+            </a:r>
+            <a:r>
+              <a:rPr lang="pt-BR" u="sng" dirty="0"/>
+              <a:t>empresa de consultoria </a:t>
+            </a:r>
+            <a:r>
+              <a:rPr lang="pt-BR" dirty="0"/>
+              <a:t>que deseja </a:t>
+            </a:r>
+            <a:r>
+              <a:rPr lang="pt-BR" dirty="0" smtClean="0"/>
+              <a:t>registar </a:t>
+            </a:r>
+            <a:r>
+              <a:rPr lang="pt-BR" dirty="0"/>
+              <a:t>informações sobre os </a:t>
+            </a:r>
+            <a:r>
+              <a:rPr lang="pt-BR" u="sng" dirty="0"/>
+              <a:t>seus projectos </a:t>
+            </a:r>
+            <a:r>
+              <a:rPr lang="pt-BR" dirty="0"/>
+              <a:t>e </a:t>
+            </a:r>
+            <a:r>
+              <a:rPr lang="pt-BR" u="sng" dirty="0"/>
+              <a:t>consultores</a:t>
+            </a:r>
+            <a:r>
+              <a:rPr lang="pt-BR" dirty="0"/>
+              <a:t>. </a:t>
+            </a:r>
+          </a:p>
+          <a:p>
+            <a:pPr marL="0" indent="0">
+              <a:buNone/>
+            </a:pPr>
+            <a:r>
+              <a:rPr lang="pt-BR" dirty="0"/>
+              <a:t>De acordo com </a:t>
+            </a:r>
+            <a:r>
+              <a:rPr lang="pt-BR" u="sng" dirty="0"/>
+              <a:t>o solicitado </a:t>
+            </a:r>
+            <a:r>
+              <a:rPr lang="pt-BR" dirty="0"/>
+              <a:t>pelo </a:t>
+            </a:r>
+            <a:r>
+              <a:rPr lang="pt-BR" u="sng" dirty="0"/>
+              <a:t>cliente</a:t>
+            </a:r>
+            <a:r>
+              <a:rPr lang="pt-BR" dirty="0"/>
+              <a:t>, para cada projecto dever-se-á armazenar o código, nome e endereço da empresa que solicitou o projecto, o número do projecto, a data de início e de término do projecto, o valor do </a:t>
+            </a:r>
+            <a:r>
+              <a:rPr lang="pt-BR" dirty="0" smtClean="0"/>
+              <a:t>projecto</a:t>
+            </a:r>
+            <a:r>
+              <a:rPr lang="pt-BR" dirty="0"/>
+              <a:t>, o número, nome, número do documento de identidade e especialização dos consultores que participaram do projecto, as horas que trabalharam em cada projecto e a função que algum deles exerceu (líder ou membro</a:t>
+            </a:r>
+            <a:r>
+              <a:rPr lang="pt-BR" dirty="0" smtClean="0"/>
+              <a:t>) no projecto. </a:t>
+            </a:r>
+            <a:endParaRPr lang="pt-BR" dirty="0"/>
+          </a:p>
+          <a:p>
+            <a:pPr marL="0" indent="0">
+              <a:buNone/>
+            </a:pPr>
+            <a:r>
+              <a:rPr lang="pt-BR" dirty="0"/>
+              <a:t>De nota que uma mesma empresa pode solicitar diversos projectos e um mesmo consultor pode trabalhar em diversos projectos. </a:t>
+            </a:r>
+          </a:p>
+          <a:p>
+            <a:pPr marL="0" indent="0">
+              <a:buNone/>
+            </a:pPr>
+            <a:r>
+              <a:rPr lang="pt-BR" dirty="0"/>
+              <a:t>Utilizando os seus conhecimentos sobre modelo de entidades e relacionamentos (MER), elabore o desenho inicial desta base de dados</a:t>
+            </a:r>
+            <a:r>
+              <a:rPr lang="pt-BR" dirty="0" smtClean="0"/>
+              <a:t>.</a:t>
+            </a:r>
+          </a:p>
+          <a:p>
+            <a:pPr marL="0" indent="0">
+              <a:buNone/>
+            </a:pPr>
+            <a:endParaRPr lang="pt-BR" dirty="0"/>
+          </a:p>
+          <a:p>
+            <a:pPr marL="0" indent="0">
+              <a:buNone/>
+            </a:pPr>
+            <a:r>
+              <a:rPr lang="pt-BR" b="1" dirty="0"/>
+              <a:t>Resultado</a:t>
+            </a:r>
+            <a:r>
+              <a:rPr lang="pt-BR" dirty="0"/>
+              <a:t>: </a:t>
+            </a:r>
+            <a:r>
+              <a:rPr lang="pt-BR" i="1" dirty="0">
+                <a:solidFill>
+                  <a:srgbClr val="00B050"/>
+                </a:solidFill>
+              </a:rPr>
+              <a:t>base de dados</a:t>
+            </a:r>
+            <a:r>
+              <a:rPr lang="pt-BR" i="1" dirty="0" smtClean="0">
+                <a:solidFill>
+                  <a:srgbClr val="00B050"/>
+                </a:solidFill>
+              </a:rPr>
+              <a:t> </a:t>
+            </a:r>
+            <a:r>
+              <a:rPr lang="pt-BR" i="1" dirty="0">
+                <a:solidFill>
+                  <a:srgbClr val="00B050"/>
+                </a:solidFill>
+              </a:rPr>
+              <a:t>, empresa de </a:t>
+            </a:r>
+            <a:r>
+              <a:rPr lang="pt-BR" i="1" dirty="0" smtClean="0">
+                <a:solidFill>
+                  <a:srgbClr val="00B050"/>
+                </a:solidFill>
+              </a:rPr>
+              <a:t>consultoria(cliente) , empresa, projectos, </a:t>
+            </a:r>
+            <a:r>
+              <a:rPr lang="pt-BR" i="1" dirty="0" smtClean="0">
+                <a:solidFill>
+                  <a:srgbClr val="00B050"/>
+                </a:solidFill>
+              </a:rPr>
+              <a:t>consultores, solicitado</a:t>
+            </a:r>
+            <a:endParaRPr lang="pt-BR" i="1" dirty="0">
+              <a:solidFill>
+                <a:srgbClr val="00B050"/>
+              </a:solidFill>
+            </a:endParaRPr>
+          </a:p>
+          <a:p>
+            <a:pPr marL="0" indent="0">
+              <a:buNone/>
+            </a:pPr>
+            <a:endParaRPr lang="it-IT" dirty="0"/>
+          </a:p>
+          <a:p>
+            <a:endParaRPr lang="it-IT" dirty="0"/>
+          </a:p>
+        </p:txBody>
+      </p:sp>
+    </p:spTree>
+    <p:extLst>
+      <p:ext uri="{BB962C8B-B14F-4D97-AF65-F5344CB8AC3E}">
+        <p14:creationId xmlns:p14="http://schemas.microsoft.com/office/powerpoint/2010/main" val="165251240"/>
+      </p:ext>
+    </p:extLst>
+  </p:cSld>
+  <p:clrMapOvr>
+    <a:masterClrMapping/>
+  </p:clrMapOvr>
+  <p:timing>
+    <p:tnLst>
+      <p:par>
+        <p:cTn id="1" dur="indefinite" restart="never" nodeType="tmRoot"/>
+      </p:par>
+    </p:tnLst>
+  </p:timing>
+</p:sld>
+</file>
+
+<file path=ppt/slides/slide6.xml><?xml version="1.0" encoding="utf-8"?>
+<p:sld xmlns:a="http://schemas.openxmlformats.org/drawingml/2006/main" xmlns:r="http://schemas.openxmlformats.org/officeDocument/2006/relationships" xmlns:p="http://schemas.openxmlformats.org/presentationml/2006/main">
+  <p:cSld>
+    <p:spTree>
+      <p:nvGrpSpPr>
+        <p:cNvPr id="1" name=""/>
+        <p:cNvGrpSpPr/>
+        <p:nvPr/>
+      </p:nvGrpSpPr>
+      <p:grpSpPr>
+        <a:xfrm>
+          <a:off x="0" y="0"/>
+          <a:ext cx="0" cy="0"/>
+          <a:chOff x="0" y="0"/>
+          <a:chExt cx="0" cy="0"/>
+        </a:xfrm>
+      </p:grpSpPr>
+      <p:sp>
+        <p:nvSpPr>
+          <p:cNvPr id="2" name="Titolo 1"/>
+          <p:cNvSpPr>
+            <a:spLocks noGrp="1"/>
+          </p:cNvSpPr>
+          <p:nvPr>
+            <p:ph type="title"/>
+          </p:nvPr>
+        </p:nvSpPr>
+        <p:spPr>
+          <a:xfrm>
+            <a:off x="1096384" y="3420297"/>
+            <a:ext cx="10515600" cy="1325563"/>
+          </a:xfrm>
+        </p:spPr>
+        <p:txBody>
+          <a:bodyPr>
+            <a:noAutofit/>
+          </a:bodyPr>
+          <a:lstStyle/>
+          <a:p>
+            <a:r>
+              <a:rPr lang="pt-BR" sz="3200" b="1" cap="none" dirty="0">
+                <a:solidFill>
+                  <a:schemeClr val="tx1"/>
+                </a:solidFill>
+              </a:rPr>
+              <a:t>3º Passo - Descartar substantivos que servem apenas para entendimento </a:t>
+            </a:r>
+            <a:r>
+              <a:rPr lang="it-IT" sz="3200" b="1" cap="none" dirty="0">
+                <a:solidFill>
+                  <a:schemeClr val="tx1"/>
+                </a:solidFill>
+              </a:rPr>
+              <a:t>do problema</a:t>
+            </a:r>
+          </a:p>
+        </p:txBody>
+      </p:sp>
+      <p:sp>
+        <p:nvSpPr>
+          <p:cNvPr id="3" name="Segnaposto contenuto 2"/>
+          <p:cNvSpPr>
+            <a:spLocks noGrp="1"/>
+          </p:cNvSpPr>
+          <p:nvPr>
+            <p:ph idx="1"/>
+          </p:nvPr>
+        </p:nvSpPr>
+        <p:spPr>
+          <a:xfrm>
+            <a:off x="838200" y="1825625"/>
+            <a:ext cx="10515600" cy="1799702"/>
+          </a:xfrm>
+        </p:spPr>
+        <p:txBody>
+          <a:bodyPr/>
+          <a:lstStyle/>
+          <a:p>
+            <a:pPr marL="0" indent="0">
+              <a:buNone/>
+            </a:pPr>
+            <a:r>
+              <a:rPr lang="pt-BR" b="1" dirty="0" smtClean="0"/>
+              <a:t>Resultado</a:t>
+            </a:r>
+            <a:r>
+              <a:rPr lang="pt-BR" dirty="0" smtClean="0"/>
+              <a:t>: </a:t>
+            </a:r>
+            <a:r>
+              <a:rPr lang="pt-BR" b="1" dirty="0"/>
+              <a:t>Resultado</a:t>
+            </a:r>
+            <a:r>
+              <a:rPr lang="pt-BR" dirty="0"/>
+              <a:t>: </a:t>
+            </a:r>
+            <a:r>
+              <a:rPr lang="pt-BR" i="1" strike="sngStrike" dirty="0">
+                <a:solidFill>
+                  <a:srgbClr val="FF0000"/>
+                </a:solidFill>
+              </a:rPr>
+              <a:t>base de dados </a:t>
+            </a:r>
+            <a:r>
+              <a:rPr lang="pt-BR" i="1" dirty="0">
+                <a:solidFill>
+                  <a:srgbClr val="00B050"/>
+                </a:solidFill>
+              </a:rPr>
+              <a:t>, empresa de </a:t>
+            </a:r>
+            <a:r>
+              <a:rPr lang="pt-BR" i="1" dirty="0" smtClean="0">
+                <a:solidFill>
+                  <a:srgbClr val="00B050"/>
+                </a:solidFill>
+              </a:rPr>
+              <a:t>consultoria(cliente) ,empresa,  </a:t>
+            </a:r>
+            <a:r>
+              <a:rPr lang="pt-BR" i="1" dirty="0">
+                <a:solidFill>
+                  <a:srgbClr val="00B050"/>
+                </a:solidFill>
+              </a:rPr>
+              <a:t>projectos, consultores, </a:t>
+            </a:r>
+            <a:r>
+              <a:rPr lang="pt-BR" i="1" dirty="0" smtClean="0">
+                <a:solidFill>
+                  <a:srgbClr val="00B050"/>
+                </a:solidFill>
+              </a:rPr>
+              <a:t> </a:t>
+            </a:r>
+            <a:r>
+              <a:rPr lang="pt-BR" i="1" dirty="0" smtClean="0">
+                <a:solidFill>
+                  <a:srgbClr val="00B050"/>
+                </a:solidFill>
+              </a:rPr>
+              <a:t>solicitado</a:t>
+            </a:r>
+            <a:endParaRPr lang="pt-BR" i="1" dirty="0">
+              <a:solidFill>
+                <a:srgbClr val="00B050"/>
+              </a:solidFill>
+            </a:endParaRPr>
+          </a:p>
+          <a:p>
+            <a:pPr marL="0" indent="0">
+              <a:buNone/>
+            </a:pPr>
+            <a:endParaRPr lang="pt-BR" i="1" dirty="0">
+              <a:solidFill>
+                <a:srgbClr val="00B050"/>
+              </a:solidFill>
+            </a:endParaRPr>
+          </a:p>
+          <a:p>
+            <a:pPr marL="0" indent="0">
+              <a:buNone/>
+            </a:pPr>
+            <a:endParaRPr lang="it-IT" dirty="0"/>
+          </a:p>
+        </p:txBody>
+      </p:sp>
+      <p:sp>
+        <p:nvSpPr>
+          <p:cNvPr id="4" name="Titolo 1"/>
+          <p:cNvSpPr txBox="1">
+            <a:spLocks/>
+          </p:cNvSpPr>
+          <p:nvPr/>
+        </p:nvSpPr>
+        <p:spPr>
+          <a:xfrm>
+            <a:off x="990600" y="517525"/>
+            <a:ext cx="10515600" cy="1325563"/>
+          </a:xfrm>
+          <a:prstGeom prst="rect">
+            <a:avLst/>
+          </a:prstGeom>
+        </p:spPr>
+        <p:txBody>
+          <a:bodyPr vert="horz" lIns="91440" tIns="45720" rIns="91440" bIns="45720" rtlCol="0" anchor="ctr">
+            <a:noAutofit/>
+          </a:bodyPr>
+          <a:lstStyle>
+            <a:lvl1pPr algn="l" defTabSz="914400" rtl="0" eaLnBrk="1" latinLnBrk="0" hangingPunct="1">
+              <a:lnSpc>
+                <a:spcPct val="90000"/>
+              </a:lnSpc>
+              <a:spcBef>
+                <a:spcPct val="0"/>
+              </a:spcBef>
+              <a:buNone/>
+              <a:defRPr sz="4400" kern="1200">
+                <a:solidFill>
+                  <a:schemeClr val="tx1"/>
+                </a:solidFill>
+                <a:latin typeface="+mj-lt"/>
+                <a:ea typeface="+mj-ea"/>
+                <a:cs typeface="+mj-cs"/>
+              </a:defRPr>
+            </a:lvl1pPr>
+          </a:lstStyle>
+          <a:p>
+            <a:r>
+              <a:rPr lang="pt-BR" sz="3200" b="1" dirty="0" smtClean="0"/>
+              <a:t>2º Passo - Descartar substantivos que como ENTIDADE teriam </a:t>
+            </a:r>
+            <a:r>
+              <a:rPr lang="pt-BR" sz="3200" b="1" u="sng" dirty="0" smtClean="0"/>
+              <a:t>apenas uma ocorrência </a:t>
+            </a:r>
+            <a:r>
+              <a:rPr lang="pt-BR" sz="3200" b="1" dirty="0" smtClean="0"/>
+              <a:t>na base de dados</a:t>
+            </a:r>
+            <a:endParaRPr lang="it-IT" sz="3200" dirty="0"/>
+          </a:p>
+        </p:txBody>
+      </p:sp>
+      <p:sp>
+        <p:nvSpPr>
+          <p:cNvPr id="5" name="Segnaposto contenuto 2"/>
+          <p:cNvSpPr txBox="1">
+            <a:spLocks/>
+          </p:cNvSpPr>
+          <p:nvPr/>
+        </p:nvSpPr>
+        <p:spPr>
+          <a:xfrm>
+            <a:off x="838200" y="4850317"/>
+            <a:ext cx="10515600" cy="1799702"/>
+          </a:xfrm>
+          <a:prstGeom prst="rect">
+            <a:avLst/>
+          </a:prstGeom>
+        </p:spPr>
+        <p:txBody>
+          <a:bodyPr vert="horz" lIns="91440" tIns="45720" rIns="91440" bIns="45720" rtlCol="0">
+            <a:normAutofit/>
+          </a:bodyPr>
+          <a:lstStyle>
+            <a:lvl1pPr marL="228600" indent="-228600" algn="l" defTabSz="914400" rtl="0" eaLnBrk="1" latinLnBrk="0" hangingPunct="1">
+              <a:lnSpc>
+                <a:spcPct val="90000"/>
+              </a:lnSpc>
+              <a:spcBef>
+                <a:spcPts val="1000"/>
+              </a:spcBef>
+              <a:buFont typeface="Arial" panose="020B0604020202020204" pitchFamily="34" charset="0"/>
+              <a:buChar char="•"/>
+              <a:defRPr sz="2800" kern="1200">
+                <a:solidFill>
+                  <a:schemeClr val="tx1"/>
+                </a:solidFill>
+                <a:latin typeface="+mn-lt"/>
+                <a:ea typeface="+mn-ea"/>
+                <a:cs typeface="+mn-cs"/>
+              </a:defRPr>
+            </a:lvl1pPr>
+            <a:lvl2pPr marL="685800" indent="-228600" algn="l" defTabSz="914400" rtl="0" eaLnBrk="1" latinLnBrk="0" hangingPunct="1">
+              <a:lnSpc>
+                <a:spcPct val="90000"/>
+              </a:lnSpc>
+              <a:spcBef>
+                <a:spcPts val="500"/>
+              </a:spcBef>
+              <a:buFont typeface="Arial" panose="020B0604020202020204" pitchFamily="34" charset="0"/>
+              <a:buChar char="•"/>
+              <a:defRPr sz="2400" kern="1200">
+                <a:solidFill>
+                  <a:schemeClr val="tx1"/>
+                </a:solidFill>
+                <a:latin typeface="+mn-lt"/>
+                <a:ea typeface="+mn-ea"/>
+                <a:cs typeface="+mn-cs"/>
+              </a:defRPr>
+            </a:lvl2pPr>
+            <a:lvl3pPr marL="1143000" indent="-228600" algn="l" defTabSz="914400" rtl="0" eaLnBrk="1" latinLnBrk="0" hangingPunct="1">
+              <a:lnSpc>
+                <a:spcPct val="90000"/>
+              </a:lnSpc>
+              <a:spcBef>
+                <a:spcPts val="500"/>
+              </a:spcBef>
+              <a:buFont typeface="Arial" panose="020B0604020202020204" pitchFamily="34" charset="0"/>
+              <a:buChar char="•"/>
+              <a:defRPr sz="2000" kern="1200">
+                <a:solidFill>
+                  <a:schemeClr val="tx1"/>
+                </a:solidFill>
+                <a:latin typeface="+mn-lt"/>
+                <a:ea typeface="+mn-ea"/>
+                <a:cs typeface="+mn-cs"/>
+              </a:defRPr>
+            </a:lvl3pPr>
+            <a:lvl4pPr marL="1600200" indent="-228600" algn="l" defTabSz="914400" rtl="0" eaLnBrk="1" latinLnBrk="0" hangingPunct="1">
+              <a:lnSpc>
+                <a:spcPct val="90000"/>
+              </a:lnSpc>
+              <a:spcBef>
+                <a:spcPts val="500"/>
+              </a:spcBef>
+              <a:buFont typeface="Arial" panose="020B0604020202020204" pitchFamily="34" charset="0"/>
+              <a:buChar char="•"/>
+              <a:defRPr sz="1800" kern="1200">
+                <a:solidFill>
+                  <a:schemeClr val="tx1"/>
+                </a:solidFill>
+                <a:latin typeface="+mn-lt"/>
+                <a:ea typeface="+mn-ea"/>
+                <a:cs typeface="+mn-cs"/>
+              </a:defRPr>
+            </a:lvl4pPr>
+            <a:lvl5pPr marL="2057400" indent="-228600" algn="l" defTabSz="914400" rtl="0" eaLnBrk="1" latinLnBrk="0" hangingPunct="1">
+              <a:lnSpc>
+                <a:spcPct val="90000"/>
+              </a:lnSpc>
+              <a:spcBef>
+                <a:spcPts val="500"/>
+              </a:spcBef>
+              <a:buFont typeface="Arial" panose="020B0604020202020204" pitchFamily="34" charset="0"/>
+              <a:buChar char="•"/>
+              <a:defRPr sz="1800" kern="1200">
+                <a:solidFill>
+                  <a:schemeClr val="tx1"/>
+                </a:solidFill>
+                <a:latin typeface="+mn-lt"/>
+                <a:ea typeface="+mn-ea"/>
+                <a:cs typeface="+mn-cs"/>
+              </a:defRPr>
+            </a:lvl5pPr>
+            <a:lvl6pPr marL="2514600" indent="-228600" algn="l" defTabSz="914400" rtl="0" eaLnBrk="1" latinLnBrk="0" hangingPunct="1">
+              <a:lnSpc>
+                <a:spcPct val="90000"/>
+              </a:lnSpc>
+              <a:spcBef>
+                <a:spcPts val="500"/>
+              </a:spcBef>
+              <a:buFont typeface="Arial" panose="020B0604020202020204" pitchFamily="34" charset="0"/>
+              <a:buChar char="•"/>
+              <a:defRPr sz="1800" kern="1200">
+                <a:solidFill>
+                  <a:schemeClr val="tx1"/>
+                </a:solidFill>
+                <a:latin typeface="+mn-lt"/>
+                <a:ea typeface="+mn-ea"/>
+                <a:cs typeface="+mn-cs"/>
+              </a:defRPr>
+            </a:lvl6pPr>
+            <a:lvl7pPr marL="2971800" indent="-228600" algn="l" defTabSz="914400" rtl="0" eaLnBrk="1" latinLnBrk="0" hangingPunct="1">
+              <a:lnSpc>
+                <a:spcPct val="90000"/>
+              </a:lnSpc>
+              <a:spcBef>
+                <a:spcPts val="500"/>
+              </a:spcBef>
+              <a:buFont typeface="Arial" panose="020B0604020202020204" pitchFamily="34" charset="0"/>
+              <a:buChar char="•"/>
+              <a:defRPr sz="1800" kern="1200">
+                <a:solidFill>
+                  <a:schemeClr val="tx1"/>
+                </a:solidFill>
+                <a:latin typeface="+mn-lt"/>
+                <a:ea typeface="+mn-ea"/>
+                <a:cs typeface="+mn-cs"/>
+              </a:defRPr>
+            </a:lvl7pPr>
+            <a:lvl8pPr marL="3429000" indent="-228600" algn="l" defTabSz="914400" rtl="0" eaLnBrk="1" latinLnBrk="0" hangingPunct="1">
+              <a:lnSpc>
+                <a:spcPct val="90000"/>
+              </a:lnSpc>
+              <a:spcBef>
+                <a:spcPts val="500"/>
+              </a:spcBef>
+              <a:buFont typeface="Arial" panose="020B0604020202020204" pitchFamily="34" charset="0"/>
+              <a:buChar char="•"/>
+              <a:defRPr sz="1800" kern="1200">
+                <a:solidFill>
+                  <a:schemeClr val="tx1"/>
+                </a:solidFill>
+                <a:latin typeface="+mn-lt"/>
+                <a:ea typeface="+mn-ea"/>
+                <a:cs typeface="+mn-cs"/>
+              </a:defRPr>
+            </a:lvl8pPr>
+            <a:lvl9pPr marL="3886200" indent="-228600" algn="l" defTabSz="914400" rtl="0" eaLnBrk="1" latinLnBrk="0" hangingPunct="1">
+              <a:lnSpc>
+                <a:spcPct val="90000"/>
+              </a:lnSpc>
+              <a:spcBef>
+                <a:spcPts val="500"/>
+              </a:spcBef>
+              <a:buFont typeface="Arial" panose="020B0604020202020204" pitchFamily="34" charset="0"/>
+              <a:buChar char="•"/>
+              <a:defRPr sz="1800" kern="1200">
+                <a:solidFill>
+                  <a:schemeClr val="tx1"/>
+                </a:solidFill>
+                <a:latin typeface="+mn-lt"/>
+                <a:ea typeface="+mn-ea"/>
+                <a:cs typeface="+mn-cs"/>
+              </a:defRPr>
+            </a:lvl9pPr>
+          </a:lstStyle>
+          <a:p>
+            <a:pPr marL="0" indent="0">
+              <a:buNone/>
+            </a:pPr>
+            <a:r>
+              <a:rPr lang="pt-BR" b="1" dirty="0" smtClean="0"/>
+              <a:t>Resultado</a:t>
+            </a:r>
+            <a:r>
+              <a:rPr lang="pt-BR" dirty="0" smtClean="0"/>
+              <a:t>: </a:t>
+            </a:r>
+            <a:r>
+              <a:rPr lang="pt-BR" b="1" dirty="0"/>
+              <a:t>Resultado</a:t>
+            </a:r>
+            <a:r>
+              <a:rPr lang="pt-BR" dirty="0"/>
+              <a:t>: </a:t>
+            </a:r>
+            <a:r>
+              <a:rPr lang="pt-BR" b="1" dirty="0"/>
+              <a:t>Resultado</a:t>
+            </a:r>
+            <a:r>
+              <a:rPr lang="pt-BR" dirty="0"/>
+              <a:t>: </a:t>
+            </a:r>
+            <a:r>
+              <a:rPr lang="pt-BR" i="1" strike="sngStrike" dirty="0">
+                <a:solidFill>
+                  <a:srgbClr val="FF0000"/>
+                </a:solidFill>
+              </a:rPr>
+              <a:t>base de dados </a:t>
+            </a:r>
+            <a:r>
+              <a:rPr lang="pt-BR" i="1" dirty="0">
+                <a:solidFill>
+                  <a:srgbClr val="00B050"/>
+                </a:solidFill>
+              </a:rPr>
+              <a:t>, </a:t>
+            </a:r>
+            <a:r>
+              <a:rPr lang="pt-BR" i="1" strike="sngStrike" dirty="0">
+                <a:solidFill>
+                  <a:srgbClr val="FF0000"/>
+                </a:solidFill>
+              </a:rPr>
+              <a:t>empresa de </a:t>
+            </a:r>
+            <a:r>
+              <a:rPr lang="pt-BR" i="1" strike="sngStrike" dirty="0" smtClean="0">
+                <a:solidFill>
+                  <a:srgbClr val="FF0000"/>
+                </a:solidFill>
+              </a:rPr>
+              <a:t>consultoria(cliente)</a:t>
+            </a:r>
+            <a:r>
+              <a:rPr lang="pt-BR" i="1" dirty="0" smtClean="0">
+                <a:solidFill>
+                  <a:srgbClr val="00B050"/>
+                </a:solidFill>
+              </a:rPr>
+              <a:t> ,empresa,  </a:t>
+            </a:r>
+            <a:r>
+              <a:rPr lang="pt-BR" i="1" dirty="0">
+                <a:solidFill>
+                  <a:srgbClr val="00B050"/>
+                </a:solidFill>
+              </a:rPr>
+              <a:t>projectos, </a:t>
+            </a:r>
+            <a:r>
+              <a:rPr lang="pt-BR" i="1" dirty="0">
+                <a:solidFill>
+                  <a:srgbClr val="00B050"/>
+                </a:solidFill>
+              </a:rPr>
+              <a:t>consultores, </a:t>
+            </a:r>
+            <a:r>
+              <a:rPr lang="pt-BR" i="1" strike="sngStrike" dirty="0">
+                <a:solidFill>
+                  <a:srgbClr val="FF0000"/>
+                </a:solidFill>
+              </a:rPr>
+              <a:t>solicitado.</a:t>
+            </a:r>
+            <a:endParaRPr lang="pt-BR" i="1" strike="sngStrike" dirty="0">
+              <a:solidFill>
+                <a:srgbClr val="FF0000"/>
+              </a:solidFill>
+            </a:endParaRPr>
+          </a:p>
+          <a:p>
+            <a:endParaRPr lang="it-IT" dirty="0"/>
+          </a:p>
+        </p:txBody>
+      </p:sp>
+    </p:spTree>
+    <p:extLst>
+      <p:ext uri="{BB962C8B-B14F-4D97-AF65-F5344CB8AC3E}">
+        <p14:creationId xmlns:p14="http://schemas.microsoft.com/office/powerpoint/2010/main" val="4193217296"/>
+      </p:ext>
+    </p:extLst>
+  </p:cSld>
+  <p:clrMapOvr>
+    <a:masterClrMapping/>
+  </p:clrMapOvr>
+  <p:timing>
+    <p:tnLst>
+      <p:par>
+        <p:cTn id="1" dur="indefinite" restart="never" nodeType="tmRoot"/>
+      </p:par>
+    </p:tnLst>
+  </p:timing>
+</p:sld>
+</file>
+
+<file path=ppt/slides/slide7.xml><?xml version="1.0" encoding="utf-8"?>
+<p:sld xmlns:a="http://schemas.openxmlformats.org/drawingml/2006/main" xmlns:r="http://schemas.openxmlformats.org/officeDocument/2006/relationships" xmlns:p="http://schemas.openxmlformats.org/presentationml/2006/main">
+  <p:cSld>
+    <p:spTree>
+      <p:nvGrpSpPr>
+        <p:cNvPr id="1" name=""/>
+        <p:cNvGrpSpPr/>
+        <p:nvPr/>
+      </p:nvGrpSpPr>
+      <p:grpSpPr>
+        <a:xfrm>
+          <a:off x="0" y="0"/>
+          <a:ext cx="0" cy="0"/>
+          <a:chOff x="0" y="0"/>
+          <a:chExt cx="0" cy="0"/>
+        </a:xfrm>
+      </p:grpSpPr>
+      <p:sp>
+        <p:nvSpPr>
+          <p:cNvPr id="2" name="Titolo 1"/>
+          <p:cNvSpPr>
+            <a:spLocks noGrp="1"/>
+          </p:cNvSpPr>
+          <p:nvPr>
+            <p:ph type="title"/>
+          </p:nvPr>
+        </p:nvSpPr>
+        <p:spPr>
+          <a:xfrm>
+            <a:off x="914400" y="3301962"/>
+            <a:ext cx="10515600" cy="1325563"/>
+          </a:xfrm>
+        </p:spPr>
+        <p:txBody>
+          <a:bodyPr>
+            <a:noAutofit/>
+          </a:bodyPr>
+          <a:lstStyle/>
+          <a:p>
+            <a:r>
+              <a:rPr lang="pt-BR" sz="3200" b="1" cap="none" dirty="0"/>
+              <a:t>5º Passo - Listar os substantivos que se tornarão ENTIDADES</a:t>
+            </a:r>
+            <a:endParaRPr lang="it-IT" sz="3200" cap="none" dirty="0"/>
+          </a:p>
+        </p:txBody>
+      </p:sp>
+      <p:sp>
+        <p:nvSpPr>
+          <p:cNvPr id="3" name="Segnaposto contenuto 2"/>
+          <p:cNvSpPr>
+            <a:spLocks noGrp="1"/>
+          </p:cNvSpPr>
+          <p:nvPr>
+            <p:ph idx="1"/>
+          </p:nvPr>
+        </p:nvSpPr>
+        <p:spPr>
+          <a:xfrm>
+            <a:off x="838200" y="1825625"/>
+            <a:ext cx="10515600" cy="1799702"/>
+          </a:xfrm>
+        </p:spPr>
+        <p:txBody>
+          <a:bodyPr/>
+          <a:lstStyle/>
+          <a:p>
+            <a:r>
+              <a:rPr lang="pt-BR" b="1" dirty="0" smtClean="0"/>
+              <a:t>Resultado</a:t>
+            </a:r>
+            <a:r>
+              <a:rPr lang="pt-BR" dirty="0" smtClean="0"/>
+              <a:t>: não existe nenuma referência a funcionalidades futuras</a:t>
+            </a:r>
+            <a:endParaRPr lang="it-IT" dirty="0"/>
+          </a:p>
+        </p:txBody>
+      </p:sp>
+      <p:sp>
+        <p:nvSpPr>
+          <p:cNvPr id="4" name="Titolo 1"/>
+          <p:cNvSpPr txBox="1">
+            <a:spLocks/>
+          </p:cNvSpPr>
+          <p:nvPr/>
+        </p:nvSpPr>
+        <p:spPr>
+          <a:xfrm>
+            <a:off x="990600" y="517525"/>
+            <a:ext cx="10515600" cy="1325563"/>
+          </a:xfrm>
+          <a:prstGeom prst="rect">
+            <a:avLst/>
+          </a:prstGeom>
+        </p:spPr>
+        <p:txBody>
+          <a:bodyPr vert="horz" lIns="91440" tIns="45720" rIns="91440" bIns="45720" rtlCol="0" anchor="ctr">
+            <a:noAutofit/>
+          </a:bodyPr>
+          <a:lstStyle>
+            <a:lvl1pPr algn="l" defTabSz="914400" rtl="0" eaLnBrk="1" latinLnBrk="0" hangingPunct="1">
+              <a:lnSpc>
+                <a:spcPct val="90000"/>
+              </a:lnSpc>
+              <a:spcBef>
+                <a:spcPct val="0"/>
+              </a:spcBef>
+              <a:buNone/>
+              <a:defRPr sz="4400" kern="1200">
+                <a:solidFill>
+                  <a:schemeClr val="tx1"/>
+                </a:solidFill>
+                <a:latin typeface="+mj-lt"/>
+                <a:ea typeface="+mj-ea"/>
+                <a:cs typeface="+mj-cs"/>
+              </a:defRPr>
+            </a:lvl1pPr>
+          </a:lstStyle>
+          <a:p>
+            <a:r>
+              <a:rPr lang="pt-BR" sz="3200" b="1" dirty="0"/>
+              <a:t>4º Passo - Descartar ENTIDADES que são referência a uma </a:t>
+            </a:r>
+            <a:r>
+              <a:rPr lang="pt-BR" sz="3200" b="1" dirty="0" smtClean="0"/>
+              <a:t>futura </a:t>
+            </a:r>
+            <a:r>
+              <a:rPr lang="it-IT" sz="3200" b="1" dirty="0" err="1" smtClean="0"/>
+              <a:t>funcionalidade</a:t>
+            </a:r>
+            <a:r>
+              <a:rPr lang="it-IT" sz="3200" b="1" dirty="0" smtClean="0"/>
+              <a:t> </a:t>
+            </a:r>
+            <a:r>
+              <a:rPr lang="it-IT" sz="3200" b="1" dirty="0"/>
+              <a:t>do sistema</a:t>
+            </a:r>
+            <a:endParaRPr lang="it-IT" sz="3200" dirty="0"/>
+          </a:p>
+        </p:txBody>
+      </p:sp>
+      <p:sp>
+        <p:nvSpPr>
+          <p:cNvPr id="5" name="Segnaposto contenuto 2"/>
+          <p:cNvSpPr txBox="1">
+            <a:spLocks/>
+          </p:cNvSpPr>
+          <p:nvPr/>
+        </p:nvSpPr>
+        <p:spPr>
+          <a:xfrm>
+            <a:off x="914400" y="4441526"/>
+            <a:ext cx="10515600" cy="1472752"/>
+          </a:xfrm>
+          <a:prstGeom prst="rect">
+            <a:avLst/>
+          </a:prstGeom>
+        </p:spPr>
+        <p:txBody>
+          <a:bodyPr vert="horz" lIns="91440" tIns="45720" rIns="91440" bIns="45720" rtlCol="0">
+            <a:normAutofit/>
+          </a:bodyPr>
+          <a:lstStyle>
+            <a:lvl1pPr marL="228600" indent="-228600" algn="l" defTabSz="914400" rtl="0" eaLnBrk="1" latinLnBrk="0" hangingPunct="1">
+              <a:lnSpc>
+                <a:spcPct val="90000"/>
+              </a:lnSpc>
+              <a:spcBef>
+                <a:spcPts val="1000"/>
+              </a:spcBef>
+              <a:buFont typeface="Arial" panose="020B0604020202020204" pitchFamily="34" charset="0"/>
+              <a:buChar char="•"/>
+              <a:defRPr sz="2800" kern="1200">
+                <a:solidFill>
+                  <a:schemeClr val="tx1"/>
+                </a:solidFill>
+                <a:latin typeface="+mn-lt"/>
+                <a:ea typeface="+mn-ea"/>
+                <a:cs typeface="+mn-cs"/>
+              </a:defRPr>
+            </a:lvl1pPr>
+            <a:lvl2pPr marL="685800" indent="-228600" algn="l" defTabSz="914400" rtl="0" eaLnBrk="1" latinLnBrk="0" hangingPunct="1">
+              <a:lnSpc>
+                <a:spcPct val="90000"/>
+              </a:lnSpc>
+              <a:spcBef>
+                <a:spcPts val="500"/>
+              </a:spcBef>
+              <a:buFont typeface="Arial" panose="020B0604020202020204" pitchFamily="34" charset="0"/>
+              <a:buChar char="•"/>
+              <a:defRPr sz="2400" kern="1200">
+                <a:solidFill>
+                  <a:schemeClr val="tx1"/>
+                </a:solidFill>
+                <a:latin typeface="+mn-lt"/>
+                <a:ea typeface="+mn-ea"/>
+                <a:cs typeface="+mn-cs"/>
+              </a:defRPr>
+            </a:lvl2pPr>
+            <a:lvl3pPr marL="1143000" indent="-228600" algn="l" defTabSz="914400" rtl="0" eaLnBrk="1" latinLnBrk="0" hangingPunct="1">
+              <a:lnSpc>
+                <a:spcPct val="90000"/>
+              </a:lnSpc>
+              <a:spcBef>
+                <a:spcPts val="500"/>
+              </a:spcBef>
+              <a:buFont typeface="Arial" panose="020B0604020202020204" pitchFamily="34" charset="0"/>
+              <a:buChar char="•"/>
+              <a:defRPr sz="2000" kern="1200">
+                <a:solidFill>
+                  <a:schemeClr val="tx1"/>
+                </a:solidFill>
+                <a:latin typeface="+mn-lt"/>
+                <a:ea typeface="+mn-ea"/>
+                <a:cs typeface="+mn-cs"/>
+              </a:defRPr>
+            </a:lvl3pPr>
+            <a:lvl4pPr marL="1600200" indent="-228600" algn="l" defTabSz="914400" rtl="0" eaLnBrk="1" latinLnBrk="0" hangingPunct="1">
+              <a:lnSpc>
+                <a:spcPct val="90000"/>
+              </a:lnSpc>
+              <a:spcBef>
+                <a:spcPts val="500"/>
+              </a:spcBef>
+              <a:buFont typeface="Arial" panose="020B0604020202020204" pitchFamily="34" charset="0"/>
+              <a:buChar char="•"/>
+              <a:defRPr sz="1800" kern="1200">
+                <a:solidFill>
+                  <a:schemeClr val="tx1"/>
+                </a:solidFill>
+                <a:latin typeface="+mn-lt"/>
+                <a:ea typeface="+mn-ea"/>
+                <a:cs typeface="+mn-cs"/>
+              </a:defRPr>
+            </a:lvl4pPr>
+            <a:lvl5pPr marL="2057400" indent="-228600" algn="l" defTabSz="914400" rtl="0" eaLnBrk="1" latinLnBrk="0" hangingPunct="1">
+              <a:lnSpc>
+                <a:spcPct val="90000"/>
+              </a:lnSpc>
+              <a:spcBef>
+                <a:spcPts val="500"/>
+              </a:spcBef>
+              <a:buFont typeface="Arial" panose="020B0604020202020204" pitchFamily="34" charset="0"/>
+              <a:buChar char="•"/>
+              <a:defRPr sz="1800" kern="1200">
+                <a:solidFill>
+                  <a:schemeClr val="tx1"/>
+                </a:solidFill>
+                <a:latin typeface="+mn-lt"/>
+                <a:ea typeface="+mn-ea"/>
+                <a:cs typeface="+mn-cs"/>
+              </a:defRPr>
+            </a:lvl5pPr>
+            <a:lvl6pPr marL="2514600" indent="-228600" algn="l" defTabSz="914400" rtl="0" eaLnBrk="1" latinLnBrk="0" hangingPunct="1">
+              <a:lnSpc>
+                <a:spcPct val="90000"/>
+              </a:lnSpc>
+              <a:spcBef>
+                <a:spcPts val="500"/>
+              </a:spcBef>
+              <a:buFont typeface="Arial" panose="020B0604020202020204" pitchFamily="34" charset="0"/>
+              <a:buChar char="•"/>
+              <a:defRPr sz="1800" kern="1200">
+                <a:solidFill>
+                  <a:schemeClr val="tx1"/>
+                </a:solidFill>
+                <a:latin typeface="+mn-lt"/>
+                <a:ea typeface="+mn-ea"/>
+                <a:cs typeface="+mn-cs"/>
+              </a:defRPr>
+            </a:lvl6pPr>
+            <a:lvl7pPr marL="2971800" indent="-228600" algn="l" defTabSz="914400" rtl="0" eaLnBrk="1" latinLnBrk="0" hangingPunct="1">
+              <a:lnSpc>
+                <a:spcPct val="90000"/>
+              </a:lnSpc>
+              <a:spcBef>
+                <a:spcPts val="500"/>
+              </a:spcBef>
+              <a:buFont typeface="Arial" panose="020B0604020202020204" pitchFamily="34" charset="0"/>
+              <a:buChar char="•"/>
+              <a:defRPr sz="1800" kern="1200">
+                <a:solidFill>
+                  <a:schemeClr val="tx1"/>
+                </a:solidFill>
+                <a:latin typeface="+mn-lt"/>
+                <a:ea typeface="+mn-ea"/>
+                <a:cs typeface="+mn-cs"/>
+              </a:defRPr>
+            </a:lvl7pPr>
+            <a:lvl8pPr marL="3429000" indent="-228600" algn="l" defTabSz="914400" rtl="0" eaLnBrk="1" latinLnBrk="0" hangingPunct="1">
+              <a:lnSpc>
+                <a:spcPct val="90000"/>
+              </a:lnSpc>
+              <a:spcBef>
+                <a:spcPts val="500"/>
+              </a:spcBef>
+              <a:buFont typeface="Arial" panose="020B0604020202020204" pitchFamily="34" charset="0"/>
+              <a:buChar char="•"/>
+              <a:defRPr sz="1800" kern="1200">
+                <a:solidFill>
+                  <a:schemeClr val="tx1"/>
+                </a:solidFill>
+                <a:latin typeface="+mn-lt"/>
+                <a:ea typeface="+mn-ea"/>
+                <a:cs typeface="+mn-cs"/>
+              </a:defRPr>
+            </a:lvl8pPr>
+            <a:lvl9pPr marL="3886200" indent="-228600" algn="l" defTabSz="914400" rtl="0" eaLnBrk="1" latinLnBrk="0" hangingPunct="1">
+              <a:lnSpc>
+                <a:spcPct val="90000"/>
+              </a:lnSpc>
+              <a:spcBef>
+                <a:spcPts val="500"/>
+              </a:spcBef>
+              <a:buFont typeface="Arial" panose="020B0604020202020204" pitchFamily="34" charset="0"/>
+              <a:buChar char="•"/>
+              <a:defRPr sz="1800" kern="1200">
+                <a:solidFill>
+                  <a:schemeClr val="tx1"/>
+                </a:solidFill>
+                <a:latin typeface="+mn-lt"/>
+                <a:ea typeface="+mn-ea"/>
+                <a:cs typeface="+mn-cs"/>
+              </a:defRPr>
+            </a:lvl9pPr>
+          </a:lstStyle>
+          <a:p>
+            <a:pPr marL="0" indent="0">
+              <a:buNone/>
+            </a:pPr>
+            <a:r>
+              <a:rPr lang="pt-BR" b="1" dirty="0" smtClean="0"/>
+              <a:t>Resultado</a:t>
+            </a:r>
+            <a:r>
+              <a:rPr lang="pt-BR" dirty="0" smtClean="0"/>
+              <a:t>: </a:t>
+            </a:r>
+            <a:r>
+              <a:rPr lang="pt-BR" i="1" strike="sngStrike" dirty="0">
+                <a:solidFill>
+                  <a:srgbClr val="FF0000"/>
+                </a:solidFill>
+              </a:rPr>
+              <a:t>base de dados </a:t>
+            </a:r>
+            <a:r>
+              <a:rPr lang="pt-BR" i="1" dirty="0">
+                <a:solidFill>
+                  <a:srgbClr val="00B050"/>
+                </a:solidFill>
+              </a:rPr>
+              <a:t>, </a:t>
+            </a:r>
+            <a:r>
+              <a:rPr lang="pt-BR" i="1" strike="sngStrike" dirty="0">
+                <a:solidFill>
+                  <a:srgbClr val="FF0000"/>
+                </a:solidFill>
+              </a:rPr>
+              <a:t>empresa de consultoria </a:t>
+            </a:r>
+            <a:r>
+              <a:rPr lang="pt-BR" i="1" dirty="0">
+                <a:solidFill>
+                  <a:srgbClr val="00B050"/>
+                </a:solidFill>
+              </a:rPr>
+              <a:t>, </a:t>
+            </a:r>
+            <a:r>
+              <a:rPr lang="pt-BR" i="1" dirty="0" smtClean="0">
+                <a:solidFill>
+                  <a:srgbClr val="00B050"/>
+                </a:solidFill>
+              </a:rPr>
+              <a:t>empresa, projectos</a:t>
+            </a:r>
+            <a:r>
+              <a:rPr lang="pt-BR" i="1" dirty="0">
+                <a:solidFill>
+                  <a:srgbClr val="00B050"/>
+                </a:solidFill>
+              </a:rPr>
+              <a:t>, </a:t>
+            </a:r>
+            <a:r>
+              <a:rPr lang="pt-BR" i="1" dirty="0" smtClean="0">
+                <a:solidFill>
+                  <a:srgbClr val="00B050"/>
+                </a:solidFill>
+              </a:rPr>
+              <a:t>consultores</a:t>
+            </a:r>
+            <a:r>
+              <a:rPr lang="pt-BR" i="1" dirty="0">
+                <a:solidFill>
+                  <a:srgbClr val="00B050"/>
+                </a:solidFill>
+              </a:rPr>
+              <a:t>.</a:t>
+            </a:r>
+          </a:p>
+        </p:txBody>
+      </p:sp>
+      <p:sp>
+        <p:nvSpPr>
+          <p:cNvPr id="7" name="Rettangolo 6"/>
+          <p:cNvSpPr/>
+          <p:nvPr/>
+        </p:nvSpPr>
+        <p:spPr>
+          <a:xfrm>
+            <a:off x="5023824" y="5914278"/>
+            <a:ext cx="1828800" cy="733948"/>
+          </a:xfrm>
+          <a:prstGeom prst="rect">
+            <a:avLst/>
+          </a:prstGeom>
+        </p:spPr>
+        <p:style>
+          <a:lnRef idx="2">
+            <a:schemeClr val="accent1">
+              <a:shade val="50000"/>
+            </a:schemeClr>
+          </a:lnRef>
+          <a:fillRef idx="1">
+            <a:schemeClr val="accent1"/>
+          </a:fillRef>
+          <a:effectRef idx="0">
+            <a:schemeClr val="accent1"/>
+          </a:effectRef>
+          <a:fontRef idx="minor">
+            <a:schemeClr val="lt1"/>
+          </a:fontRef>
+        </p:style>
+        <p:txBody>
+          <a:bodyPr rtlCol="0" anchor="ctr"/>
+          <a:lstStyle/>
+          <a:p>
+            <a:pPr algn="ctr"/>
+            <a:r>
+              <a:rPr lang="pt-PT" dirty="0" err="1" smtClean="0"/>
+              <a:t>Projecto</a:t>
+            </a:r>
+            <a:endParaRPr lang="it-IT" dirty="0"/>
+          </a:p>
+        </p:txBody>
+      </p:sp>
+      <p:sp>
+        <p:nvSpPr>
+          <p:cNvPr id="8" name="Rettangolo 7"/>
+          <p:cNvSpPr/>
+          <p:nvPr/>
+        </p:nvSpPr>
+        <p:spPr>
+          <a:xfrm>
+            <a:off x="7455052" y="5914278"/>
+            <a:ext cx="1904104" cy="733948"/>
+          </a:xfrm>
+          <a:prstGeom prst="rect">
+            <a:avLst/>
+          </a:prstGeom>
+        </p:spPr>
+        <p:style>
+          <a:lnRef idx="2">
+            <a:schemeClr val="accent1">
+              <a:shade val="50000"/>
+            </a:schemeClr>
+          </a:lnRef>
+          <a:fillRef idx="1">
+            <a:schemeClr val="accent1"/>
+          </a:fillRef>
+          <a:effectRef idx="0">
+            <a:schemeClr val="accent1"/>
+          </a:effectRef>
+          <a:fontRef idx="minor">
+            <a:schemeClr val="lt1"/>
+          </a:fontRef>
+        </p:style>
+        <p:txBody>
+          <a:bodyPr rtlCol="0" anchor="ctr"/>
+          <a:lstStyle/>
+          <a:p>
+            <a:pPr algn="ctr"/>
+            <a:r>
+              <a:rPr lang="pt-PT" dirty="0" smtClean="0"/>
+              <a:t>Consultor</a:t>
+            </a:r>
+            <a:endParaRPr lang="it-IT" dirty="0"/>
+          </a:p>
+        </p:txBody>
+      </p:sp>
+      <p:sp>
+        <p:nvSpPr>
+          <p:cNvPr id="9" name="Rettangolo 8"/>
+          <p:cNvSpPr/>
+          <p:nvPr/>
+        </p:nvSpPr>
+        <p:spPr>
+          <a:xfrm>
+            <a:off x="2637420" y="5914278"/>
+            <a:ext cx="1645920" cy="733948"/>
+          </a:xfrm>
+          <a:prstGeom prst="rect">
+            <a:avLst/>
+          </a:prstGeom>
+        </p:spPr>
+        <p:style>
+          <a:lnRef idx="2">
+            <a:schemeClr val="accent1">
+              <a:shade val="50000"/>
+            </a:schemeClr>
+          </a:lnRef>
+          <a:fillRef idx="1">
+            <a:schemeClr val="accent1"/>
+          </a:fillRef>
+          <a:effectRef idx="0">
+            <a:schemeClr val="accent1"/>
+          </a:effectRef>
+          <a:fontRef idx="minor">
+            <a:schemeClr val="lt1"/>
+          </a:fontRef>
+        </p:style>
+        <p:txBody>
+          <a:bodyPr rtlCol="0" anchor="ctr"/>
+          <a:lstStyle/>
+          <a:p>
+            <a:pPr algn="ctr"/>
+            <a:r>
+              <a:rPr lang="pt-PT" dirty="0" smtClean="0"/>
+              <a:t>Empresa</a:t>
+            </a:r>
+            <a:endParaRPr lang="it-IT" dirty="0"/>
+          </a:p>
+        </p:txBody>
+      </p:sp>
+    </p:spTree>
+    <p:extLst>
+      <p:ext uri="{BB962C8B-B14F-4D97-AF65-F5344CB8AC3E}">
+        <p14:creationId xmlns:p14="http://schemas.microsoft.com/office/powerpoint/2010/main" val="4242482355"/>
+      </p:ext>
+    </p:extLst>
+  </p:cSld>
+  <p:clrMapOvr>
+    <a:masterClrMapping/>
+  </p:clrMapOvr>
+  <p:timing>
+    <p:tnLst>
+      <p:par>
+        <p:cTn id="1" dur="indefinite" restart="never" nodeType="tmRoot"/>
+      </p:par>
+    </p:tnLst>
+  </p:timing>
+</p:sld>
+</file>
+
+<file path=ppt/slides/slide8.xml><?xml version="1.0" encoding="utf-8"?>
+<p:sld xmlns:a="http://schemas.openxmlformats.org/drawingml/2006/main" xmlns:r="http://schemas.openxmlformats.org/officeDocument/2006/relationships" xmlns:p="http://schemas.openxmlformats.org/presentationml/2006/main">
+  <p:cSld>
+    <p:spTree>
+      <p:nvGrpSpPr>
+        <p:cNvPr id="1" name=""/>
+        <p:cNvGrpSpPr/>
+        <p:nvPr/>
+      </p:nvGrpSpPr>
+      <p:grpSpPr>
+        <a:xfrm>
+          <a:off x="0" y="0"/>
+          <a:ext cx="0" cy="0"/>
+          <a:chOff x="0" y="0"/>
+          <a:chExt cx="0" cy="0"/>
+        </a:xfrm>
+      </p:grpSpPr>
+      <p:sp>
+        <p:nvSpPr>
+          <p:cNvPr id="2" name="Titolo 1"/>
+          <p:cNvSpPr>
+            <a:spLocks noGrp="1"/>
+          </p:cNvSpPr>
+          <p:nvPr>
+            <p:ph type="title"/>
+          </p:nvPr>
+        </p:nvSpPr>
+        <p:spPr/>
+        <p:txBody>
+          <a:bodyPr>
+            <a:noAutofit/>
+          </a:bodyPr>
+          <a:lstStyle/>
+          <a:p>
+            <a:r>
+              <a:rPr lang="pt-BR" sz="2400" b="1" cap="none" dirty="0"/>
+              <a:t>6º Passo – Para cada par de ENTIDADES, identificar </a:t>
+            </a:r>
+            <a:r>
+              <a:rPr lang="pt-BR" sz="2400" b="1" cap="none" dirty="0" smtClean="0"/>
+              <a:t>os RELACIONAMENTOS </a:t>
+            </a:r>
+            <a:r>
+              <a:rPr lang="pt-BR" sz="2400" b="1" cap="none" dirty="0"/>
+              <a:t>existentes entre elas - caso haja algum. </a:t>
+            </a:r>
+            <a:r>
+              <a:rPr lang="pt-BR" sz="2400" b="1" cap="none" dirty="0" smtClean="0"/>
+              <a:t>Utilizar verbos </a:t>
+            </a:r>
+            <a:r>
+              <a:rPr lang="pt-BR" sz="2400" b="1" cap="none" dirty="0"/>
+              <a:t>ou preposições para demonstrar os RELACIONAMENTOS </a:t>
+            </a:r>
+            <a:r>
+              <a:rPr lang="pt-BR" sz="2400" b="1" cap="none" dirty="0" smtClean="0"/>
+              <a:t>de dependência </a:t>
+            </a:r>
+            <a:r>
+              <a:rPr lang="pt-BR" sz="2400" b="1" cap="none" dirty="0"/>
+              <a:t>ou existência e incluir informações sobre a cardinalidade.</a:t>
+            </a:r>
+            <a:endParaRPr lang="it-IT" sz="2400" cap="none" dirty="0"/>
+          </a:p>
+        </p:txBody>
+      </p:sp>
+      <p:sp>
+        <p:nvSpPr>
+          <p:cNvPr id="3" name="Segnaposto contenuto 2"/>
+          <p:cNvSpPr>
+            <a:spLocks noGrp="1"/>
+          </p:cNvSpPr>
+          <p:nvPr>
+            <p:ph idx="1"/>
+          </p:nvPr>
+        </p:nvSpPr>
+        <p:spPr/>
+        <p:txBody>
+          <a:bodyPr>
+            <a:normAutofit/>
+          </a:bodyPr>
+          <a:lstStyle/>
+          <a:p>
+            <a:r>
+              <a:rPr lang="it-IT" b="1" dirty="0" err="1"/>
+              <a:t>Resultado</a:t>
+            </a:r>
+            <a:r>
+              <a:rPr lang="it-IT" dirty="0" smtClean="0"/>
+              <a:t>:</a:t>
+            </a:r>
+          </a:p>
+          <a:p>
+            <a:pPr marL="0" indent="0">
+              <a:buNone/>
+            </a:pPr>
+            <a:r>
+              <a:rPr lang="it-IT" dirty="0" smtClean="0"/>
+              <a:t>EMPRESA </a:t>
+            </a:r>
+            <a:r>
+              <a:rPr lang="it-IT" dirty="0"/>
+              <a:t>x </a:t>
+            </a:r>
+            <a:r>
+              <a:rPr lang="it-IT" dirty="0" smtClean="0"/>
+              <a:t>PROJECTO</a:t>
+            </a:r>
+            <a:endParaRPr lang="it-IT" dirty="0"/>
+          </a:p>
+          <a:p>
+            <a:pPr lvl="2"/>
+            <a:r>
+              <a:rPr lang="pt-BR" dirty="0" smtClean="0"/>
+              <a:t>Uma empresa pode ter </a:t>
+            </a:r>
+            <a:r>
+              <a:rPr lang="pt-BR" dirty="0" smtClean="0">
+                <a:solidFill>
+                  <a:srgbClr val="FF0000"/>
+                </a:solidFill>
+              </a:rPr>
+              <a:t>um ou vários </a:t>
+            </a:r>
+            <a:r>
+              <a:rPr lang="pt-BR" dirty="0" smtClean="0"/>
+              <a:t>projectos;</a:t>
+            </a:r>
+            <a:endParaRPr lang="pt-BR" dirty="0"/>
+          </a:p>
+          <a:p>
+            <a:pPr lvl="2"/>
+            <a:r>
+              <a:rPr lang="pt-BR" dirty="0" smtClean="0"/>
+              <a:t>Um projecto  pertece à </a:t>
+            </a:r>
+            <a:r>
+              <a:rPr lang="pt-BR" dirty="0" smtClean="0">
+                <a:solidFill>
+                  <a:srgbClr val="FF0000"/>
+                </a:solidFill>
+              </a:rPr>
+              <a:t>apenas uma </a:t>
+            </a:r>
+            <a:r>
+              <a:rPr lang="pt-BR" dirty="0" smtClean="0"/>
+              <a:t>empresa;</a:t>
+            </a:r>
+            <a:endParaRPr lang="it-IT" dirty="0" smtClean="0"/>
+          </a:p>
+          <a:p>
+            <a:pPr marL="0" indent="0">
+              <a:buNone/>
+            </a:pPr>
+            <a:r>
+              <a:rPr lang="it-IT" dirty="0" smtClean="0"/>
+              <a:t>EMPRESA </a:t>
+            </a:r>
+            <a:r>
+              <a:rPr lang="it-IT" dirty="0"/>
+              <a:t>x </a:t>
+            </a:r>
+            <a:r>
+              <a:rPr lang="it-IT" dirty="0" smtClean="0"/>
+              <a:t>CONSULTOR</a:t>
+            </a:r>
+            <a:endParaRPr lang="it-IT" dirty="0"/>
+          </a:p>
+          <a:p>
+            <a:pPr lvl="2"/>
+            <a:r>
+              <a:rPr lang="pt-BR" dirty="0" smtClean="0"/>
+              <a:t>Não existe uma relação directa entre o consultor e a empresa</a:t>
+            </a:r>
+            <a:endParaRPr lang="pt-BR" dirty="0"/>
+          </a:p>
+          <a:p>
+            <a:pPr marL="0" indent="0">
+              <a:buNone/>
+            </a:pPr>
+            <a:r>
+              <a:rPr lang="it-IT" dirty="0" smtClean="0"/>
+              <a:t>PROJECTO </a:t>
+            </a:r>
+            <a:r>
+              <a:rPr lang="it-IT" dirty="0"/>
+              <a:t>x </a:t>
+            </a:r>
+            <a:r>
+              <a:rPr lang="it-IT" dirty="0" smtClean="0"/>
+              <a:t>CONSULTOR</a:t>
+            </a:r>
+            <a:endParaRPr lang="it-IT" dirty="0"/>
+          </a:p>
+          <a:p>
+            <a:pPr lvl="2"/>
+            <a:r>
+              <a:rPr lang="pt-BR" dirty="0" smtClean="0"/>
+              <a:t>Num projecto podem trabalhar </a:t>
+            </a:r>
+            <a:r>
+              <a:rPr lang="pt-BR" dirty="0" smtClean="0">
+                <a:solidFill>
+                  <a:srgbClr val="FF0000"/>
+                </a:solidFill>
+              </a:rPr>
+              <a:t>um ou varios </a:t>
+            </a:r>
+            <a:r>
+              <a:rPr lang="pt-BR" dirty="0" smtClean="0"/>
+              <a:t>consultores</a:t>
+            </a:r>
+            <a:endParaRPr lang="pt-BR" dirty="0"/>
+          </a:p>
+          <a:p>
+            <a:pPr lvl="2"/>
+            <a:r>
+              <a:rPr lang="pt-BR" dirty="0" smtClean="0"/>
+              <a:t>Um consultor pode trabalhar </a:t>
+            </a:r>
+            <a:r>
+              <a:rPr lang="pt-BR" dirty="0" smtClean="0">
+                <a:solidFill>
+                  <a:srgbClr val="FF0000"/>
+                </a:solidFill>
+              </a:rPr>
+              <a:t>num ou vários </a:t>
+            </a:r>
+            <a:r>
+              <a:rPr lang="pt-BR" dirty="0" smtClean="0"/>
+              <a:t>projectos</a:t>
+            </a:r>
+            <a:endParaRPr lang="it-IT" dirty="0" smtClean="0"/>
+          </a:p>
+        </p:txBody>
+      </p:sp>
+    </p:spTree>
+    <p:extLst>
+      <p:ext uri="{BB962C8B-B14F-4D97-AF65-F5344CB8AC3E}">
+        <p14:creationId xmlns:p14="http://schemas.microsoft.com/office/powerpoint/2010/main" val="2226643132"/>
+      </p:ext>
+    </p:extLst>
+  </p:cSld>
+  <p:clrMapOvr>
+    <a:masterClrMapping/>
+  </p:clrMapOvr>
+  <p:timing>
+    <p:tnLst>
+      <p:par>
+        <p:cTn id="1" dur="indefinite" restart="never" nodeType="tmRoot"/>
+      </p:par>
+    </p:tnLst>
+  </p:timing>
+</p:sld>
+</file>
+
+<file path=ppt/slides/slide9.xml><?xml version="1.0" encoding="utf-8"?>
+<p:sld xmlns:a="http://schemas.openxmlformats.org/drawingml/2006/main" xmlns:r="http://schemas.openxmlformats.org/officeDocument/2006/relationships" xmlns:p="http://schemas.openxmlformats.org/presentationml/2006/main">
+  <p:cSld>
+    <p:spTree>
+      <p:nvGrpSpPr>
+        <p:cNvPr id="1" name=""/>
+        <p:cNvGrpSpPr/>
+        <p:nvPr/>
+      </p:nvGrpSpPr>
+      <p:grpSpPr>
+        <a:xfrm>
+          <a:off x="0" y="0"/>
+          <a:ext cx="0" cy="0"/>
+          <a:chOff x="0" y="0"/>
+          <a:chExt cx="0" cy="0"/>
+        </a:xfrm>
+      </p:grpSpPr>
+      <p:sp>
+        <p:nvSpPr>
+          <p:cNvPr id="2" name="Titolo 1"/>
+          <p:cNvSpPr>
+            <a:spLocks noGrp="1"/>
+          </p:cNvSpPr>
+          <p:nvPr>
+            <p:ph type="title"/>
+          </p:nvPr>
+        </p:nvSpPr>
+        <p:spPr>
+          <a:xfrm>
+            <a:off x="838200" y="365126"/>
+            <a:ext cx="10515600" cy="1054884"/>
+          </a:xfrm>
+        </p:spPr>
+        <p:txBody>
+          <a:bodyPr>
+            <a:noAutofit/>
+          </a:bodyPr>
+          <a:lstStyle/>
+          <a:p>
+            <a:r>
+              <a:rPr lang="pt-BR" sz="2400" b="1" dirty="0"/>
+              <a:t>7</a:t>
+            </a:r>
+            <a:r>
+              <a:rPr lang="pt-BR" sz="2400" b="1" dirty="0" smtClean="0"/>
+              <a:t>º </a:t>
+            </a:r>
+            <a:r>
+              <a:rPr lang="pt-BR" sz="2400" b="1" dirty="0"/>
+              <a:t>Passo – </a:t>
             </a:r>
             <a:r>
               <a:rPr lang="pt-BR" sz="2400" b="1" cap="none" dirty="0"/>
@@ -4646,3791 +8631,6 @@
     <p:extLst>
       <p:ext uri="{BB962C8B-B14F-4D97-AF65-F5344CB8AC3E}">
         <p14:creationId xmlns:p14="http://schemas.microsoft.com/office/powerpoint/2010/main" val="3042099343"/>
-      </p:ext>
-    </p:extLst>
-  </p:cSld>
-  <p:clrMapOvr>
-    <a:masterClrMapping/>
-  </p:clrMapOvr>
-  <p:timing>
-    <p:tnLst>
-      <p:par>
-        <p:cTn id="1" dur="indefinite" restart="never" nodeType="tmRoot"/>
-      </p:par>
-    </p:tnLst>
-  </p:timing>
-</p:sld>
-</file>
-
-<file path=ppt/slides/slide11.xml><?xml version="1.0" encoding="utf-8"?>
-<p:sld xmlns:a="http://schemas.openxmlformats.org/drawingml/2006/main" xmlns:r="http://schemas.openxmlformats.org/officeDocument/2006/relationships" xmlns:p="http://schemas.openxmlformats.org/presentationml/2006/main">
-  <p:cSld>
-    <p:spTree>
-      <p:nvGrpSpPr>
-        <p:cNvPr id="1" name=""/>
-        <p:cNvGrpSpPr/>
-        <p:nvPr/>
-      </p:nvGrpSpPr>
-      <p:grpSpPr>
-        <a:xfrm>
-          <a:off x="0" y="0"/>
-          <a:ext cx="0" cy="0"/>
-          <a:chOff x="0" y="0"/>
-          <a:chExt cx="0" cy="0"/>
-        </a:xfrm>
-      </p:grpSpPr>
-      <p:sp>
-        <p:nvSpPr>
-          <p:cNvPr id="2" name="Titolo 1"/>
-          <p:cNvSpPr>
-            <a:spLocks noGrp="1"/>
-          </p:cNvSpPr>
-          <p:nvPr>
-            <p:ph type="title"/>
-          </p:nvPr>
-        </p:nvSpPr>
-        <p:spPr>
-          <a:xfrm>
-            <a:off x="838200" y="365126"/>
-            <a:ext cx="10515600" cy="1054884"/>
-          </a:xfrm>
-        </p:spPr>
-        <p:txBody>
-          <a:bodyPr>
-            <a:noAutofit/>
-          </a:bodyPr>
-          <a:lstStyle/>
-          <a:p>
-            <a:r>
-              <a:rPr lang="pt-BR" sz="2400" b="1" dirty="0"/>
-              <a:t>8º Passo – </a:t>
-            </a:r>
-            <a:r>
-              <a:rPr lang="pt-BR" sz="2400" b="1" cap="none" dirty="0"/>
-              <a:t>Criar o </a:t>
-            </a:r>
-            <a:r>
-              <a:rPr lang="pt-BR" sz="2400" b="1" i="1" cap="none" dirty="0"/>
-              <a:t>Diagrama de Entidade-Relacionamento </a:t>
-            </a:r>
-            <a:r>
-              <a:rPr lang="pt-BR" sz="2400" b="1" cap="none" dirty="0"/>
-              <a:t>(</a:t>
-            </a:r>
-            <a:r>
-              <a:rPr lang="pt-BR" sz="2400" b="1" i="1" cap="none" dirty="0"/>
-              <a:t>DER</a:t>
-            </a:r>
-            <a:r>
-              <a:rPr lang="pt-BR" sz="2400" b="1" cap="none" dirty="0"/>
-              <a:t>) a partir</a:t>
-            </a:r>
-            <a:br>
-              <a:rPr lang="pt-BR" sz="2400" b="1" cap="none" dirty="0"/>
-            </a:br>
-            <a:r>
-              <a:rPr lang="it-IT" sz="2400" b="1" cap="none" dirty="0"/>
-              <a:t>da </a:t>
-            </a:r>
-            <a:r>
-              <a:rPr lang="it-IT" sz="2400" b="1" cap="none" dirty="0" err="1"/>
-              <a:t>modelagem</a:t>
-            </a:r>
-            <a:r>
-              <a:rPr lang="it-IT" sz="2400" b="1" cap="none" dirty="0"/>
-              <a:t> </a:t>
-            </a:r>
-            <a:r>
-              <a:rPr lang="it-IT" sz="2400" b="1" cap="none" dirty="0" err="1"/>
-              <a:t>realizada</a:t>
-            </a:r>
-            <a:endParaRPr lang="it-IT" sz="2400" cap="none" dirty="0"/>
-          </a:p>
-        </p:txBody>
-      </p:sp>
-      <p:sp>
-        <p:nvSpPr>
-          <p:cNvPr id="7" name="Segnaposto contenuto 2"/>
-          <p:cNvSpPr>
-            <a:spLocks noGrp="1"/>
-          </p:cNvSpPr>
-          <p:nvPr>
-            <p:ph idx="1"/>
-          </p:nvPr>
-        </p:nvSpPr>
-        <p:spPr>
-          <a:xfrm>
-            <a:off x="1069848" y="1570616"/>
-            <a:ext cx="9558707" cy="4601584"/>
-          </a:xfrm>
-        </p:spPr>
-        <p:txBody>
-          <a:bodyPr>
-            <a:normAutofit/>
-          </a:bodyPr>
-          <a:lstStyle/>
-          <a:p>
-            <a:r>
-              <a:rPr lang="it-IT" b="1" dirty="0" err="1"/>
-              <a:t>Resultado</a:t>
-            </a:r>
-            <a:r>
-              <a:rPr lang="it-IT" dirty="0" smtClean="0"/>
-              <a:t>:</a:t>
-            </a:r>
-          </a:p>
-          <a:p>
-            <a:pPr marL="0" indent="0">
-              <a:buNone/>
-            </a:pPr>
-            <a:endParaRPr lang="it-IT" dirty="0" smtClean="0"/>
-          </a:p>
-          <a:p>
-            <a:pPr marL="0" indent="0">
-              <a:buNone/>
-            </a:pPr>
-            <a:r>
-              <a:rPr lang="it-IT" dirty="0" smtClean="0"/>
-              <a:t>PROJECTO </a:t>
-            </a:r>
-            <a:r>
-              <a:rPr lang="it-IT" dirty="0"/>
-              <a:t>x </a:t>
-            </a:r>
-            <a:r>
-              <a:rPr lang="it-IT" dirty="0" smtClean="0"/>
-              <a:t>CONSULTOR</a:t>
-            </a:r>
-            <a:endParaRPr lang="it-IT" dirty="0"/>
-          </a:p>
-          <a:p>
-            <a:pPr lvl="2"/>
-            <a:r>
-              <a:rPr lang="pt-BR" dirty="0" smtClean="0"/>
-              <a:t>Num projecto podem trabalhar </a:t>
-            </a:r>
-            <a:r>
-              <a:rPr lang="pt-BR" dirty="0" smtClean="0">
-                <a:solidFill>
-                  <a:srgbClr val="FF0000"/>
-                </a:solidFill>
-              </a:rPr>
-              <a:t>um ou varios </a:t>
-            </a:r>
-            <a:r>
-              <a:rPr lang="pt-BR" dirty="0" smtClean="0"/>
-              <a:t>consultores</a:t>
-            </a:r>
-            <a:endParaRPr lang="pt-BR" dirty="0"/>
-          </a:p>
-          <a:p>
-            <a:pPr lvl="2"/>
-            <a:r>
-              <a:rPr lang="pt-BR" dirty="0" smtClean="0"/>
-              <a:t>Um consultor pode trabalhar </a:t>
-            </a:r>
-            <a:r>
-              <a:rPr lang="pt-BR" dirty="0" smtClean="0">
-                <a:solidFill>
-                  <a:srgbClr val="FF0000"/>
-                </a:solidFill>
-              </a:rPr>
-              <a:t>num ou vários </a:t>
-            </a:r>
-            <a:r>
-              <a:rPr lang="pt-BR" dirty="0" smtClean="0"/>
-              <a:t>projectos</a:t>
-            </a:r>
-            <a:endParaRPr lang="it-IT" dirty="0" smtClean="0"/>
-          </a:p>
-        </p:txBody>
-      </p:sp>
-      <p:sp>
-        <p:nvSpPr>
-          <p:cNvPr id="8" name="Rettangolo 7"/>
-          <p:cNvSpPr/>
-          <p:nvPr/>
-        </p:nvSpPr>
-        <p:spPr>
-          <a:xfrm>
-            <a:off x="1441525" y="4044876"/>
-            <a:ext cx="2248348" cy="742277"/>
-          </a:xfrm>
-          <a:prstGeom prst="rect">
-            <a:avLst/>
-          </a:prstGeom>
-        </p:spPr>
-        <p:style>
-          <a:lnRef idx="2">
-            <a:schemeClr val="accent1">
-              <a:shade val="50000"/>
-            </a:schemeClr>
-          </a:lnRef>
-          <a:fillRef idx="1">
-            <a:schemeClr val="accent1"/>
-          </a:fillRef>
-          <a:effectRef idx="0">
-            <a:schemeClr val="accent1"/>
-          </a:effectRef>
-          <a:fontRef idx="minor">
-            <a:schemeClr val="lt1"/>
-          </a:fontRef>
-        </p:style>
-        <p:txBody>
-          <a:bodyPr rtlCol="0" anchor="ctr"/>
-          <a:lstStyle/>
-          <a:p>
-            <a:pPr algn="ctr"/>
-            <a:r>
-              <a:rPr lang="pt-PT" dirty="0" err="1" smtClean="0"/>
-              <a:t>Projecto</a:t>
-            </a:r>
-            <a:endParaRPr lang="it-IT" dirty="0"/>
-          </a:p>
-        </p:txBody>
-      </p:sp>
-      <p:sp>
-        <p:nvSpPr>
-          <p:cNvPr id="9" name="Rettangolo 8"/>
-          <p:cNvSpPr/>
-          <p:nvPr/>
-        </p:nvSpPr>
-        <p:spPr>
-          <a:xfrm>
-            <a:off x="8132784" y="4044875"/>
-            <a:ext cx="2506532" cy="742277"/>
-          </a:xfrm>
-          <a:prstGeom prst="rect">
-            <a:avLst/>
-          </a:prstGeom>
-        </p:spPr>
-        <p:style>
-          <a:lnRef idx="2">
-            <a:schemeClr val="accent1">
-              <a:shade val="50000"/>
-            </a:schemeClr>
-          </a:lnRef>
-          <a:fillRef idx="1">
-            <a:schemeClr val="accent1"/>
-          </a:fillRef>
-          <a:effectRef idx="0">
-            <a:schemeClr val="accent1"/>
-          </a:effectRef>
-          <a:fontRef idx="minor">
-            <a:schemeClr val="lt1"/>
-          </a:fontRef>
-        </p:style>
-        <p:txBody>
-          <a:bodyPr rtlCol="0" anchor="ctr"/>
-          <a:lstStyle/>
-          <a:p>
-            <a:pPr algn="ctr"/>
-            <a:r>
-              <a:rPr lang="pt-PT" dirty="0" smtClean="0"/>
-              <a:t>Consultor</a:t>
-            </a:r>
-            <a:endParaRPr lang="it-IT" dirty="0"/>
-          </a:p>
-        </p:txBody>
-      </p:sp>
-      <p:sp>
-        <p:nvSpPr>
-          <p:cNvPr id="10" name="Rombo 9"/>
-          <p:cNvSpPr/>
-          <p:nvPr/>
-        </p:nvSpPr>
-        <p:spPr>
-          <a:xfrm>
-            <a:off x="4776399" y="4001843"/>
-            <a:ext cx="2250138" cy="763793"/>
-          </a:xfrm>
-          <a:prstGeom prst="diamond">
-            <a:avLst/>
-          </a:prstGeom>
-        </p:spPr>
-        <p:style>
-          <a:lnRef idx="2">
-            <a:schemeClr val="accent1">
-              <a:shade val="50000"/>
-            </a:schemeClr>
-          </a:lnRef>
-          <a:fillRef idx="1">
-            <a:schemeClr val="accent1"/>
-          </a:fillRef>
-          <a:effectRef idx="0">
-            <a:schemeClr val="accent1"/>
-          </a:effectRef>
-          <a:fontRef idx="minor">
-            <a:schemeClr val="lt1"/>
-          </a:fontRef>
-        </p:style>
-        <p:txBody>
-          <a:bodyPr rtlCol="0" anchor="ctr"/>
-          <a:lstStyle/>
-          <a:p>
-            <a:pPr algn="ctr"/>
-            <a:r>
-              <a:rPr lang="pt-PT" dirty="0" smtClean="0"/>
-              <a:t>trabalha</a:t>
-            </a:r>
-            <a:endParaRPr lang="it-IT" dirty="0"/>
-          </a:p>
-        </p:txBody>
-      </p:sp>
-      <p:cxnSp>
-        <p:nvCxnSpPr>
-          <p:cNvPr id="12" name="Connettore 1 11"/>
-          <p:cNvCxnSpPr>
-            <a:stCxn id="8" idx="3"/>
-          </p:cNvCxnSpPr>
-          <p:nvPr/>
-        </p:nvCxnSpPr>
-        <p:spPr>
-          <a:xfrm flipV="1">
-            <a:off x="3689873" y="4405256"/>
-            <a:ext cx="1475590" cy="10759"/>
-          </a:xfrm>
-          <a:prstGeom prst="line">
-            <a:avLst/>
-          </a:prstGeom>
-        </p:spPr>
-        <p:style>
-          <a:lnRef idx="1">
-            <a:schemeClr val="accent1"/>
-          </a:lnRef>
-          <a:fillRef idx="0">
-            <a:schemeClr val="accent1"/>
-          </a:fillRef>
-          <a:effectRef idx="0">
-            <a:schemeClr val="accent1"/>
-          </a:effectRef>
-          <a:fontRef idx="minor">
-            <a:schemeClr val="tx1"/>
-          </a:fontRef>
-        </p:style>
-      </p:cxnSp>
-      <p:cxnSp>
-        <p:nvCxnSpPr>
-          <p:cNvPr id="14" name="Connettore 1 13"/>
-          <p:cNvCxnSpPr>
-            <a:endCxn id="9" idx="1"/>
-          </p:cNvCxnSpPr>
-          <p:nvPr/>
-        </p:nvCxnSpPr>
-        <p:spPr>
-          <a:xfrm>
-            <a:off x="7026536" y="4405256"/>
-            <a:ext cx="1106248" cy="10758"/>
-          </a:xfrm>
-          <a:prstGeom prst="line">
-            <a:avLst/>
-          </a:prstGeom>
-        </p:spPr>
-        <p:style>
-          <a:lnRef idx="1">
-            <a:schemeClr val="accent1"/>
-          </a:lnRef>
-          <a:fillRef idx="0">
-            <a:schemeClr val="accent1"/>
-          </a:fillRef>
-          <a:effectRef idx="0">
-            <a:schemeClr val="accent1"/>
-          </a:effectRef>
-          <a:fontRef idx="minor">
-            <a:schemeClr val="tx1"/>
-          </a:fontRef>
-        </p:style>
-      </p:cxnSp>
-      <p:sp>
-        <p:nvSpPr>
-          <p:cNvPr id="19" name="CasellaDiTesto 18"/>
-          <p:cNvSpPr txBox="1"/>
-          <p:nvPr/>
-        </p:nvSpPr>
-        <p:spPr>
-          <a:xfrm>
-            <a:off x="3689873" y="4087906"/>
-            <a:ext cx="817581" cy="369332"/>
-          </a:xfrm>
-          <a:prstGeom prst="rect">
-            <a:avLst/>
-          </a:prstGeom>
-          <a:noFill/>
-        </p:spPr>
-        <p:txBody>
-          <a:bodyPr wrap="square" rtlCol="0">
-            <a:spAutoFit/>
-          </a:bodyPr>
-          <a:lstStyle/>
-          <a:p>
-            <a:r>
-              <a:rPr lang="pt-PT" dirty="0" smtClean="0"/>
-              <a:t>(N,M)</a:t>
-            </a:r>
-            <a:endParaRPr lang="it-IT" dirty="0"/>
-          </a:p>
-        </p:txBody>
-      </p:sp>
-      <p:sp>
-        <p:nvSpPr>
-          <p:cNvPr id="20" name="CasellaDiTesto 19"/>
-          <p:cNvSpPr txBox="1"/>
-          <p:nvPr/>
-        </p:nvSpPr>
-        <p:spPr>
-          <a:xfrm>
-            <a:off x="7272169" y="4087908"/>
-            <a:ext cx="860615" cy="369332"/>
-          </a:xfrm>
-          <a:prstGeom prst="rect">
-            <a:avLst/>
-          </a:prstGeom>
-          <a:noFill/>
-        </p:spPr>
-        <p:txBody>
-          <a:bodyPr wrap="square" rtlCol="0">
-            <a:spAutoFit/>
-          </a:bodyPr>
-          <a:lstStyle/>
-          <a:p>
-            <a:r>
-              <a:rPr lang="pt-PT" dirty="0" smtClean="0"/>
-              <a:t>(N,M)</a:t>
-            </a:r>
-            <a:endParaRPr lang="it-IT" dirty="0"/>
-          </a:p>
-        </p:txBody>
-      </p:sp>
-    </p:spTree>
-    <p:extLst>
-      <p:ext uri="{BB962C8B-B14F-4D97-AF65-F5344CB8AC3E}">
-        <p14:creationId xmlns:p14="http://schemas.microsoft.com/office/powerpoint/2010/main" val="3283883633"/>
-      </p:ext>
-    </p:extLst>
-  </p:cSld>
-  <p:clrMapOvr>
-    <a:masterClrMapping/>
-  </p:clrMapOvr>
-  <p:timing>
-    <p:tnLst>
-      <p:par>
-        <p:cTn id="1" dur="indefinite" restart="never" nodeType="tmRoot"/>
-      </p:par>
-    </p:tnLst>
-  </p:timing>
-</p:sld>
-</file>
-
-<file path=ppt/slides/slide12.xml><?xml version="1.0" encoding="utf-8"?>
-<p:sld xmlns:a="http://schemas.openxmlformats.org/drawingml/2006/main" xmlns:r="http://schemas.openxmlformats.org/officeDocument/2006/relationships" xmlns:p="http://schemas.openxmlformats.org/presentationml/2006/main">
-  <p:cSld>
-    <p:spTree>
-      <p:nvGrpSpPr>
-        <p:cNvPr id="1" name=""/>
-        <p:cNvGrpSpPr/>
-        <p:nvPr/>
-      </p:nvGrpSpPr>
-      <p:grpSpPr>
-        <a:xfrm>
-          <a:off x="0" y="0"/>
-          <a:ext cx="0" cy="0"/>
-          <a:chOff x="0" y="0"/>
-          <a:chExt cx="0" cy="0"/>
-        </a:xfrm>
-      </p:grpSpPr>
-      <p:sp>
-        <p:nvSpPr>
-          <p:cNvPr id="2" name="Titolo 1"/>
-          <p:cNvSpPr>
-            <a:spLocks noGrp="1"/>
-          </p:cNvSpPr>
-          <p:nvPr>
-            <p:ph type="title"/>
-          </p:nvPr>
-        </p:nvSpPr>
-        <p:spPr/>
-        <p:txBody>
-          <a:bodyPr>
-            <a:normAutofit/>
-          </a:bodyPr>
-          <a:lstStyle/>
-          <a:p>
-            <a:r>
-              <a:rPr lang="pt-PT" sz="3200" cap="none" dirty="0" smtClean="0"/>
-              <a:t>Software usado para a criação dos diagramas : </a:t>
-            </a:r>
-            <a:r>
-              <a:rPr lang="it-IT" sz="2400" cap="none" dirty="0">
-                <a:hlinkClick r:id="rId2"/>
-              </a:rPr>
-              <a:t>https://app.diagrams.net/</a:t>
-            </a:r>
-            <a:endParaRPr lang="it-IT" sz="2400" cap="none" dirty="0"/>
-          </a:p>
-        </p:txBody>
-      </p:sp>
-      <p:pic>
-        <p:nvPicPr>
-          <p:cNvPr id="4" name="Immagine 3"/>
-          <p:cNvPicPr>
-            <a:picLocks noChangeAspect="1"/>
-          </p:cNvPicPr>
-          <p:nvPr/>
-        </p:nvPicPr>
-        <p:blipFill rotWithShape="1">
-          <a:blip r:embed="rId3"/>
-          <a:srcRect l="25857" t="21960" r="26641" b="16393"/>
-          <a:stretch/>
-        </p:blipFill>
-        <p:spPr>
-          <a:xfrm>
-            <a:off x="2645797" y="1957891"/>
-            <a:ext cx="6110928" cy="4736367"/>
-          </a:xfrm>
-          <a:prstGeom prst="rect">
-            <a:avLst/>
-          </a:prstGeom>
-        </p:spPr>
-      </p:pic>
-    </p:spTree>
-    <p:extLst>
-      <p:ext uri="{BB962C8B-B14F-4D97-AF65-F5344CB8AC3E}">
-        <p14:creationId xmlns:p14="http://schemas.microsoft.com/office/powerpoint/2010/main" val="2502569403"/>
-      </p:ext>
-    </p:extLst>
-  </p:cSld>
-  <p:clrMapOvr>
-    <a:masterClrMapping/>
-  </p:clrMapOvr>
-  <p:timing>
-    <p:tnLst>
-      <p:par>
-        <p:cTn id="1" dur="indefinite" restart="never" nodeType="tmRoot"/>
-      </p:par>
-    </p:tnLst>
-  </p:timing>
-</p:sld>
-</file>
-
-<file path=ppt/slides/slide13.xml><?xml version="1.0" encoding="utf-8"?>
-<p:sld xmlns:a="http://schemas.openxmlformats.org/drawingml/2006/main" xmlns:r="http://schemas.openxmlformats.org/officeDocument/2006/relationships" xmlns:p="http://schemas.openxmlformats.org/presentationml/2006/main">
-  <p:cSld>
-    <p:spTree>
-      <p:nvGrpSpPr>
-        <p:cNvPr id="1" name=""/>
-        <p:cNvGrpSpPr/>
-        <p:nvPr/>
-      </p:nvGrpSpPr>
-      <p:grpSpPr>
-        <a:xfrm>
-          <a:off x="0" y="0"/>
-          <a:ext cx="0" cy="0"/>
-          <a:chOff x="0" y="0"/>
-          <a:chExt cx="0" cy="0"/>
-        </a:xfrm>
-      </p:grpSpPr>
-      <p:sp>
-        <p:nvSpPr>
-          <p:cNvPr id="2" name="Titolo 1"/>
-          <p:cNvSpPr>
-            <a:spLocks noGrp="1"/>
-          </p:cNvSpPr>
-          <p:nvPr>
-            <p:ph type="title"/>
-          </p:nvPr>
-        </p:nvSpPr>
-        <p:spPr/>
-        <p:txBody>
-          <a:bodyPr>
-            <a:normAutofit/>
-          </a:bodyPr>
-          <a:lstStyle/>
-          <a:p>
-            <a:r>
-              <a:rPr lang="pt-BR" sz="4000" b="1" cap="none" dirty="0"/>
-              <a:t>Visão </a:t>
-            </a:r>
-            <a:r>
-              <a:rPr lang="pt-BR" sz="4000" b="1" cap="none" dirty="0" smtClean="0"/>
-              <a:t>Geral do diagrama </a:t>
-            </a:r>
-            <a:r>
-              <a:rPr lang="pt-BR" sz="4000" b="1" cap="none" dirty="0"/>
-              <a:t>(</a:t>
-            </a:r>
-            <a:r>
-              <a:rPr lang="pt-BR" sz="4000" b="1" i="1" cap="none" dirty="0"/>
-              <a:t>sem os atributos</a:t>
-            </a:r>
-            <a:r>
-              <a:rPr lang="pt-BR" sz="4000" b="1" cap="none" dirty="0"/>
-              <a:t>):</a:t>
-            </a:r>
-            <a:endParaRPr lang="it-IT" sz="4000" cap="none" dirty="0"/>
-          </a:p>
-        </p:txBody>
-      </p:sp>
-      <p:pic>
-        <p:nvPicPr>
-          <p:cNvPr id="3" name="Immagine 2"/>
-          <p:cNvPicPr>
-            <a:picLocks noChangeAspect="1"/>
-          </p:cNvPicPr>
-          <p:nvPr/>
-        </p:nvPicPr>
-        <p:blipFill rotWithShape="1">
-          <a:blip r:embed="rId2"/>
-          <a:srcRect l="23562" t="36079" r="31340" b="18117"/>
-          <a:stretch/>
-        </p:blipFill>
-        <p:spPr>
-          <a:xfrm>
-            <a:off x="1602889" y="1839557"/>
-            <a:ext cx="7261413" cy="4609419"/>
-          </a:xfrm>
-          <a:prstGeom prst="rect">
-            <a:avLst/>
-          </a:prstGeom>
-        </p:spPr>
-      </p:pic>
-    </p:spTree>
-    <p:extLst>
-      <p:ext uri="{BB962C8B-B14F-4D97-AF65-F5344CB8AC3E}">
-        <p14:creationId xmlns:p14="http://schemas.microsoft.com/office/powerpoint/2010/main" val="4148899015"/>
-      </p:ext>
-    </p:extLst>
-  </p:cSld>
-  <p:clrMapOvr>
-    <a:masterClrMapping/>
-  </p:clrMapOvr>
-  <p:timing>
-    <p:tnLst>
-      <p:par>
-        <p:cTn id="1" dur="indefinite" restart="never" nodeType="tmRoot"/>
-      </p:par>
-    </p:tnLst>
-  </p:timing>
-</p:sld>
-</file>
-
-<file path=ppt/slides/slide14.xml><?xml version="1.0" encoding="utf-8"?>
-<p:sld xmlns:a="http://schemas.openxmlformats.org/drawingml/2006/main" xmlns:r="http://schemas.openxmlformats.org/officeDocument/2006/relationships" xmlns:p="http://schemas.openxmlformats.org/presentationml/2006/main">
-  <p:cSld>
-    <p:spTree>
-      <p:nvGrpSpPr>
-        <p:cNvPr id="1" name=""/>
-        <p:cNvGrpSpPr/>
-        <p:nvPr/>
-      </p:nvGrpSpPr>
-      <p:grpSpPr>
-        <a:xfrm>
-          <a:off x="0" y="0"/>
-          <a:ext cx="0" cy="0"/>
-          <a:chOff x="0" y="0"/>
-          <a:chExt cx="0" cy="0"/>
-        </a:xfrm>
-      </p:grpSpPr>
-      <p:sp>
-        <p:nvSpPr>
-          <p:cNvPr id="2" name="Titolo 1"/>
-          <p:cNvSpPr>
-            <a:spLocks noGrp="1"/>
-          </p:cNvSpPr>
-          <p:nvPr>
-            <p:ph type="title"/>
-          </p:nvPr>
-        </p:nvSpPr>
-        <p:spPr/>
-        <p:txBody>
-          <a:bodyPr>
-            <a:normAutofit/>
-          </a:bodyPr>
-          <a:lstStyle/>
-          <a:p>
-            <a:r>
-              <a:rPr lang="pt-BR" sz="4000" b="1" cap="none" dirty="0"/>
-              <a:t>Visão Geral </a:t>
-            </a:r>
-            <a:r>
-              <a:rPr lang="pt-BR" sz="4000" b="1" cap="none" dirty="0" smtClean="0"/>
-              <a:t>do diagrama (</a:t>
-            </a:r>
-            <a:r>
-              <a:rPr lang="pt-BR" sz="4000" b="1" i="1" cap="none" dirty="0" smtClean="0"/>
-              <a:t>com </a:t>
-            </a:r>
-            <a:r>
-              <a:rPr lang="pt-BR" sz="4000" b="1" i="1" cap="none" dirty="0"/>
-              <a:t>os atributos</a:t>
-            </a:r>
-            <a:r>
-              <a:rPr lang="pt-BR" sz="4000" b="1" cap="none" dirty="0"/>
-              <a:t>):</a:t>
-            </a:r>
-            <a:endParaRPr lang="it-IT" sz="4000" cap="none" dirty="0"/>
-          </a:p>
-        </p:txBody>
-      </p:sp>
-      <p:pic>
-        <p:nvPicPr>
-          <p:cNvPr id="5" name="Immagine 4"/>
-          <p:cNvPicPr>
-            <a:picLocks noChangeAspect="1"/>
-          </p:cNvPicPr>
-          <p:nvPr/>
-        </p:nvPicPr>
-        <p:blipFill rotWithShape="1">
-          <a:blip r:embed="rId2"/>
-          <a:srcRect l="21013" t="26510" r="21242" b="15294"/>
-          <a:stretch/>
-        </p:blipFill>
-        <p:spPr>
-          <a:xfrm>
-            <a:off x="2173043" y="1870990"/>
-            <a:ext cx="7659445" cy="4824540"/>
-          </a:xfrm>
-          <a:prstGeom prst="rect">
-            <a:avLst/>
-          </a:prstGeom>
-        </p:spPr>
-      </p:pic>
-    </p:spTree>
-    <p:extLst>
-      <p:ext uri="{BB962C8B-B14F-4D97-AF65-F5344CB8AC3E}">
-        <p14:creationId xmlns:p14="http://schemas.microsoft.com/office/powerpoint/2010/main" val="1837395659"/>
-      </p:ext>
-    </p:extLst>
-  </p:cSld>
-  <p:clrMapOvr>
-    <a:masterClrMapping/>
-  </p:clrMapOvr>
-  <p:timing>
-    <p:tnLst>
-      <p:par>
-        <p:cTn id="1" dur="indefinite" restart="never" nodeType="tmRoot"/>
-      </p:par>
-    </p:tnLst>
-  </p:timing>
-</p:sld>
-</file>
-
-<file path=ppt/slides/slide2.xml><?xml version="1.0" encoding="utf-8"?>
-<p:sld xmlns:a="http://schemas.openxmlformats.org/drawingml/2006/main" xmlns:r="http://schemas.openxmlformats.org/officeDocument/2006/relationships" xmlns:p="http://schemas.openxmlformats.org/presentationml/2006/main">
-  <p:cSld>
-    <p:spTree>
-      <p:nvGrpSpPr>
-        <p:cNvPr id="1" name=""/>
-        <p:cNvGrpSpPr/>
-        <p:nvPr/>
-      </p:nvGrpSpPr>
-      <p:grpSpPr>
-        <a:xfrm>
-          <a:off x="0" y="0"/>
-          <a:ext cx="0" cy="0"/>
-          <a:chOff x="0" y="0"/>
-          <a:chExt cx="0" cy="0"/>
-        </a:xfrm>
-      </p:grpSpPr>
-      <p:sp>
-        <p:nvSpPr>
-          <p:cNvPr id="2" name="Titolo 1"/>
-          <p:cNvSpPr>
-            <a:spLocks noGrp="1"/>
-          </p:cNvSpPr>
-          <p:nvPr>
-            <p:ph type="title"/>
-          </p:nvPr>
-        </p:nvSpPr>
-        <p:spPr/>
-        <p:txBody>
-          <a:bodyPr>
-            <a:normAutofit/>
-          </a:bodyPr>
-          <a:lstStyle/>
-          <a:p>
-            <a:pPr algn="ctr"/>
-            <a:r>
-              <a:rPr lang="pt-BR" sz="2800" b="1" i="1" dirty="0"/>
-              <a:t>Exercício sobre Modelagem Conceitual de </a:t>
-            </a:r>
-            <a:r>
-              <a:rPr lang="pt-BR" sz="2800" b="1" i="1" dirty="0" smtClean="0"/>
-              <a:t>Base </a:t>
-            </a:r>
-            <a:r>
-              <a:rPr lang="pt-BR" sz="2800" b="1" i="1" dirty="0"/>
-              <a:t>de </a:t>
-            </a:r>
-            <a:r>
-              <a:rPr lang="pt-BR" sz="2800" b="1" i="1" dirty="0" smtClean="0"/>
-              <a:t>Dados</a:t>
-            </a:r>
-            <a:r>
-              <a:rPr lang="pt-BR" sz="3200" b="1" i="1" dirty="0" smtClean="0"/>
-              <a:t/>
-            </a:r>
-            <a:br>
-              <a:rPr lang="pt-BR" sz="3200" b="1" i="1" dirty="0" smtClean="0"/>
-            </a:br>
-            <a:r>
-              <a:rPr lang="pt-BR" sz="3200" b="1" dirty="0" smtClean="0">
-                <a:solidFill>
-                  <a:srgbClr val="FF0000"/>
-                </a:solidFill>
-              </a:rPr>
-              <a:t>Enunciado</a:t>
-            </a:r>
-            <a:endParaRPr lang="it-IT" sz="3200" dirty="0">
-              <a:solidFill>
-                <a:srgbClr val="FF0000"/>
-              </a:solidFill>
-            </a:endParaRPr>
-          </a:p>
-        </p:txBody>
-      </p:sp>
-      <p:sp>
-        <p:nvSpPr>
-          <p:cNvPr id="3" name="Segnaposto contenuto 2"/>
-          <p:cNvSpPr>
-            <a:spLocks noGrp="1"/>
-          </p:cNvSpPr>
-          <p:nvPr>
-            <p:ph idx="1"/>
-          </p:nvPr>
-        </p:nvSpPr>
-        <p:spPr>
-          <a:xfrm>
-            <a:off x="322729" y="1968648"/>
-            <a:ext cx="10805519" cy="4203551"/>
-          </a:xfrm>
-        </p:spPr>
-        <p:txBody>
-          <a:bodyPr>
-            <a:normAutofit/>
-          </a:bodyPr>
-          <a:lstStyle/>
-          <a:p>
-            <a:pPr marL="0" indent="0">
-              <a:buNone/>
-            </a:pPr>
-            <a:r>
-              <a:rPr lang="pt-BR" dirty="0"/>
-              <a:t>Você foi </a:t>
-            </a:r>
-            <a:r>
-              <a:rPr lang="pt-BR" dirty="0" smtClean="0"/>
-              <a:t>convidado(a) </a:t>
-            </a:r>
-            <a:r>
-              <a:rPr lang="pt-BR" dirty="0"/>
-              <a:t>a elaborar </a:t>
-            </a:r>
-            <a:r>
-              <a:rPr lang="pt-BR" dirty="0" smtClean="0"/>
-              <a:t>uma base </a:t>
-            </a:r>
-            <a:r>
-              <a:rPr lang="pt-BR" dirty="0"/>
-              <a:t>de dados para uma </a:t>
-            </a:r>
-            <a:r>
-              <a:rPr lang="pt-BR" dirty="0" smtClean="0"/>
-              <a:t>empresa de </a:t>
-            </a:r>
-            <a:r>
-              <a:rPr lang="pt-BR" dirty="0"/>
-              <a:t>consultoria que deseja registrar informações sobre </a:t>
-            </a:r>
-            <a:r>
-              <a:rPr lang="pt-BR" dirty="0" smtClean="0"/>
-              <a:t>os seus projectos e consultores</a:t>
-            </a:r>
-            <a:r>
-              <a:rPr lang="pt-BR" dirty="0"/>
-              <a:t>. </a:t>
-            </a:r>
-            <a:endParaRPr lang="pt-BR" dirty="0" smtClean="0"/>
-          </a:p>
-          <a:p>
-            <a:pPr marL="0" indent="0">
-              <a:buNone/>
-            </a:pPr>
-            <a:r>
-              <a:rPr lang="pt-BR" dirty="0" smtClean="0"/>
-              <a:t>De </a:t>
-            </a:r>
-            <a:r>
-              <a:rPr lang="pt-BR" dirty="0"/>
-              <a:t>acordo com o solicitado </a:t>
-            </a:r>
-            <a:r>
-              <a:rPr lang="pt-BR" dirty="0" smtClean="0"/>
-              <a:t>pelo </a:t>
-            </a:r>
-            <a:r>
-              <a:rPr lang="pt-BR" dirty="0"/>
-              <a:t>cliente, para </a:t>
-            </a:r>
-            <a:r>
-              <a:rPr lang="pt-BR" dirty="0" smtClean="0"/>
-              <a:t>cada projecto dever-se-á </a:t>
-            </a:r>
-            <a:r>
-              <a:rPr lang="pt-BR" dirty="0"/>
-              <a:t>armazenar o código, nome e endereço </a:t>
-            </a:r>
-            <a:r>
-              <a:rPr lang="pt-BR" dirty="0" smtClean="0"/>
-              <a:t>da empresa </a:t>
-            </a:r>
-            <a:r>
-              <a:rPr lang="pt-BR" dirty="0"/>
-              <a:t>que solicitou o </a:t>
-            </a:r>
-            <a:r>
-              <a:rPr lang="pt-BR" dirty="0" smtClean="0"/>
-              <a:t>projecto</a:t>
-            </a:r>
-            <a:r>
-              <a:rPr lang="pt-BR" dirty="0"/>
-              <a:t>, o número do </a:t>
-            </a:r>
-            <a:r>
-              <a:rPr lang="pt-BR" dirty="0" smtClean="0"/>
-              <a:t>projecto</a:t>
-            </a:r>
-            <a:r>
-              <a:rPr lang="pt-BR" dirty="0"/>
-              <a:t>, a data </a:t>
-            </a:r>
-            <a:r>
-              <a:rPr lang="pt-BR" dirty="0" smtClean="0"/>
-              <a:t>de início </a:t>
-            </a:r>
-            <a:r>
-              <a:rPr lang="pt-BR" dirty="0"/>
-              <a:t>e de término do </a:t>
-            </a:r>
-            <a:r>
-              <a:rPr lang="pt-BR" dirty="0" smtClean="0"/>
-              <a:t>projecto</a:t>
-            </a:r>
-            <a:r>
-              <a:rPr lang="pt-BR" dirty="0"/>
-              <a:t>, o valor do projeto, o número, </a:t>
-            </a:r>
-            <a:r>
-              <a:rPr lang="pt-BR" dirty="0" smtClean="0"/>
-              <a:t>nome, número </a:t>
-            </a:r>
-            <a:r>
-              <a:rPr lang="pt-BR" dirty="0"/>
-              <a:t>do documento de identidade e especialização </a:t>
-            </a:r>
-            <a:r>
-              <a:rPr lang="pt-BR" dirty="0" smtClean="0"/>
-              <a:t>dos consultores </a:t>
-            </a:r>
-            <a:r>
-              <a:rPr lang="pt-BR" dirty="0"/>
-              <a:t>que participaram do </a:t>
-            </a:r>
-            <a:r>
-              <a:rPr lang="pt-BR" dirty="0" smtClean="0"/>
-              <a:t>projecto</a:t>
-            </a:r>
-            <a:r>
-              <a:rPr lang="pt-BR" dirty="0"/>
-              <a:t>, as horas que </a:t>
-            </a:r>
-            <a:r>
-              <a:rPr lang="pt-BR" dirty="0" smtClean="0"/>
-              <a:t>trabalharam em </a:t>
-            </a:r>
-            <a:r>
-              <a:rPr lang="pt-BR" dirty="0"/>
-              <a:t>cada </a:t>
-            </a:r>
-            <a:r>
-              <a:rPr lang="pt-BR" dirty="0" smtClean="0"/>
-              <a:t>projecto </a:t>
-            </a:r>
-            <a:r>
-              <a:rPr lang="pt-BR" dirty="0"/>
-              <a:t>e a função que </a:t>
-            </a:r>
-            <a:r>
-              <a:rPr lang="pt-BR" dirty="0" smtClean="0"/>
-              <a:t>algum deles exerceu </a:t>
-            </a:r>
-            <a:r>
-              <a:rPr lang="pt-BR" dirty="0"/>
-              <a:t>(líder ou membro). </a:t>
-            </a:r>
-            <a:endParaRPr lang="pt-BR" dirty="0" smtClean="0"/>
-          </a:p>
-          <a:p>
-            <a:pPr marL="0" indent="0">
-              <a:buNone/>
-            </a:pPr>
-            <a:r>
-              <a:rPr lang="pt-BR" dirty="0" smtClean="0"/>
-              <a:t>De nota que uma </a:t>
-            </a:r>
-            <a:r>
-              <a:rPr lang="pt-BR" dirty="0"/>
-              <a:t>mesma empresa pode solicitar diversos </a:t>
-            </a:r>
-            <a:r>
-              <a:rPr lang="pt-BR" dirty="0" smtClean="0"/>
-              <a:t>projectos </a:t>
-            </a:r>
-            <a:r>
-              <a:rPr lang="pt-BR" dirty="0"/>
-              <a:t>e um </a:t>
-            </a:r>
-            <a:r>
-              <a:rPr lang="pt-BR" dirty="0" smtClean="0"/>
-              <a:t>mesmo consultor </a:t>
-            </a:r>
-            <a:r>
-              <a:rPr lang="pt-BR" dirty="0"/>
-              <a:t>pode trabalhar em diversos </a:t>
-            </a:r>
-            <a:r>
-              <a:rPr lang="pt-BR" dirty="0" smtClean="0"/>
-              <a:t>projectos</a:t>
-            </a:r>
-            <a:r>
-              <a:rPr lang="pt-BR" dirty="0"/>
-              <a:t>. </a:t>
-            </a:r>
-            <a:endParaRPr lang="pt-BR" dirty="0" smtClean="0"/>
-          </a:p>
-          <a:p>
-            <a:pPr marL="0" indent="0">
-              <a:buNone/>
-            </a:pPr>
-            <a:r>
-              <a:rPr lang="pt-BR" dirty="0" smtClean="0"/>
-              <a:t>Utilizando os seus conhecimentos </a:t>
-            </a:r>
-            <a:r>
-              <a:rPr lang="pt-BR" dirty="0"/>
-              <a:t>sobre modelo de entidades e </a:t>
-            </a:r>
-            <a:r>
-              <a:rPr lang="pt-BR" dirty="0" smtClean="0"/>
-              <a:t>relacionamentos (MER</a:t>
-            </a:r>
-            <a:r>
-              <a:rPr lang="pt-BR" dirty="0"/>
-              <a:t>), elabore o desenho inicial </a:t>
-            </a:r>
-            <a:r>
-              <a:rPr lang="pt-BR" dirty="0" smtClean="0"/>
-              <a:t>desta base </a:t>
-            </a:r>
-            <a:r>
-              <a:rPr lang="pt-BR" dirty="0"/>
-              <a:t>de dados.</a:t>
-            </a:r>
-            <a:endParaRPr lang="it-IT" dirty="0"/>
-          </a:p>
-        </p:txBody>
-      </p:sp>
-    </p:spTree>
-    <p:extLst>
-      <p:ext uri="{BB962C8B-B14F-4D97-AF65-F5344CB8AC3E}">
-        <p14:creationId xmlns:p14="http://schemas.microsoft.com/office/powerpoint/2010/main" val="4175739152"/>
-      </p:ext>
-    </p:extLst>
-  </p:cSld>
-  <p:clrMapOvr>
-    <a:masterClrMapping/>
-  </p:clrMapOvr>
-  <p:timing>
-    <p:tnLst>
-      <p:par>
-        <p:cTn id="1" dur="indefinite" restart="never" nodeType="tmRoot"/>
-      </p:par>
-    </p:tnLst>
-  </p:timing>
-</p:sld>
-</file>
-
-<file path=ppt/slides/slide3.xml><?xml version="1.0" encoding="utf-8"?>
-<p:sld xmlns:a="http://schemas.openxmlformats.org/drawingml/2006/main" xmlns:r="http://schemas.openxmlformats.org/officeDocument/2006/relationships" xmlns:p="http://schemas.openxmlformats.org/presentationml/2006/main">
-  <p:cSld>
-    <p:spTree>
-      <p:nvGrpSpPr>
-        <p:cNvPr id="1" name=""/>
-        <p:cNvGrpSpPr/>
-        <p:nvPr/>
-      </p:nvGrpSpPr>
-      <p:grpSpPr>
-        <a:xfrm>
-          <a:off x="0" y="0"/>
-          <a:ext cx="0" cy="0"/>
-          <a:chOff x="0" y="0"/>
-          <a:chExt cx="0" cy="0"/>
-        </a:xfrm>
-      </p:grpSpPr>
-      <p:sp>
-        <p:nvSpPr>
-          <p:cNvPr id="2" name="Titolo 1"/>
-          <p:cNvSpPr>
-            <a:spLocks noGrp="1"/>
-          </p:cNvSpPr>
-          <p:nvPr>
-            <p:ph type="title"/>
-          </p:nvPr>
-        </p:nvSpPr>
-        <p:spPr>
-          <a:xfrm>
-            <a:off x="1069848" y="118872"/>
-            <a:ext cx="10058400" cy="1609344"/>
-          </a:xfrm>
-        </p:spPr>
-        <p:txBody>
-          <a:bodyPr/>
-          <a:lstStyle/>
-          <a:p>
-            <a:r>
-              <a:rPr lang="pt-PT" dirty="0" smtClean="0"/>
-              <a:t>Processo em 8 (oito) passos</a:t>
-            </a:r>
-            <a:endParaRPr lang="it-IT" dirty="0"/>
-          </a:p>
-        </p:txBody>
-      </p:sp>
-      <p:sp>
-        <p:nvSpPr>
-          <p:cNvPr id="3" name="Segnaposto contenuto 2"/>
-          <p:cNvSpPr>
-            <a:spLocks noGrp="1"/>
-          </p:cNvSpPr>
-          <p:nvPr>
-            <p:ph idx="1"/>
-          </p:nvPr>
-        </p:nvSpPr>
-        <p:spPr>
-          <a:xfrm>
-            <a:off x="1069848" y="1463041"/>
-            <a:ext cx="10058400" cy="5152912"/>
-          </a:xfrm>
-        </p:spPr>
-        <p:txBody>
-          <a:bodyPr>
-            <a:normAutofit fontScale="92500" lnSpcReduction="10000"/>
-          </a:bodyPr>
-          <a:lstStyle/>
-          <a:p>
-            <a:r>
-              <a:rPr lang="pt-BR" b="1" dirty="0"/>
-              <a:t>1º Passo – Identificar, sem duplicar, todos os substantivos que designem</a:t>
-            </a:r>
-            <a:br>
-              <a:rPr lang="pt-BR" b="1" dirty="0"/>
-            </a:br>
-            <a:r>
-              <a:rPr lang="it-IT" b="1" dirty="0"/>
-              <a:t>ENTIDADES</a:t>
-            </a:r>
-            <a:r>
-              <a:rPr lang="it-IT" b="1" dirty="0" smtClean="0"/>
-              <a:t>:</a:t>
-            </a:r>
-          </a:p>
-          <a:p>
-            <a:r>
-              <a:rPr lang="pt-BR" b="1" dirty="0"/>
-              <a:t>2º Passo - Descartar substantivos que como ENTIDADE teriam </a:t>
-            </a:r>
-            <a:r>
-              <a:rPr lang="pt-BR" b="1" u="sng" dirty="0"/>
-              <a:t>apenas uma ocorrência </a:t>
-            </a:r>
-            <a:r>
-              <a:rPr lang="pt-BR" b="1" dirty="0"/>
-              <a:t>na base de </a:t>
-            </a:r>
-            <a:r>
-              <a:rPr lang="pt-BR" b="1" dirty="0" smtClean="0"/>
-              <a:t>dados</a:t>
-            </a:r>
-          </a:p>
-          <a:p>
-            <a:r>
-              <a:rPr lang="pt-BR" b="1" dirty="0"/>
-              <a:t>3º Passo - Descartar substantivos que servem apenas para entendimento </a:t>
-            </a:r>
-            <a:r>
-              <a:rPr lang="it-IT" b="1" dirty="0"/>
-              <a:t>do problema</a:t>
-            </a:r>
-            <a:endParaRPr lang="it-IT" dirty="0"/>
-          </a:p>
-          <a:p>
-            <a:r>
-              <a:rPr lang="pt-BR" b="1" dirty="0"/>
-              <a:t>4º Passo - Descartar ENTIDADES que são referência a uma </a:t>
-            </a:r>
-            <a:r>
-              <a:rPr lang="pt-BR" b="1" dirty="0" smtClean="0"/>
-              <a:t>futura </a:t>
-            </a:r>
-            <a:r>
-              <a:rPr lang="it-IT" b="1" dirty="0" err="1" smtClean="0"/>
-              <a:t>funcionalidade</a:t>
-            </a:r>
-            <a:r>
-              <a:rPr lang="it-IT" b="1" dirty="0" smtClean="0"/>
-              <a:t> </a:t>
-            </a:r>
-            <a:r>
-              <a:rPr lang="it-IT" b="1" dirty="0"/>
-              <a:t>do </a:t>
-            </a:r>
-            <a:r>
-              <a:rPr lang="it-IT" b="1" dirty="0" smtClean="0"/>
-              <a:t>sistema</a:t>
-            </a:r>
-          </a:p>
-          <a:p>
-            <a:r>
-              <a:rPr lang="pt-BR" b="1" dirty="0"/>
-              <a:t>5º Passo - Listar os substantivos que se tornarão </a:t>
-            </a:r>
-            <a:r>
-              <a:rPr lang="pt-BR" b="1" dirty="0" smtClean="0"/>
-              <a:t>ENTIDADES</a:t>
-            </a:r>
-          </a:p>
-          <a:p>
-            <a:r>
-              <a:rPr lang="pt-BR" b="1" dirty="0"/>
-              <a:t>6º Passo – Para cada par de ENTIDADES, identificar os RELACIONAMENTOS existentes entre elas - caso haja algum. Utilizar verbos ou preposições para demonstrar os RELACIONAMENTOS de dependência ou existência e incluir informações sobre a cardinalidade</a:t>
-            </a:r>
-            <a:r>
-              <a:rPr lang="pt-BR" b="1" dirty="0" smtClean="0"/>
-              <a:t>.</a:t>
-            </a:r>
-          </a:p>
-          <a:p>
-            <a:r>
-              <a:rPr lang="pt-BR" b="1" dirty="0"/>
-              <a:t>7º Passo - Identificar os atributos de cada ENTIDADE, ou seja, quais </a:t>
-            </a:r>
-            <a:r>
-              <a:rPr lang="it-IT" b="1" dirty="0" err="1"/>
-              <a:t>informações</a:t>
-            </a:r>
-            <a:r>
-              <a:rPr lang="it-IT" b="1" dirty="0"/>
-              <a:t> </a:t>
-            </a:r>
-            <a:r>
-              <a:rPr lang="it-IT" b="1" dirty="0" err="1"/>
-              <a:t>deverão</a:t>
-            </a:r>
-            <a:r>
-              <a:rPr lang="it-IT" b="1" dirty="0"/>
-              <a:t> ser </a:t>
-            </a:r>
-            <a:r>
-              <a:rPr lang="it-IT" b="1" dirty="0" err="1" smtClean="0"/>
-              <a:t>armazenadas</a:t>
-            </a:r>
-            <a:endParaRPr lang="it-IT" b="1" dirty="0" smtClean="0"/>
-          </a:p>
-          <a:p>
-            <a:r>
-              <a:rPr lang="pt-BR" b="1" dirty="0"/>
-              <a:t>8º Passo – Criar o </a:t>
-            </a:r>
-            <a:r>
-              <a:rPr lang="pt-BR" b="1" i="1" dirty="0"/>
-              <a:t>Diagrama de Entidade-Relacionamento </a:t>
-            </a:r>
-            <a:r>
-              <a:rPr lang="pt-BR" b="1" dirty="0"/>
-              <a:t>(</a:t>
-            </a:r>
-            <a:r>
-              <a:rPr lang="pt-BR" b="1" i="1" dirty="0"/>
-              <a:t>DER</a:t>
-            </a:r>
-            <a:r>
-              <a:rPr lang="pt-BR" b="1" dirty="0"/>
-              <a:t>) a partir </a:t>
-            </a:r>
-            <a:r>
-              <a:rPr lang="it-IT" b="1" dirty="0"/>
-              <a:t>da </a:t>
-            </a:r>
-            <a:r>
-              <a:rPr lang="it-IT" b="1" dirty="0" err="1"/>
-              <a:t>modelagem</a:t>
-            </a:r>
-            <a:r>
-              <a:rPr lang="it-IT" b="1" dirty="0"/>
-              <a:t> </a:t>
-            </a:r>
-            <a:r>
-              <a:rPr lang="it-IT" b="1" dirty="0" err="1"/>
-              <a:t>realizada</a:t>
-            </a:r>
-            <a:endParaRPr lang="it-IT" dirty="0"/>
-          </a:p>
-          <a:p>
-            <a:endParaRPr lang="it-IT" dirty="0"/>
-          </a:p>
-        </p:txBody>
-      </p:sp>
-    </p:spTree>
-    <p:extLst>
-      <p:ext uri="{BB962C8B-B14F-4D97-AF65-F5344CB8AC3E}">
-        <p14:creationId xmlns:p14="http://schemas.microsoft.com/office/powerpoint/2010/main" val="1531547081"/>
-      </p:ext>
-    </p:extLst>
-  </p:cSld>
-  <p:clrMapOvr>
-    <a:masterClrMapping/>
-  </p:clrMapOvr>
-  <p:timing>
-    <p:tnLst>
-      <p:par>
-        <p:cTn id="1" dur="indefinite" restart="never" nodeType="tmRoot"/>
-      </p:par>
-    </p:tnLst>
-  </p:timing>
-</p:sld>
-</file>
-
-<file path=ppt/slides/slide4.xml><?xml version="1.0" encoding="utf-8"?>
-<p:sld xmlns:a="http://schemas.openxmlformats.org/drawingml/2006/main" xmlns:r="http://schemas.openxmlformats.org/officeDocument/2006/relationships" xmlns:p="http://schemas.openxmlformats.org/presentationml/2006/main">
-  <p:cSld>
-    <p:spTree>
-      <p:nvGrpSpPr>
-        <p:cNvPr id="1" name=""/>
-        <p:cNvGrpSpPr/>
-        <p:nvPr/>
-      </p:nvGrpSpPr>
-      <p:grpSpPr>
-        <a:xfrm>
-          <a:off x="0" y="0"/>
-          <a:ext cx="0" cy="0"/>
-          <a:chOff x="0" y="0"/>
-          <a:chExt cx="0" cy="0"/>
-        </a:xfrm>
-      </p:grpSpPr>
-      <p:sp>
-        <p:nvSpPr>
-          <p:cNvPr id="2" name="Titolo 1"/>
-          <p:cNvSpPr>
-            <a:spLocks noGrp="1"/>
-          </p:cNvSpPr>
-          <p:nvPr>
-            <p:ph type="title"/>
-          </p:nvPr>
-        </p:nvSpPr>
-        <p:spPr/>
-        <p:txBody>
-          <a:bodyPr>
-            <a:normAutofit fontScale="90000"/>
-          </a:bodyPr>
-          <a:lstStyle/>
-          <a:p>
-            <a:r>
-              <a:rPr lang="pt-BR" sz="4400" b="1" dirty="0"/>
-              <a:t>1º Passo – Identificar, sem duplicar, todos os substantivos que designem</a:t>
-            </a:r>
-            <a:br>
-              <a:rPr lang="pt-BR" sz="4400" b="1" dirty="0"/>
-            </a:br>
-            <a:r>
-              <a:rPr lang="it-IT" sz="4400" b="1" dirty="0"/>
-              <a:t>ENTIDADES:</a:t>
-            </a:r>
-            <a:endParaRPr lang="it-IT" sz="4400" dirty="0"/>
-          </a:p>
-        </p:txBody>
-      </p:sp>
-      <p:sp>
-        <p:nvSpPr>
-          <p:cNvPr id="3" name="Sottotitolo 2"/>
-          <p:cNvSpPr>
-            <a:spLocks noGrp="1"/>
-          </p:cNvSpPr>
-          <p:nvPr>
-            <p:ph idx="1"/>
-          </p:nvPr>
-        </p:nvSpPr>
-        <p:spPr/>
-        <p:txBody>
-          <a:bodyPr/>
-          <a:lstStyle/>
-          <a:p>
-            <a:r>
-              <a:rPr lang="pt-BR" i="1" dirty="0"/>
-              <a:t>Leia os requisitos e </a:t>
-            </a:r>
-            <a:r>
-              <a:rPr lang="pt-BR" i="1" dirty="0" smtClean="0"/>
-              <a:t>sublinhe todos </a:t>
-            </a:r>
-            <a:r>
-              <a:rPr lang="pt-BR" i="1" dirty="0"/>
-              <a:t>os substantivos que designem coisas </a:t>
-            </a:r>
-            <a:r>
-              <a:rPr lang="pt-BR" i="1" dirty="0" smtClean="0"/>
-              <a:t>do mundo </a:t>
-            </a:r>
-            <a:r>
-              <a:rPr lang="pt-BR" i="1" dirty="0"/>
-              <a:t>real, tais como pessoas, documentos, objetos, etc.</a:t>
-            </a:r>
-            <a:endParaRPr lang="it-IT" dirty="0"/>
-          </a:p>
-        </p:txBody>
-      </p:sp>
-    </p:spTree>
-    <p:extLst>
-      <p:ext uri="{BB962C8B-B14F-4D97-AF65-F5344CB8AC3E}">
-        <p14:creationId xmlns:p14="http://schemas.microsoft.com/office/powerpoint/2010/main" val="1101584047"/>
-      </p:ext>
-    </p:extLst>
-  </p:cSld>
-  <p:clrMapOvr>
-    <a:masterClrMapping/>
-  </p:clrMapOvr>
-  <p:timing>
-    <p:tnLst>
-      <p:par>
-        <p:cTn id="1" dur="indefinite" restart="never" nodeType="tmRoot"/>
-      </p:par>
-    </p:tnLst>
-  </p:timing>
-</p:sld>
-</file>
-
-<file path=ppt/slides/slide5.xml><?xml version="1.0" encoding="utf-8"?>
-<p:sld xmlns:a="http://schemas.openxmlformats.org/drawingml/2006/main" xmlns:r="http://schemas.openxmlformats.org/officeDocument/2006/relationships" xmlns:p="http://schemas.openxmlformats.org/presentationml/2006/main">
-  <p:cSld>
-    <p:spTree>
-      <p:nvGrpSpPr>
-        <p:cNvPr id="1" name=""/>
-        <p:cNvGrpSpPr/>
-        <p:nvPr/>
-      </p:nvGrpSpPr>
-      <p:grpSpPr>
-        <a:xfrm>
-          <a:off x="0" y="0"/>
-          <a:ext cx="0" cy="0"/>
-          <a:chOff x="0" y="0"/>
-          <a:chExt cx="0" cy="0"/>
-        </a:xfrm>
-      </p:grpSpPr>
-      <p:sp>
-        <p:nvSpPr>
-          <p:cNvPr id="2" name="Titolo 1"/>
-          <p:cNvSpPr>
-            <a:spLocks noGrp="1"/>
-          </p:cNvSpPr>
-          <p:nvPr>
-            <p:ph type="title"/>
-          </p:nvPr>
-        </p:nvSpPr>
-        <p:spPr/>
-        <p:txBody>
-          <a:bodyPr>
-            <a:normAutofit/>
-          </a:bodyPr>
-          <a:lstStyle/>
-          <a:p>
-            <a:pPr algn="ctr"/>
-            <a:r>
-              <a:rPr lang="pt-BR" sz="3200" b="1" dirty="0" smtClean="0">
-                <a:solidFill>
-                  <a:srgbClr val="FF0000"/>
-                </a:solidFill>
-              </a:rPr>
-              <a:t>Enunciado</a:t>
-            </a:r>
-            <a:endParaRPr lang="it-IT" sz="3200" dirty="0">
-              <a:solidFill>
-                <a:srgbClr val="FF0000"/>
-              </a:solidFill>
-            </a:endParaRPr>
-          </a:p>
-        </p:txBody>
-      </p:sp>
-      <p:sp>
-        <p:nvSpPr>
-          <p:cNvPr id="3" name="Segnaposto contenuto 2"/>
-          <p:cNvSpPr>
-            <a:spLocks noGrp="1"/>
-          </p:cNvSpPr>
-          <p:nvPr>
-            <p:ph idx="1"/>
-          </p:nvPr>
-        </p:nvSpPr>
-        <p:spPr>
-          <a:xfrm>
-            <a:off x="1069848" y="1669586"/>
-            <a:ext cx="10058400" cy="4677425"/>
-          </a:xfrm>
-        </p:spPr>
-        <p:txBody>
-          <a:bodyPr>
-            <a:normAutofit lnSpcReduction="10000"/>
-          </a:bodyPr>
-          <a:lstStyle/>
-          <a:p>
-            <a:pPr marL="0" indent="0">
-              <a:buNone/>
-            </a:pPr>
-            <a:r>
-              <a:rPr lang="pt-BR" dirty="0"/>
-              <a:t>Você foi convidado(a) a elaborar uma </a:t>
-            </a:r>
-            <a:r>
-              <a:rPr lang="pt-BR" u="sng" dirty="0"/>
-              <a:t>base de dados </a:t>
-            </a:r>
-            <a:r>
-              <a:rPr lang="pt-BR" dirty="0"/>
-              <a:t>para uma </a:t>
-            </a:r>
-            <a:r>
-              <a:rPr lang="pt-BR" u="sng" dirty="0"/>
-              <a:t>empresa de consultoria </a:t>
-            </a:r>
-            <a:r>
-              <a:rPr lang="pt-BR" dirty="0"/>
-              <a:t>que deseja registrar informações sobre os </a:t>
-            </a:r>
-            <a:r>
-              <a:rPr lang="pt-BR" u="sng" dirty="0"/>
-              <a:t>seus projectos </a:t>
-            </a:r>
-            <a:r>
-              <a:rPr lang="pt-BR" dirty="0"/>
-              <a:t>e </a:t>
-            </a:r>
-            <a:r>
-              <a:rPr lang="pt-BR" u="sng" dirty="0"/>
-              <a:t>consultores</a:t>
-            </a:r>
-            <a:r>
-              <a:rPr lang="pt-BR" dirty="0"/>
-              <a:t>. </a:t>
-            </a:r>
-          </a:p>
-          <a:p>
-            <a:pPr marL="0" indent="0">
-              <a:buNone/>
-            </a:pPr>
-            <a:r>
-              <a:rPr lang="pt-BR" dirty="0"/>
-              <a:t>De acordo com </a:t>
-            </a:r>
-            <a:r>
-              <a:rPr lang="pt-BR" u="sng" dirty="0"/>
-              <a:t>o solicitado </a:t>
-            </a:r>
-            <a:r>
-              <a:rPr lang="pt-BR" dirty="0"/>
-              <a:t>pelo </a:t>
-            </a:r>
-            <a:r>
-              <a:rPr lang="pt-BR" u="sng" dirty="0"/>
-              <a:t>cliente</a:t>
-            </a:r>
-            <a:r>
-              <a:rPr lang="pt-BR" dirty="0"/>
-              <a:t>, para cada projecto dever-se-á armazenar o código, nome e endereço da empresa que solicitou o projecto, o número do projecto, a data de início e de término do projecto, o valor do projeto, o número, nome, número do documento de identidade e especialização dos consultores que participaram do projecto, as horas que trabalharam em cada projecto e a função que algum deles exerceu (líder ou membro</a:t>
-            </a:r>
-            <a:r>
-              <a:rPr lang="pt-BR" dirty="0" smtClean="0"/>
-              <a:t>) no projecto. </a:t>
-            </a:r>
-            <a:endParaRPr lang="pt-BR" dirty="0"/>
-          </a:p>
-          <a:p>
-            <a:pPr marL="0" indent="0">
-              <a:buNone/>
-            </a:pPr>
-            <a:r>
-              <a:rPr lang="pt-BR" dirty="0"/>
-              <a:t>De nota que uma mesma empresa pode solicitar diversos projectos e um mesmo consultor pode trabalhar em diversos projectos. </a:t>
-            </a:r>
-          </a:p>
-          <a:p>
-            <a:pPr marL="0" indent="0">
-              <a:buNone/>
-            </a:pPr>
-            <a:r>
-              <a:rPr lang="pt-BR" dirty="0"/>
-              <a:t>Utilizando os seus conhecimentos sobre modelo de entidades e relacionamentos (MER), elabore o desenho inicial desta base de dados</a:t>
-            </a:r>
-            <a:r>
-              <a:rPr lang="pt-BR" dirty="0" smtClean="0"/>
-              <a:t>.</a:t>
-            </a:r>
-          </a:p>
-          <a:p>
-            <a:pPr marL="0" indent="0">
-              <a:buNone/>
-            </a:pPr>
-            <a:endParaRPr lang="pt-BR" dirty="0"/>
-          </a:p>
-          <a:p>
-            <a:pPr marL="0" indent="0">
-              <a:buNone/>
-            </a:pPr>
-            <a:r>
-              <a:rPr lang="pt-BR" b="1" dirty="0"/>
-              <a:t>Resultado</a:t>
-            </a:r>
-            <a:r>
-              <a:rPr lang="pt-BR" dirty="0"/>
-              <a:t>: </a:t>
-            </a:r>
-            <a:r>
-              <a:rPr lang="pt-BR" i="1" dirty="0">
-                <a:solidFill>
-                  <a:srgbClr val="00B050"/>
-                </a:solidFill>
-              </a:rPr>
-              <a:t>base de dados</a:t>
-            </a:r>
-            <a:r>
-              <a:rPr lang="pt-BR" i="1" dirty="0" smtClean="0">
-                <a:solidFill>
-                  <a:srgbClr val="00B050"/>
-                </a:solidFill>
-              </a:rPr>
-              <a:t> </a:t>
-            </a:r>
-            <a:r>
-              <a:rPr lang="pt-BR" i="1" dirty="0">
-                <a:solidFill>
-                  <a:srgbClr val="00B050"/>
-                </a:solidFill>
-              </a:rPr>
-              <a:t>, empresa de </a:t>
-            </a:r>
-            <a:r>
-              <a:rPr lang="pt-BR" i="1" dirty="0" smtClean="0">
-                <a:solidFill>
-                  <a:srgbClr val="00B050"/>
-                </a:solidFill>
-              </a:rPr>
-              <a:t>consultoria(cliente) , empresa, projectos, consultores</a:t>
-            </a:r>
-            <a:endParaRPr lang="pt-BR" i="1" dirty="0">
-              <a:solidFill>
-                <a:srgbClr val="00B050"/>
-              </a:solidFill>
-            </a:endParaRPr>
-          </a:p>
-          <a:p>
-            <a:pPr marL="0" indent="0">
-              <a:buNone/>
-            </a:pPr>
-            <a:endParaRPr lang="it-IT" dirty="0"/>
-          </a:p>
-          <a:p>
-            <a:endParaRPr lang="it-IT" dirty="0"/>
-          </a:p>
-        </p:txBody>
-      </p:sp>
-    </p:spTree>
-    <p:extLst>
-      <p:ext uri="{BB962C8B-B14F-4D97-AF65-F5344CB8AC3E}">
-        <p14:creationId xmlns:p14="http://schemas.microsoft.com/office/powerpoint/2010/main" val="165251240"/>
-      </p:ext>
-    </p:extLst>
-  </p:cSld>
-  <p:clrMapOvr>
-    <a:masterClrMapping/>
-  </p:clrMapOvr>
-  <p:timing>
-    <p:tnLst>
-      <p:par>
-        <p:cTn id="1" dur="indefinite" restart="never" nodeType="tmRoot"/>
-      </p:par>
-    </p:tnLst>
-  </p:timing>
-</p:sld>
-</file>
-
-<file path=ppt/slides/slide6.xml><?xml version="1.0" encoding="utf-8"?>
-<p:sld xmlns:a="http://schemas.openxmlformats.org/drawingml/2006/main" xmlns:r="http://schemas.openxmlformats.org/officeDocument/2006/relationships" xmlns:p="http://schemas.openxmlformats.org/presentationml/2006/main">
-  <p:cSld>
-    <p:spTree>
-      <p:nvGrpSpPr>
-        <p:cNvPr id="1" name=""/>
-        <p:cNvGrpSpPr/>
-        <p:nvPr/>
-      </p:nvGrpSpPr>
-      <p:grpSpPr>
-        <a:xfrm>
-          <a:off x="0" y="0"/>
-          <a:ext cx="0" cy="0"/>
-          <a:chOff x="0" y="0"/>
-          <a:chExt cx="0" cy="0"/>
-        </a:xfrm>
-      </p:grpSpPr>
-      <p:sp>
-        <p:nvSpPr>
-          <p:cNvPr id="2" name="Titolo 1"/>
-          <p:cNvSpPr>
-            <a:spLocks noGrp="1"/>
-          </p:cNvSpPr>
-          <p:nvPr>
-            <p:ph type="title"/>
-          </p:nvPr>
-        </p:nvSpPr>
-        <p:spPr>
-          <a:xfrm>
-            <a:off x="1096384" y="3420297"/>
-            <a:ext cx="10515600" cy="1325563"/>
-          </a:xfrm>
-        </p:spPr>
-        <p:txBody>
-          <a:bodyPr>
-            <a:noAutofit/>
-          </a:bodyPr>
-          <a:lstStyle/>
-          <a:p>
-            <a:r>
-              <a:rPr lang="pt-BR" sz="3200" b="1" cap="none" dirty="0">
-                <a:solidFill>
-                  <a:schemeClr val="tx1"/>
-                </a:solidFill>
-              </a:rPr>
-              <a:t>3º Passo - Descartar substantivos que servem apenas para entendimento </a:t>
-            </a:r>
-            <a:r>
-              <a:rPr lang="it-IT" sz="3200" b="1" cap="none" dirty="0">
-                <a:solidFill>
-                  <a:schemeClr val="tx1"/>
-                </a:solidFill>
-              </a:rPr>
-              <a:t>do problema</a:t>
-            </a:r>
-          </a:p>
-        </p:txBody>
-      </p:sp>
-      <p:sp>
-        <p:nvSpPr>
-          <p:cNvPr id="3" name="Segnaposto contenuto 2"/>
-          <p:cNvSpPr>
-            <a:spLocks noGrp="1"/>
-          </p:cNvSpPr>
-          <p:nvPr>
-            <p:ph idx="1"/>
-          </p:nvPr>
-        </p:nvSpPr>
-        <p:spPr>
-          <a:xfrm>
-            <a:off x="838200" y="1825625"/>
-            <a:ext cx="10515600" cy="1799702"/>
-          </a:xfrm>
-        </p:spPr>
-        <p:txBody>
-          <a:bodyPr/>
-          <a:lstStyle/>
-          <a:p>
-            <a:pPr marL="0" indent="0">
-              <a:buNone/>
-            </a:pPr>
-            <a:r>
-              <a:rPr lang="pt-BR" b="1" dirty="0" smtClean="0"/>
-              <a:t>Resultado</a:t>
-            </a:r>
-            <a:r>
-              <a:rPr lang="pt-BR" dirty="0" smtClean="0"/>
-              <a:t>: </a:t>
-            </a:r>
-            <a:r>
-              <a:rPr lang="pt-BR" b="1" dirty="0"/>
-              <a:t>Resultado</a:t>
-            </a:r>
-            <a:r>
-              <a:rPr lang="pt-BR" dirty="0"/>
-              <a:t>: </a:t>
-            </a:r>
-            <a:r>
-              <a:rPr lang="pt-BR" i="1" strike="sngStrike" dirty="0">
-                <a:solidFill>
-                  <a:srgbClr val="FF0000"/>
-                </a:solidFill>
-              </a:rPr>
-              <a:t>base de dados </a:t>
-            </a:r>
-            <a:r>
-              <a:rPr lang="pt-BR" i="1" dirty="0">
-                <a:solidFill>
-                  <a:srgbClr val="00B050"/>
-                </a:solidFill>
-              </a:rPr>
-              <a:t>, empresa de </a:t>
-            </a:r>
-            <a:r>
-              <a:rPr lang="pt-BR" i="1" dirty="0" smtClean="0">
-                <a:solidFill>
-                  <a:srgbClr val="00B050"/>
-                </a:solidFill>
-              </a:rPr>
-              <a:t>consultoria(cliente) ,empresa,  </a:t>
-            </a:r>
-            <a:r>
-              <a:rPr lang="pt-BR" i="1" dirty="0">
-                <a:solidFill>
-                  <a:srgbClr val="00B050"/>
-                </a:solidFill>
-              </a:rPr>
-              <a:t>projectos, consultores, </a:t>
-            </a:r>
-          </a:p>
-          <a:p>
-            <a:pPr marL="0" indent="0">
-              <a:buNone/>
-            </a:pPr>
-            <a:endParaRPr lang="it-IT" dirty="0"/>
-          </a:p>
-        </p:txBody>
-      </p:sp>
-      <p:sp>
-        <p:nvSpPr>
-          <p:cNvPr id="4" name="Titolo 1"/>
-          <p:cNvSpPr txBox="1">
-            <a:spLocks/>
-          </p:cNvSpPr>
-          <p:nvPr/>
-        </p:nvSpPr>
-        <p:spPr>
-          <a:xfrm>
-            <a:off x="990600" y="517525"/>
-            <a:ext cx="10515600" cy="1325563"/>
-          </a:xfrm>
-          <a:prstGeom prst="rect">
-            <a:avLst/>
-          </a:prstGeom>
-        </p:spPr>
-        <p:txBody>
-          <a:bodyPr vert="horz" lIns="91440" tIns="45720" rIns="91440" bIns="45720" rtlCol="0" anchor="ctr">
-            <a:noAutofit/>
-          </a:bodyPr>
-          <a:lstStyle>
-            <a:lvl1pPr algn="l" defTabSz="914400" rtl="0" eaLnBrk="1" latinLnBrk="0" hangingPunct="1">
-              <a:lnSpc>
-                <a:spcPct val="90000"/>
-              </a:lnSpc>
-              <a:spcBef>
-                <a:spcPct val="0"/>
-              </a:spcBef>
-              <a:buNone/>
-              <a:defRPr sz="4400" kern="1200">
-                <a:solidFill>
-                  <a:schemeClr val="tx1"/>
-                </a:solidFill>
-                <a:latin typeface="+mj-lt"/>
-                <a:ea typeface="+mj-ea"/>
-                <a:cs typeface="+mj-cs"/>
-              </a:defRPr>
-            </a:lvl1pPr>
-          </a:lstStyle>
-          <a:p>
-            <a:r>
-              <a:rPr lang="pt-BR" sz="3200" b="1" dirty="0" smtClean="0"/>
-              <a:t>2º Passo - Descartar substantivos que como ENTIDADE teriam </a:t>
-            </a:r>
-            <a:r>
-              <a:rPr lang="pt-BR" sz="3200" b="1" u="sng" dirty="0" smtClean="0"/>
-              <a:t>apenas uma ocorrência </a:t>
-            </a:r>
-            <a:r>
-              <a:rPr lang="pt-BR" sz="3200" b="1" dirty="0" smtClean="0"/>
-              <a:t>na base de dados</a:t>
-            </a:r>
-            <a:endParaRPr lang="it-IT" sz="3200" dirty="0"/>
-          </a:p>
-        </p:txBody>
-      </p:sp>
-      <p:sp>
-        <p:nvSpPr>
-          <p:cNvPr id="5" name="Segnaposto contenuto 2"/>
-          <p:cNvSpPr txBox="1">
-            <a:spLocks/>
-          </p:cNvSpPr>
-          <p:nvPr/>
-        </p:nvSpPr>
-        <p:spPr>
-          <a:xfrm>
-            <a:off x="838200" y="4850317"/>
-            <a:ext cx="10515600" cy="1799702"/>
-          </a:xfrm>
-          <a:prstGeom prst="rect">
-            <a:avLst/>
-          </a:prstGeom>
-        </p:spPr>
-        <p:txBody>
-          <a:bodyPr vert="horz" lIns="91440" tIns="45720" rIns="91440" bIns="45720" rtlCol="0">
-            <a:normAutofit/>
-          </a:bodyPr>
-          <a:lstStyle>
-            <a:lvl1pPr marL="228600" indent="-228600" algn="l" defTabSz="914400" rtl="0" eaLnBrk="1" latinLnBrk="0" hangingPunct="1">
-              <a:lnSpc>
-                <a:spcPct val="90000"/>
-              </a:lnSpc>
-              <a:spcBef>
-                <a:spcPts val="1000"/>
-              </a:spcBef>
-              <a:buFont typeface="Arial" panose="020B0604020202020204" pitchFamily="34" charset="0"/>
-              <a:buChar char="•"/>
-              <a:defRPr sz="2800" kern="1200">
-                <a:solidFill>
-                  <a:schemeClr val="tx1"/>
-                </a:solidFill>
-                <a:latin typeface="+mn-lt"/>
-                <a:ea typeface="+mn-ea"/>
-                <a:cs typeface="+mn-cs"/>
-              </a:defRPr>
-            </a:lvl1pPr>
-            <a:lvl2pPr marL="685800" indent="-228600" algn="l" defTabSz="914400" rtl="0" eaLnBrk="1" latinLnBrk="0" hangingPunct="1">
-              <a:lnSpc>
-                <a:spcPct val="90000"/>
-              </a:lnSpc>
-              <a:spcBef>
-                <a:spcPts val="500"/>
-              </a:spcBef>
-              <a:buFont typeface="Arial" panose="020B0604020202020204" pitchFamily="34" charset="0"/>
-              <a:buChar char="•"/>
-              <a:defRPr sz="2400" kern="1200">
-                <a:solidFill>
-                  <a:schemeClr val="tx1"/>
-                </a:solidFill>
-                <a:latin typeface="+mn-lt"/>
-                <a:ea typeface="+mn-ea"/>
-                <a:cs typeface="+mn-cs"/>
-              </a:defRPr>
-            </a:lvl2pPr>
-            <a:lvl3pPr marL="1143000" indent="-228600" algn="l" defTabSz="914400" rtl="0" eaLnBrk="1" latinLnBrk="0" hangingPunct="1">
-              <a:lnSpc>
-                <a:spcPct val="90000"/>
-              </a:lnSpc>
-              <a:spcBef>
-                <a:spcPts val="500"/>
-              </a:spcBef>
-              <a:buFont typeface="Arial" panose="020B0604020202020204" pitchFamily="34" charset="0"/>
-              <a:buChar char="•"/>
-              <a:defRPr sz="2000" kern="1200">
-                <a:solidFill>
-                  <a:schemeClr val="tx1"/>
-                </a:solidFill>
-                <a:latin typeface="+mn-lt"/>
-                <a:ea typeface="+mn-ea"/>
-                <a:cs typeface="+mn-cs"/>
-              </a:defRPr>
-            </a:lvl3pPr>
-            <a:lvl4pPr marL="1600200" indent="-228600" algn="l" defTabSz="914400" rtl="0" eaLnBrk="1" latinLnBrk="0" hangingPunct="1">
-              <a:lnSpc>
-                <a:spcPct val="90000"/>
-              </a:lnSpc>
-              <a:spcBef>
-                <a:spcPts val="500"/>
-              </a:spcBef>
-              <a:buFont typeface="Arial" panose="020B0604020202020204" pitchFamily="34" charset="0"/>
-              <a:buChar char="•"/>
-              <a:defRPr sz="1800" kern="1200">
-                <a:solidFill>
-                  <a:schemeClr val="tx1"/>
-                </a:solidFill>
-                <a:latin typeface="+mn-lt"/>
-                <a:ea typeface="+mn-ea"/>
-                <a:cs typeface="+mn-cs"/>
-              </a:defRPr>
-            </a:lvl4pPr>
-            <a:lvl5pPr marL="2057400" indent="-228600" algn="l" defTabSz="914400" rtl="0" eaLnBrk="1" latinLnBrk="0" hangingPunct="1">
-              <a:lnSpc>
-                <a:spcPct val="90000"/>
-              </a:lnSpc>
-              <a:spcBef>
-                <a:spcPts val="500"/>
-              </a:spcBef>
-              <a:buFont typeface="Arial" panose="020B0604020202020204" pitchFamily="34" charset="0"/>
-              <a:buChar char="•"/>
-              <a:defRPr sz="1800" kern="1200">
-                <a:solidFill>
-                  <a:schemeClr val="tx1"/>
-                </a:solidFill>
-                <a:latin typeface="+mn-lt"/>
-                <a:ea typeface="+mn-ea"/>
-                <a:cs typeface="+mn-cs"/>
-              </a:defRPr>
-            </a:lvl5pPr>
-            <a:lvl6pPr marL="2514600" indent="-228600" algn="l" defTabSz="914400" rtl="0" eaLnBrk="1" latinLnBrk="0" hangingPunct="1">
-              <a:lnSpc>
-                <a:spcPct val="90000"/>
-              </a:lnSpc>
-              <a:spcBef>
-                <a:spcPts val="500"/>
-              </a:spcBef>
-              <a:buFont typeface="Arial" panose="020B0604020202020204" pitchFamily="34" charset="0"/>
-              <a:buChar char="•"/>
-              <a:defRPr sz="1800" kern="1200">
-                <a:solidFill>
-                  <a:schemeClr val="tx1"/>
-                </a:solidFill>
-                <a:latin typeface="+mn-lt"/>
-                <a:ea typeface="+mn-ea"/>
-                <a:cs typeface="+mn-cs"/>
-              </a:defRPr>
-            </a:lvl6pPr>
-            <a:lvl7pPr marL="2971800" indent="-228600" algn="l" defTabSz="914400" rtl="0" eaLnBrk="1" latinLnBrk="0" hangingPunct="1">
-              <a:lnSpc>
-                <a:spcPct val="90000"/>
-              </a:lnSpc>
-              <a:spcBef>
-                <a:spcPts val="500"/>
-              </a:spcBef>
-              <a:buFont typeface="Arial" panose="020B0604020202020204" pitchFamily="34" charset="0"/>
-              <a:buChar char="•"/>
-              <a:defRPr sz="1800" kern="1200">
-                <a:solidFill>
-                  <a:schemeClr val="tx1"/>
-                </a:solidFill>
-                <a:latin typeface="+mn-lt"/>
-                <a:ea typeface="+mn-ea"/>
-                <a:cs typeface="+mn-cs"/>
-              </a:defRPr>
-            </a:lvl7pPr>
-            <a:lvl8pPr marL="3429000" indent="-228600" algn="l" defTabSz="914400" rtl="0" eaLnBrk="1" latinLnBrk="0" hangingPunct="1">
-              <a:lnSpc>
-                <a:spcPct val="90000"/>
-              </a:lnSpc>
-              <a:spcBef>
-                <a:spcPts val="500"/>
-              </a:spcBef>
-              <a:buFont typeface="Arial" panose="020B0604020202020204" pitchFamily="34" charset="0"/>
-              <a:buChar char="•"/>
-              <a:defRPr sz="1800" kern="1200">
-                <a:solidFill>
-                  <a:schemeClr val="tx1"/>
-                </a:solidFill>
-                <a:latin typeface="+mn-lt"/>
-                <a:ea typeface="+mn-ea"/>
-                <a:cs typeface="+mn-cs"/>
-              </a:defRPr>
-            </a:lvl8pPr>
-            <a:lvl9pPr marL="3886200" indent="-228600" algn="l" defTabSz="914400" rtl="0" eaLnBrk="1" latinLnBrk="0" hangingPunct="1">
-              <a:lnSpc>
-                <a:spcPct val="90000"/>
-              </a:lnSpc>
-              <a:spcBef>
-                <a:spcPts val="500"/>
-              </a:spcBef>
-              <a:buFont typeface="Arial" panose="020B0604020202020204" pitchFamily="34" charset="0"/>
-              <a:buChar char="•"/>
-              <a:defRPr sz="1800" kern="1200">
-                <a:solidFill>
-                  <a:schemeClr val="tx1"/>
-                </a:solidFill>
-                <a:latin typeface="+mn-lt"/>
-                <a:ea typeface="+mn-ea"/>
-                <a:cs typeface="+mn-cs"/>
-              </a:defRPr>
-            </a:lvl9pPr>
-          </a:lstStyle>
-          <a:p>
-            <a:pPr marL="0" indent="0">
-              <a:buNone/>
-            </a:pPr>
-            <a:r>
-              <a:rPr lang="pt-BR" b="1" dirty="0" smtClean="0"/>
-              <a:t>Resultado</a:t>
-            </a:r>
-            <a:r>
-              <a:rPr lang="pt-BR" dirty="0" smtClean="0"/>
-              <a:t>: </a:t>
-            </a:r>
-            <a:r>
-              <a:rPr lang="pt-BR" b="1" dirty="0"/>
-              <a:t>Resultado</a:t>
-            </a:r>
-            <a:r>
-              <a:rPr lang="pt-BR" dirty="0"/>
-              <a:t>: </a:t>
-            </a:r>
-            <a:r>
-              <a:rPr lang="pt-BR" b="1" dirty="0"/>
-              <a:t>Resultado</a:t>
-            </a:r>
-            <a:r>
-              <a:rPr lang="pt-BR" dirty="0"/>
-              <a:t>: </a:t>
-            </a:r>
-            <a:r>
-              <a:rPr lang="pt-BR" i="1" strike="sngStrike" dirty="0">
-                <a:solidFill>
-                  <a:srgbClr val="FF0000"/>
-                </a:solidFill>
-              </a:rPr>
-              <a:t>base de dados </a:t>
-            </a:r>
-            <a:r>
-              <a:rPr lang="pt-BR" i="1" dirty="0">
-                <a:solidFill>
-                  <a:srgbClr val="00B050"/>
-                </a:solidFill>
-              </a:rPr>
-              <a:t>, </a:t>
-            </a:r>
-            <a:r>
-              <a:rPr lang="pt-BR" i="1" strike="sngStrike" dirty="0">
-                <a:solidFill>
-                  <a:srgbClr val="FF0000"/>
-                </a:solidFill>
-              </a:rPr>
-              <a:t>empresa de </a:t>
-            </a:r>
-            <a:r>
-              <a:rPr lang="pt-BR" i="1" strike="sngStrike" dirty="0" smtClean="0">
-                <a:solidFill>
-                  <a:srgbClr val="FF0000"/>
-                </a:solidFill>
-              </a:rPr>
-              <a:t>consultoria(cliente)</a:t>
-            </a:r>
-            <a:r>
-              <a:rPr lang="pt-BR" i="1" dirty="0" smtClean="0">
-                <a:solidFill>
-                  <a:srgbClr val="00B050"/>
-                </a:solidFill>
-              </a:rPr>
-              <a:t> ,empresa,  </a:t>
-            </a:r>
-            <a:r>
-              <a:rPr lang="pt-BR" i="1" dirty="0">
-                <a:solidFill>
-                  <a:srgbClr val="00B050"/>
-                </a:solidFill>
-              </a:rPr>
-              <a:t>projectos, </a:t>
-            </a:r>
-            <a:r>
-              <a:rPr lang="pt-BR" i="1" dirty="0" smtClean="0">
-                <a:solidFill>
-                  <a:srgbClr val="00B050"/>
-                </a:solidFill>
-              </a:rPr>
-              <a:t>consultores</a:t>
-            </a:r>
-            <a:r>
-              <a:rPr lang="pt-BR" i="1" dirty="0">
-                <a:solidFill>
-                  <a:srgbClr val="00B050"/>
-                </a:solidFill>
-              </a:rPr>
-              <a:t>.</a:t>
-            </a:r>
-            <a:endParaRPr lang="pt-BR" i="1" strike="sngStrike" dirty="0">
-              <a:solidFill>
-                <a:srgbClr val="FF0000"/>
-              </a:solidFill>
-            </a:endParaRPr>
-          </a:p>
-          <a:p>
-            <a:endParaRPr lang="it-IT" dirty="0"/>
-          </a:p>
-        </p:txBody>
-      </p:sp>
-    </p:spTree>
-    <p:extLst>
-      <p:ext uri="{BB962C8B-B14F-4D97-AF65-F5344CB8AC3E}">
-        <p14:creationId xmlns:p14="http://schemas.microsoft.com/office/powerpoint/2010/main" val="4193217296"/>
-      </p:ext>
-    </p:extLst>
-  </p:cSld>
-  <p:clrMapOvr>
-    <a:masterClrMapping/>
-  </p:clrMapOvr>
-  <p:timing>
-    <p:tnLst>
-      <p:par>
-        <p:cTn id="1" dur="indefinite" restart="never" nodeType="tmRoot"/>
-      </p:par>
-    </p:tnLst>
-  </p:timing>
-</p:sld>
-</file>
-
-<file path=ppt/slides/slide7.xml><?xml version="1.0" encoding="utf-8"?>
-<p:sld xmlns:a="http://schemas.openxmlformats.org/drawingml/2006/main" xmlns:r="http://schemas.openxmlformats.org/officeDocument/2006/relationships" xmlns:p="http://schemas.openxmlformats.org/presentationml/2006/main">
-  <p:cSld>
-    <p:spTree>
-      <p:nvGrpSpPr>
-        <p:cNvPr id="1" name=""/>
-        <p:cNvGrpSpPr/>
-        <p:nvPr/>
-      </p:nvGrpSpPr>
-      <p:grpSpPr>
-        <a:xfrm>
-          <a:off x="0" y="0"/>
-          <a:ext cx="0" cy="0"/>
-          <a:chOff x="0" y="0"/>
-          <a:chExt cx="0" cy="0"/>
-        </a:xfrm>
-      </p:grpSpPr>
-      <p:sp>
-        <p:nvSpPr>
-          <p:cNvPr id="2" name="Titolo 1"/>
-          <p:cNvSpPr>
-            <a:spLocks noGrp="1"/>
-          </p:cNvSpPr>
-          <p:nvPr>
-            <p:ph type="title"/>
-          </p:nvPr>
-        </p:nvSpPr>
-        <p:spPr>
-          <a:xfrm>
-            <a:off x="914400" y="3301962"/>
-            <a:ext cx="10515600" cy="1325563"/>
-          </a:xfrm>
-        </p:spPr>
-        <p:txBody>
-          <a:bodyPr>
-            <a:noAutofit/>
-          </a:bodyPr>
-          <a:lstStyle/>
-          <a:p>
-            <a:r>
-              <a:rPr lang="pt-BR" sz="3200" b="1" cap="none" dirty="0"/>
-              <a:t>5º Passo - Listar os substantivos que se tornarão ENTIDADES</a:t>
-            </a:r>
-            <a:endParaRPr lang="it-IT" sz="3200" cap="none" dirty="0"/>
-          </a:p>
-        </p:txBody>
-      </p:sp>
-      <p:sp>
-        <p:nvSpPr>
-          <p:cNvPr id="3" name="Segnaposto contenuto 2"/>
-          <p:cNvSpPr>
-            <a:spLocks noGrp="1"/>
-          </p:cNvSpPr>
-          <p:nvPr>
-            <p:ph idx="1"/>
-          </p:nvPr>
-        </p:nvSpPr>
-        <p:spPr>
-          <a:xfrm>
-            <a:off x="838200" y="1825625"/>
-            <a:ext cx="10515600" cy="1799702"/>
-          </a:xfrm>
-        </p:spPr>
-        <p:txBody>
-          <a:bodyPr/>
-          <a:lstStyle/>
-          <a:p>
-            <a:r>
-              <a:rPr lang="pt-BR" b="1" dirty="0" smtClean="0"/>
-              <a:t>Resultado</a:t>
-            </a:r>
-            <a:r>
-              <a:rPr lang="pt-BR" dirty="0" smtClean="0"/>
-              <a:t>: não existe nenuma referência a funcionalidades futuras</a:t>
-            </a:r>
-            <a:endParaRPr lang="it-IT" dirty="0"/>
-          </a:p>
-        </p:txBody>
-      </p:sp>
-      <p:sp>
-        <p:nvSpPr>
-          <p:cNvPr id="4" name="Titolo 1"/>
-          <p:cNvSpPr txBox="1">
-            <a:spLocks/>
-          </p:cNvSpPr>
-          <p:nvPr/>
-        </p:nvSpPr>
-        <p:spPr>
-          <a:xfrm>
-            <a:off x="990600" y="517525"/>
-            <a:ext cx="10515600" cy="1325563"/>
-          </a:xfrm>
-          <a:prstGeom prst="rect">
-            <a:avLst/>
-          </a:prstGeom>
-        </p:spPr>
-        <p:txBody>
-          <a:bodyPr vert="horz" lIns="91440" tIns="45720" rIns="91440" bIns="45720" rtlCol="0" anchor="ctr">
-            <a:noAutofit/>
-          </a:bodyPr>
-          <a:lstStyle>
-            <a:lvl1pPr algn="l" defTabSz="914400" rtl="0" eaLnBrk="1" latinLnBrk="0" hangingPunct="1">
-              <a:lnSpc>
-                <a:spcPct val="90000"/>
-              </a:lnSpc>
-              <a:spcBef>
-                <a:spcPct val="0"/>
-              </a:spcBef>
-              <a:buNone/>
-              <a:defRPr sz="4400" kern="1200">
-                <a:solidFill>
-                  <a:schemeClr val="tx1"/>
-                </a:solidFill>
-                <a:latin typeface="+mj-lt"/>
-                <a:ea typeface="+mj-ea"/>
-                <a:cs typeface="+mj-cs"/>
-              </a:defRPr>
-            </a:lvl1pPr>
-          </a:lstStyle>
-          <a:p>
-            <a:r>
-              <a:rPr lang="pt-BR" sz="3200" b="1" dirty="0"/>
-              <a:t>4º Passo - Descartar ENTIDADES que são referência a uma </a:t>
-            </a:r>
-            <a:r>
-              <a:rPr lang="pt-BR" sz="3200" b="1" dirty="0" smtClean="0"/>
-              <a:t>futura </a:t>
-            </a:r>
-            <a:r>
-              <a:rPr lang="it-IT" sz="3200" b="1" dirty="0" err="1" smtClean="0"/>
-              <a:t>funcionalidade</a:t>
-            </a:r>
-            <a:r>
-              <a:rPr lang="it-IT" sz="3200" b="1" dirty="0" smtClean="0"/>
-              <a:t> </a:t>
-            </a:r>
-            <a:r>
-              <a:rPr lang="it-IT" sz="3200" b="1" dirty="0"/>
-              <a:t>do sistema</a:t>
-            </a:r>
-            <a:endParaRPr lang="it-IT" sz="3200" dirty="0"/>
-          </a:p>
-        </p:txBody>
-      </p:sp>
-      <p:sp>
-        <p:nvSpPr>
-          <p:cNvPr id="5" name="Segnaposto contenuto 2"/>
-          <p:cNvSpPr txBox="1">
-            <a:spLocks/>
-          </p:cNvSpPr>
-          <p:nvPr/>
-        </p:nvSpPr>
-        <p:spPr>
-          <a:xfrm>
-            <a:off x="914400" y="4441526"/>
-            <a:ext cx="10515600" cy="1472752"/>
-          </a:xfrm>
-          <a:prstGeom prst="rect">
-            <a:avLst/>
-          </a:prstGeom>
-        </p:spPr>
-        <p:txBody>
-          <a:bodyPr vert="horz" lIns="91440" tIns="45720" rIns="91440" bIns="45720" rtlCol="0">
-            <a:normAutofit/>
-          </a:bodyPr>
-          <a:lstStyle>
-            <a:lvl1pPr marL="228600" indent="-228600" algn="l" defTabSz="914400" rtl="0" eaLnBrk="1" latinLnBrk="0" hangingPunct="1">
-              <a:lnSpc>
-                <a:spcPct val="90000"/>
-              </a:lnSpc>
-              <a:spcBef>
-                <a:spcPts val="1000"/>
-              </a:spcBef>
-              <a:buFont typeface="Arial" panose="020B0604020202020204" pitchFamily="34" charset="0"/>
-              <a:buChar char="•"/>
-              <a:defRPr sz="2800" kern="1200">
-                <a:solidFill>
-                  <a:schemeClr val="tx1"/>
-                </a:solidFill>
-                <a:latin typeface="+mn-lt"/>
-                <a:ea typeface="+mn-ea"/>
-                <a:cs typeface="+mn-cs"/>
-              </a:defRPr>
-            </a:lvl1pPr>
-            <a:lvl2pPr marL="685800" indent="-228600" algn="l" defTabSz="914400" rtl="0" eaLnBrk="1" latinLnBrk="0" hangingPunct="1">
-              <a:lnSpc>
-                <a:spcPct val="90000"/>
-              </a:lnSpc>
-              <a:spcBef>
-                <a:spcPts val="500"/>
-              </a:spcBef>
-              <a:buFont typeface="Arial" panose="020B0604020202020204" pitchFamily="34" charset="0"/>
-              <a:buChar char="•"/>
-              <a:defRPr sz="2400" kern="1200">
-                <a:solidFill>
-                  <a:schemeClr val="tx1"/>
-                </a:solidFill>
-                <a:latin typeface="+mn-lt"/>
-                <a:ea typeface="+mn-ea"/>
-                <a:cs typeface="+mn-cs"/>
-              </a:defRPr>
-            </a:lvl2pPr>
-            <a:lvl3pPr marL="1143000" indent="-228600" algn="l" defTabSz="914400" rtl="0" eaLnBrk="1" latinLnBrk="0" hangingPunct="1">
-              <a:lnSpc>
-                <a:spcPct val="90000"/>
-              </a:lnSpc>
-              <a:spcBef>
-                <a:spcPts val="500"/>
-              </a:spcBef>
-              <a:buFont typeface="Arial" panose="020B0604020202020204" pitchFamily="34" charset="0"/>
-              <a:buChar char="•"/>
-              <a:defRPr sz="2000" kern="1200">
-                <a:solidFill>
-                  <a:schemeClr val="tx1"/>
-                </a:solidFill>
-                <a:latin typeface="+mn-lt"/>
-                <a:ea typeface="+mn-ea"/>
-                <a:cs typeface="+mn-cs"/>
-              </a:defRPr>
-            </a:lvl3pPr>
-            <a:lvl4pPr marL="1600200" indent="-228600" algn="l" defTabSz="914400" rtl="0" eaLnBrk="1" latinLnBrk="0" hangingPunct="1">
-              <a:lnSpc>
-                <a:spcPct val="90000"/>
-              </a:lnSpc>
-              <a:spcBef>
-                <a:spcPts val="500"/>
-              </a:spcBef>
-              <a:buFont typeface="Arial" panose="020B0604020202020204" pitchFamily="34" charset="0"/>
-              <a:buChar char="•"/>
-              <a:defRPr sz="1800" kern="1200">
-                <a:solidFill>
-                  <a:schemeClr val="tx1"/>
-                </a:solidFill>
-                <a:latin typeface="+mn-lt"/>
-                <a:ea typeface="+mn-ea"/>
-                <a:cs typeface="+mn-cs"/>
-              </a:defRPr>
-            </a:lvl4pPr>
-            <a:lvl5pPr marL="2057400" indent="-228600" algn="l" defTabSz="914400" rtl="0" eaLnBrk="1" latinLnBrk="0" hangingPunct="1">
-              <a:lnSpc>
-                <a:spcPct val="90000"/>
-              </a:lnSpc>
-              <a:spcBef>
-                <a:spcPts val="500"/>
-              </a:spcBef>
-              <a:buFont typeface="Arial" panose="020B0604020202020204" pitchFamily="34" charset="0"/>
-              <a:buChar char="•"/>
-              <a:defRPr sz="1800" kern="1200">
-                <a:solidFill>
-                  <a:schemeClr val="tx1"/>
-                </a:solidFill>
-                <a:latin typeface="+mn-lt"/>
-                <a:ea typeface="+mn-ea"/>
-                <a:cs typeface="+mn-cs"/>
-              </a:defRPr>
-            </a:lvl5pPr>
-            <a:lvl6pPr marL="2514600" indent="-228600" algn="l" defTabSz="914400" rtl="0" eaLnBrk="1" latinLnBrk="0" hangingPunct="1">
-              <a:lnSpc>
-                <a:spcPct val="90000"/>
-              </a:lnSpc>
-              <a:spcBef>
-                <a:spcPts val="500"/>
-              </a:spcBef>
-              <a:buFont typeface="Arial" panose="020B0604020202020204" pitchFamily="34" charset="0"/>
-              <a:buChar char="•"/>
-              <a:defRPr sz="1800" kern="1200">
-                <a:solidFill>
-                  <a:schemeClr val="tx1"/>
-                </a:solidFill>
-                <a:latin typeface="+mn-lt"/>
-                <a:ea typeface="+mn-ea"/>
-                <a:cs typeface="+mn-cs"/>
-              </a:defRPr>
-            </a:lvl6pPr>
-            <a:lvl7pPr marL="2971800" indent="-228600" algn="l" defTabSz="914400" rtl="0" eaLnBrk="1" latinLnBrk="0" hangingPunct="1">
-              <a:lnSpc>
-                <a:spcPct val="90000"/>
-              </a:lnSpc>
-              <a:spcBef>
-                <a:spcPts val="500"/>
-              </a:spcBef>
-              <a:buFont typeface="Arial" panose="020B0604020202020204" pitchFamily="34" charset="0"/>
-              <a:buChar char="•"/>
-              <a:defRPr sz="1800" kern="1200">
-                <a:solidFill>
-                  <a:schemeClr val="tx1"/>
-                </a:solidFill>
-                <a:latin typeface="+mn-lt"/>
-                <a:ea typeface="+mn-ea"/>
-                <a:cs typeface="+mn-cs"/>
-              </a:defRPr>
-            </a:lvl7pPr>
-            <a:lvl8pPr marL="3429000" indent="-228600" algn="l" defTabSz="914400" rtl="0" eaLnBrk="1" latinLnBrk="0" hangingPunct="1">
-              <a:lnSpc>
-                <a:spcPct val="90000"/>
-              </a:lnSpc>
-              <a:spcBef>
-                <a:spcPts val="500"/>
-              </a:spcBef>
-              <a:buFont typeface="Arial" panose="020B0604020202020204" pitchFamily="34" charset="0"/>
-              <a:buChar char="•"/>
-              <a:defRPr sz="1800" kern="1200">
-                <a:solidFill>
-                  <a:schemeClr val="tx1"/>
-                </a:solidFill>
-                <a:latin typeface="+mn-lt"/>
-                <a:ea typeface="+mn-ea"/>
-                <a:cs typeface="+mn-cs"/>
-              </a:defRPr>
-            </a:lvl8pPr>
-            <a:lvl9pPr marL="3886200" indent="-228600" algn="l" defTabSz="914400" rtl="0" eaLnBrk="1" latinLnBrk="0" hangingPunct="1">
-              <a:lnSpc>
-                <a:spcPct val="90000"/>
-              </a:lnSpc>
-              <a:spcBef>
-                <a:spcPts val="500"/>
-              </a:spcBef>
-              <a:buFont typeface="Arial" panose="020B0604020202020204" pitchFamily="34" charset="0"/>
-              <a:buChar char="•"/>
-              <a:defRPr sz="1800" kern="1200">
-                <a:solidFill>
-                  <a:schemeClr val="tx1"/>
-                </a:solidFill>
-                <a:latin typeface="+mn-lt"/>
-                <a:ea typeface="+mn-ea"/>
-                <a:cs typeface="+mn-cs"/>
-              </a:defRPr>
-            </a:lvl9pPr>
-          </a:lstStyle>
-          <a:p>
-            <a:pPr marL="0" indent="0">
-              <a:buNone/>
-            </a:pPr>
-            <a:r>
-              <a:rPr lang="pt-BR" b="1" dirty="0" smtClean="0"/>
-              <a:t>Resultado</a:t>
-            </a:r>
-            <a:r>
-              <a:rPr lang="pt-BR" dirty="0" smtClean="0"/>
-              <a:t>: </a:t>
-            </a:r>
-            <a:r>
-              <a:rPr lang="pt-BR" i="1" strike="sngStrike" dirty="0">
-                <a:solidFill>
-                  <a:srgbClr val="FF0000"/>
-                </a:solidFill>
-              </a:rPr>
-              <a:t>base de dados </a:t>
-            </a:r>
-            <a:r>
-              <a:rPr lang="pt-BR" i="1" dirty="0">
-                <a:solidFill>
-                  <a:srgbClr val="00B050"/>
-                </a:solidFill>
-              </a:rPr>
-              <a:t>, </a:t>
-            </a:r>
-            <a:r>
-              <a:rPr lang="pt-BR" i="1" strike="sngStrike" dirty="0">
-                <a:solidFill>
-                  <a:srgbClr val="FF0000"/>
-                </a:solidFill>
-              </a:rPr>
-              <a:t>empresa de consultoria </a:t>
-            </a:r>
-            <a:r>
-              <a:rPr lang="pt-BR" i="1" dirty="0">
-                <a:solidFill>
-                  <a:srgbClr val="00B050"/>
-                </a:solidFill>
-              </a:rPr>
-              <a:t>, </a:t>
-            </a:r>
-            <a:r>
-              <a:rPr lang="pt-BR" i="1" dirty="0" smtClean="0">
-                <a:solidFill>
-                  <a:srgbClr val="00B050"/>
-                </a:solidFill>
-              </a:rPr>
-              <a:t>empresa, projectos</a:t>
-            </a:r>
-            <a:r>
-              <a:rPr lang="pt-BR" i="1" dirty="0">
-                <a:solidFill>
-                  <a:srgbClr val="00B050"/>
-                </a:solidFill>
-              </a:rPr>
-              <a:t>, consultores, </a:t>
-            </a:r>
-            <a:endParaRPr lang="pt-BR" i="1" strike="sngStrike" dirty="0">
-              <a:solidFill>
-                <a:srgbClr val="FF0000"/>
-              </a:solidFill>
-            </a:endParaRPr>
-          </a:p>
-          <a:p>
-            <a:endParaRPr lang="it-IT" dirty="0"/>
-          </a:p>
-        </p:txBody>
-      </p:sp>
-      <p:sp>
-        <p:nvSpPr>
-          <p:cNvPr id="6" name="Rettangolo 5"/>
-          <p:cNvSpPr/>
-          <p:nvPr/>
-        </p:nvSpPr>
-        <p:spPr>
-          <a:xfrm>
-            <a:off x="2538808" y="5914278"/>
-            <a:ext cx="1645920" cy="733948"/>
-          </a:xfrm>
-          <a:prstGeom prst="rect">
-            <a:avLst/>
-          </a:prstGeom>
-        </p:spPr>
-        <p:style>
-          <a:lnRef idx="2">
-            <a:schemeClr val="accent1">
-              <a:shade val="50000"/>
-            </a:schemeClr>
-          </a:lnRef>
-          <a:fillRef idx="1">
-            <a:schemeClr val="accent1"/>
-          </a:fillRef>
-          <a:effectRef idx="0">
-            <a:schemeClr val="accent1"/>
-          </a:effectRef>
-          <a:fontRef idx="minor">
-            <a:schemeClr val="lt1"/>
-          </a:fontRef>
-        </p:style>
-        <p:txBody>
-          <a:bodyPr rtlCol="0" anchor="ctr"/>
-          <a:lstStyle/>
-          <a:p>
-            <a:pPr algn="ctr"/>
-            <a:r>
-              <a:rPr lang="pt-PT" dirty="0" smtClean="0"/>
-              <a:t>Empresa</a:t>
-            </a:r>
-            <a:endParaRPr lang="it-IT" dirty="0"/>
-          </a:p>
-        </p:txBody>
-      </p:sp>
-      <p:sp>
-        <p:nvSpPr>
-          <p:cNvPr id="7" name="Rettangolo 6"/>
-          <p:cNvSpPr/>
-          <p:nvPr/>
-        </p:nvSpPr>
-        <p:spPr>
-          <a:xfrm>
-            <a:off x="5023824" y="5914278"/>
-            <a:ext cx="1828800" cy="733948"/>
-          </a:xfrm>
-          <a:prstGeom prst="rect">
-            <a:avLst/>
-          </a:prstGeom>
-        </p:spPr>
-        <p:style>
-          <a:lnRef idx="2">
-            <a:schemeClr val="accent1">
-              <a:shade val="50000"/>
-            </a:schemeClr>
-          </a:lnRef>
-          <a:fillRef idx="1">
-            <a:schemeClr val="accent1"/>
-          </a:fillRef>
-          <a:effectRef idx="0">
-            <a:schemeClr val="accent1"/>
-          </a:effectRef>
-          <a:fontRef idx="minor">
-            <a:schemeClr val="lt1"/>
-          </a:fontRef>
-        </p:style>
-        <p:txBody>
-          <a:bodyPr rtlCol="0" anchor="ctr"/>
-          <a:lstStyle/>
-          <a:p>
-            <a:pPr algn="ctr"/>
-            <a:r>
-              <a:rPr lang="pt-PT" dirty="0" err="1" smtClean="0"/>
-              <a:t>Projecto</a:t>
-            </a:r>
-            <a:endParaRPr lang="it-IT" dirty="0"/>
-          </a:p>
-        </p:txBody>
-      </p:sp>
-      <p:sp>
-        <p:nvSpPr>
-          <p:cNvPr id="8" name="Rettangolo 7"/>
-          <p:cNvSpPr/>
-          <p:nvPr/>
-        </p:nvSpPr>
-        <p:spPr>
-          <a:xfrm>
-            <a:off x="7455052" y="5914278"/>
-            <a:ext cx="1904104" cy="733948"/>
-          </a:xfrm>
-          <a:prstGeom prst="rect">
-            <a:avLst/>
-          </a:prstGeom>
-        </p:spPr>
-        <p:style>
-          <a:lnRef idx="2">
-            <a:schemeClr val="accent1">
-              <a:shade val="50000"/>
-            </a:schemeClr>
-          </a:lnRef>
-          <a:fillRef idx="1">
-            <a:schemeClr val="accent1"/>
-          </a:fillRef>
-          <a:effectRef idx="0">
-            <a:schemeClr val="accent1"/>
-          </a:effectRef>
-          <a:fontRef idx="minor">
-            <a:schemeClr val="lt1"/>
-          </a:fontRef>
-        </p:style>
-        <p:txBody>
-          <a:bodyPr rtlCol="0" anchor="ctr"/>
-          <a:lstStyle/>
-          <a:p>
-            <a:pPr algn="ctr"/>
-            <a:r>
-              <a:rPr lang="pt-PT" dirty="0" smtClean="0"/>
-              <a:t>Consultor</a:t>
-            </a:r>
-            <a:endParaRPr lang="it-IT" dirty="0"/>
-          </a:p>
-        </p:txBody>
-      </p:sp>
-    </p:spTree>
-    <p:extLst>
-      <p:ext uri="{BB962C8B-B14F-4D97-AF65-F5344CB8AC3E}">
-        <p14:creationId xmlns:p14="http://schemas.microsoft.com/office/powerpoint/2010/main" val="4242482355"/>
-      </p:ext>
-    </p:extLst>
-  </p:cSld>
-  <p:clrMapOvr>
-    <a:masterClrMapping/>
-  </p:clrMapOvr>
-  <p:timing>
-    <p:tnLst>
-      <p:par>
-        <p:cTn id="1" dur="indefinite" restart="never" nodeType="tmRoot"/>
-      </p:par>
-    </p:tnLst>
-  </p:timing>
-</p:sld>
-</file>
-
-<file path=ppt/slides/slide8.xml><?xml version="1.0" encoding="utf-8"?>
-<p:sld xmlns:a="http://schemas.openxmlformats.org/drawingml/2006/main" xmlns:r="http://schemas.openxmlformats.org/officeDocument/2006/relationships" xmlns:p="http://schemas.openxmlformats.org/presentationml/2006/main">
-  <p:cSld>
-    <p:spTree>
-      <p:nvGrpSpPr>
-        <p:cNvPr id="1" name=""/>
-        <p:cNvGrpSpPr/>
-        <p:nvPr/>
-      </p:nvGrpSpPr>
-      <p:grpSpPr>
-        <a:xfrm>
-          <a:off x="0" y="0"/>
-          <a:ext cx="0" cy="0"/>
-          <a:chOff x="0" y="0"/>
-          <a:chExt cx="0" cy="0"/>
-        </a:xfrm>
-      </p:grpSpPr>
-      <p:sp>
-        <p:nvSpPr>
-          <p:cNvPr id="2" name="Titolo 1"/>
-          <p:cNvSpPr>
-            <a:spLocks noGrp="1"/>
-          </p:cNvSpPr>
-          <p:nvPr>
-            <p:ph type="title"/>
-          </p:nvPr>
-        </p:nvSpPr>
-        <p:spPr/>
-        <p:txBody>
-          <a:bodyPr>
-            <a:noAutofit/>
-          </a:bodyPr>
-          <a:lstStyle/>
-          <a:p>
-            <a:r>
-              <a:rPr lang="pt-BR" sz="2400" b="1" cap="none" dirty="0"/>
-              <a:t>6º Passo – Para cada par de ENTIDADES, identificar </a:t>
-            </a:r>
-            <a:r>
-              <a:rPr lang="pt-BR" sz="2400" b="1" cap="none" dirty="0" smtClean="0"/>
-              <a:t>os RELACIONAMENTOS </a:t>
-            </a:r>
-            <a:r>
-              <a:rPr lang="pt-BR" sz="2400" b="1" cap="none" dirty="0"/>
-              <a:t>existentes entre elas - caso haja algum. </a:t>
-            </a:r>
-            <a:r>
-              <a:rPr lang="pt-BR" sz="2400" b="1" cap="none" dirty="0" smtClean="0"/>
-              <a:t>Utilizar verbos </a:t>
-            </a:r>
-            <a:r>
-              <a:rPr lang="pt-BR" sz="2400" b="1" cap="none" dirty="0"/>
-              <a:t>ou preposições para demonstrar os RELACIONAMENTOS </a:t>
-            </a:r>
-            <a:r>
-              <a:rPr lang="pt-BR" sz="2400" b="1" cap="none" dirty="0" smtClean="0"/>
-              <a:t>de dependência </a:t>
-            </a:r>
-            <a:r>
-              <a:rPr lang="pt-BR" sz="2400" b="1" cap="none" dirty="0"/>
-              <a:t>ou existência e incluir informações sobre a cardinalidade.</a:t>
-            </a:r>
-            <a:endParaRPr lang="it-IT" sz="2400" cap="none" dirty="0"/>
-          </a:p>
-        </p:txBody>
-      </p:sp>
-      <p:sp>
-        <p:nvSpPr>
-          <p:cNvPr id="3" name="Segnaposto contenuto 2"/>
-          <p:cNvSpPr>
-            <a:spLocks noGrp="1"/>
-          </p:cNvSpPr>
-          <p:nvPr>
-            <p:ph idx="1"/>
-          </p:nvPr>
-        </p:nvSpPr>
-        <p:spPr/>
-        <p:txBody>
-          <a:bodyPr>
-            <a:normAutofit/>
-          </a:bodyPr>
-          <a:lstStyle/>
-          <a:p>
-            <a:r>
-              <a:rPr lang="it-IT" b="1" dirty="0" err="1"/>
-              <a:t>Resultado</a:t>
-            </a:r>
-            <a:r>
-              <a:rPr lang="it-IT" dirty="0" smtClean="0"/>
-              <a:t>:</a:t>
-            </a:r>
-          </a:p>
-          <a:p>
-            <a:pPr marL="0" indent="0">
-              <a:buNone/>
-            </a:pPr>
-            <a:r>
-              <a:rPr lang="it-IT" dirty="0" smtClean="0"/>
-              <a:t>EMPRESA </a:t>
-            </a:r>
-            <a:r>
-              <a:rPr lang="it-IT" dirty="0"/>
-              <a:t>x </a:t>
-            </a:r>
-            <a:r>
-              <a:rPr lang="it-IT" dirty="0" smtClean="0"/>
-              <a:t>PROJECTO</a:t>
-            </a:r>
-            <a:endParaRPr lang="it-IT" dirty="0"/>
-          </a:p>
-          <a:p>
-            <a:pPr lvl="2"/>
-            <a:r>
-              <a:rPr lang="pt-BR" dirty="0" smtClean="0"/>
-              <a:t>Uma empresa pode ter </a:t>
-            </a:r>
-            <a:r>
-              <a:rPr lang="pt-BR" dirty="0" smtClean="0">
-                <a:solidFill>
-                  <a:srgbClr val="FF0000"/>
-                </a:solidFill>
-              </a:rPr>
-              <a:t>um ou vários </a:t>
-            </a:r>
-            <a:r>
-              <a:rPr lang="pt-BR" dirty="0" smtClean="0"/>
-              <a:t>projectos;</a:t>
-            </a:r>
-            <a:endParaRPr lang="pt-BR" dirty="0"/>
-          </a:p>
-          <a:p>
-            <a:pPr lvl="2"/>
-            <a:r>
-              <a:rPr lang="pt-BR" dirty="0" smtClean="0"/>
-              <a:t>Um projecto  pertece à </a:t>
-            </a:r>
-            <a:r>
-              <a:rPr lang="pt-BR" dirty="0" smtClean="0">
-                <a:solidFill>
-                  <a:srgbClr val="FF0000"/>
-                </a:solidFill>
-              </a:rPr>
-              <a:t>apenas uma </a:t>
-            </a:r>
-            <a:r>
-              <a:rPr lang="pt-BR" dirty="0" smtClean="0"/>
-              <a:t>empresa;</a:t>
-            </a:r>
-            <a:endParaRPr lang="it-IT" dirty="0" smtClean="0"/>
-          </a:p>
-          <a:p>
-            <a:pPr marL="0" indent="0">
-              <a:buNone/>
-            </a:pPr>
-            <a:r>
-              <a:rPr lang="it-IT" dirty="0" smtClean="0"/>
-              <a:t>EMPRESA </a:t>
-            </a:r>
-            <a:r>
-              <a:rPr lang="it-IT" dirty="0"/>
-              <a:t>x </a:t>
-            </a:r>
-            <a:r>
-              <a:rPr lang="it-IT" dirty="0" smtClean="0"/>
-              <a:t>CONSULTOR</a:t>
-            </a:r>
-            <a:endParaRPr lang="it-IT" dirty="0"/>
-          </a:p>
-          <a:p>
-            <a:pPr lvl="2"/>
-            <a:r>
-              <a:rPr lang="pt-BR" dirty="0" smtClean="0"/>
-              <a:t>Não existe uma relação directa entre o consultor e a empresa</a:t>
-            </a:r>
-            <a:endParaRPr lang="pt-BR" dirty="0"/>
-          </a:p>
-          <a:p>
-            <a:pPr marL="0" indent="0">
-              <a:buNone/>
-            </a:pPr>
-            <a:r>
-              <a:rPr lang="it-IT" dirty="0" smtClean="0"/>
-              <a:t>PROJECTO </a:t>
-            </a:r>
-            <a:r>
-              <a:rPr lang="it-IT" dirty="0"/>
-              <a:t>x </a:t>
-            </a:r>
-            <a:r>
-              <a:rPr lang="it-IT" dirty="0" smtClean="0"/>
-              <a:t>CONSULTOR</a:t>
-            </a:r>
-            <a:endParaRPr lang="it-IT" dirty="0"/>
-          </a:p>
-          <a:p>
-            <a:pPr lvl="2"/>
-            <a:r>
-              <a:rPr lang="pt-BR" dirty="0" smtClean="0"/>
-              <a:t>Num projecto podem trabalhar </a:t>
-            </a:r>
-            <a:r>
-              <a:rPr lang="pt-BR" dirty="0" smtClean="0">
-                <a:solidFill>
-                  <a:srgbClr val="FF0000"/>
-                </a:solidFill>
-              </a:rPr>
-              <a:t>um ou varios </a:t>
-            </a:r>
-            <a:r>
-              <a:rPr lang="pt-BR" dirty="0" smtClean="0"/>
-              <a:t>consultores</a:t>
-            </a:r>
-            <a:endParaRPr lang="pt-BR" dirty="0"/>
-          </a:p>
-          <a:p>
-            <a:pPr lvl="2"/>
-            <a:r>
-              <a:rPr lang="pt-BR" dirty="0" smtClean="0"/>
-              <a:t>Um consultor pode trabalhar </a:t>
-            </a:r>
-            <a:r>
-              <a:rPr lang="pt-BR" dirty="0" smtClean="0">
-                <a:solidFill>
-                  <a:srgbClr val="FF0000"/>
-                </a:solidFill>
-              </a:rPr>
-              <a:t>num ou vários </a:t>
-            </a:r>
-            <a:r>
-              <a:rPr lang="pt-BR" dirty="0" smtClean="0"/>
-              <a:t>projectos</a:t>
-            </a:r>
-            <a:endParaRPr lang="it-IT" dirty="0" smtClean="0"/>
-          </a:p>
-        </p:txBody>
-      </p:sp>
-    </p:spTree>
-    <p:extLst>
-      <p:ext uri="{BB962C8B-B14F-4D97-AF65-F5344CB8AC3E}">
-        <p14:creationId xmlns:p14="http://schemas.microsoft.com/office/powerpoint/2010/main" val="2226643132"/>
-      </p:ext>
-    </p:extLst>
-  </p:cSld>
-  <p:clrMapOvr>
-    <a:masterClrMapping/>
-  </p:clrMapOvr>
-  <p:timing>
-    <p:tnLst>
-      <p:par>
-        <p:cTn id="1" dur="indefinite" restart="never" nodeType="tmRoot"/>
-      </p:par>
-    </p:tnLst>
-  </p:timing>
-</p:sld>
-</file>
-
-<file path=ppt/slides/slide9.xml><?xml version="1.0" encoding="utf-8"?>
-<p:sld xmlns:a="http://schemas.openxmlformats.org/drawingml/2006/main" xmlns:r="http://schemas.openxmlformats.org/officeDocument/2006/relationships" xmlns:p="http://schemas.openxmlformats.org/presentationml/2006/main">
-  <p:cSld>
-    <p:spTree>
-      <p:nvGrpSpPr>
-        <p:cNvPr id="1" name=""/>
-        <p:cNvGrpSpPr/>
-        <p:nvPr/>
-      </p:nvGrpSpPr>
-      <p:grpSpPr>
-        <a:xfrm>
-          <a:off x="0" y="0"/>
-          <a:ext cx="0" cy="0"/>
-          <a:chOff x="0" y="0"/>
-          <a:chExt cx="0" cy="0"/>
-        </a:xfrm>
-      </p:grpSpPr>
-      <p:sp>
-        <p:nvSpPr>
-          <p:cNvPr id="2" name="Titolo 1"/>
-          <p:cNvSpPr>
-            <a:spLocks noGrp="1"/>
-          </p:cNvSpPr>
-          <p:nvPr>
-            <p:ph type="title"/>
-          </p:nvPr>
-        </p:nvSpPr>
-        <p:spPr>
-          <a:xfrm>
-            <a:off x="1069848" y="280233"/>
-            <a:ext cx="10058400" cy="1609344"/>
-          </a:xfrm>
-        </p:spPr>
-        <p:txBody>
-          <a:bodyPr>
-            <a:noAutofit/>
-          </a:bodyPr>
-          <a:lstStyle/>
-          <a:p>
-            <a:r>
-              <a:rPr lang="pt-BR" sz="3200" b="1" cap="none" dirty="0"/>
-              <a:t>7º Passo - Identificar os atributos de cada ENTIDADE, ou seja, </a:t>
-            </a:r>
-            <a:r>
-              <a:rPr lang="pt-BR" sz="3200" b="1" cap="none" dirty="0" smtClean="0"/>
-              <a:t>quais </a:t>
-            </a:r>
-            <a:r>
-              <a:rPr lang="it-IT" sz="3200" b="1" cap="none" dirty="0" err="1" smtClean="0"/>
-              <a:t>informações</a:t>
-            </a:r>
-            <a:r>
-              <a:rPr lang="it-IT" sz="3200" b="1" cap="none" dirty="0" smtClean="0"/>
-              <a:t> </a:t>
-            </a:r>
-            <a:r>
-              <a:rPr lang="it-IT" sz="3200" b="1" cap="none" dirty="0" err="1"/>
-              <a:t>deverão</a:t>
-            </a:r>
-            <a:r>
-              <a:rPr lang="it-IT" sz="3200" b="1" cap="none" dirty="0"/>
-              <a:t> ser </a:t>
-            </a:r>
-            <a:r>
-              <a:rPr lang="it-IT" sz="3200" b="1" cap="none" dirty="0" err="1"/>
-              <a:t>armazenadas</a:t>
-            </a:r>
-            <a:endParaRPr lang="it-IT" sz="3200" cap="none" dirty="0"/>
-          </a:p>
-        </p:txBody>
-      </p:sp>
-      <p:sp>
-        <p:nvSpPr>
-          <p:cNvPr id="3" name="Segnaposto contenuto 2"/>
-          <p:cNvSpPr>
-            <a:spLocks noGrp="1"/>
-          </p:cNvSpPr>
-          <p:nvPr>
-            <p:ph idx="1"/>
-          </p:nvPr>
-        </p:nvSpPr>
-        <p:spPr>
-          <a:xfrm>
-            <a:off x="838200" y="1825625"/>
-            <a:ext cx="3131372" cy="2864709"/>
-          </a:xfrm>
-        </p:spPr>
-        <p:txBody>
-          <a:bodyPr>
-            <a:normAutofit/>
-          </a:bodyPr>
-          <a:lstStyle/>
-          <a:p>
-            <a:pPr marL="0" indent="0">
-              <a:buNone/>
-            </a:pPr>
-            <a:r>
-              <a:rPr lang="pt-PT" b="1" dirty="0" smtClean="0"/>
-              <a:t>Empresa</a:t>
-            </a:r>
-            <a:endParaRPr lang="it-IT" dirty="0"/>
-          </a:p>
-          <a:p>
-            <a:pPr lvl="1"/>
-            <a:r>
-              <a:rPr lang="pt-BR" dirty="0" smtClean="0"/>
-              <a:t>Código</a:t>
-            </a:r>
-          </a:p>
-          <a:p>
-            <a:pPr lvl="1"/>
-            <a:r>
-              <a:rPr lang="pt-BR" dirty="0" smtClean="0"/>
-              <a:t>nome </a:t>
-            </a:r>
-          </a:p>
-          <a:p>
-            <a:pPr lvl="1"/>
-            <a:r>
-              <a:rPr lang="pt-BR" b="1" dirty="0" smtClean="0"/>
-              <a:t>endereço</a:t>
-            </a:r>
-            <a:r>
-              <a:rPr lang="pt-BR" dirty="0" smtClean="0"/>
-              <a:t> </a:t>
-            </a:r>
-          </a:p>
-          <a:p>
-            <a:pPr lvl="3"/>
-            <a:r>
-              <a:rPr lang="pt-BR" dirty="0" smtClean="0"/>
-              <a:t>casa</a:t>
-            </a:r>
-          </a:p>
-          <a:p>
-            <a:pPr lvl="3"/>
-            <a:r>
-              <a:rPr lang="pt-BR" dirty="0" smtClean="0"/>
-              <a:t>rua</a:t>
-            </a:r>
-          </a:p>
-          <a:p>
-            <a:pPr lvl="3"/>
-            <a:r>
-              <a:rPr lang="pt-BR" dirty="0" smtClean="0"/>
-              <a:t> bairro</a:t>
-            </a:r>
-          </a:p>
-          <a:p>
-            <a:pPr lvl="3"/>
-            <a:r>
-              <a:rPr lang="pt-BR" dirty="0" smtClean="0"/>
-              <a:t>distrito</a:t>
-            </a:r>
-          </a:p>
-          <a:p>
-            <a:pPr lvl="3"/>
-            <a:r>
-              <a:rPr lang="pt-BR" dirty="0" smtClean="0"/>
-              <a:t> municipio</a:t>
-            </a:r>
-          </a:p>
-        </p:txBody>
-      </p:sp>
-      <p:sp>
-        <p:nvSpPr>
-          <p:cNvPr id="4" name="Segnaposto contenuto 2"/>
-          <p:cNvSpPr txBox="1">
-            <a:spLocks/>
-          </p:cNvSpPr>
-          <p:nvPr/>
-        </p:nvSpPr>
-        <p:spPr>
-          <a:xfrm>
-            <a:off x="4357743" y="1747951"/>
-            <a:ext cx="2742304" cy="3413349"/>
-          </a:xfrm>
-          <a:prstGeom prst="rect">
-            <a:avLst/>
-          </a:prstGeom>
-        </p:spPr>
-        <p:txBody>
-          <a:bodyPr vert="horz" lIns="91440" tIns="45720" rIns="91440" bIns="45720" rtlCol="0">
-            <a:normAutofit/>
-          </a:bodyPr>
-          <a:lstStyle>
-            <a:lvl1pPr marL="228600" indent="-228600" algn="l" defTabSz="914400" rtl="0" eaLnBrk="1" latinLnBrk="0" hangingPunct="1">
-              <a:lnSpc>
-                <a:spcPct val="90000"/>
-              </a:lnSpc>
-              <a:spcBef>
-                <a:spcPts val="1000"/>
-              </a:spcBef>
-              <a:buFont typeface="Arial" panose="020B0604020202020204" pitchFamily="34" charset="0"/>
-              <a:buChar char="•"/>
-              <a:defRPr sz="2800" kern="1200">
-                <a:solidFill>
-                  <a:schemeClr val="tx1"/>
-                </a:solidFill>
-                <a:latin typeface="+mn-lt"/>
-                <a:ea typeface="+mn-ea"/>
-                <a:cs typeface="+mn-cs"/>
-              </a:defRPr>
-            </a:lvl1pPr>
-            <a:lvl2pPr marL="685800" indent="-228600" algn="l" defTabSz="914400" rtl="0" eaLnBrk="1" latinLnBrk="0" hangingPunct="1">
-              <a:lnSpc>
-                <a:spcPct val="90000"/>
-              </a:lnSpc>
-              <a:spcBef>
-                <a:spcPts val="500"/>
-              </a:spcBef>
-              <a:buFont typeface="Arial" panose="020B0604020202020204" pitchFamily="34" charset="0"/>
-              <a:buChar char="•"/>
-              <a:defRPr sz="2400" kern="1200">
-                <a:solidFill>
-                  <a:schemeClr val="tx1"/>
-                </a:solidFill>
-                <a:latin typeface="+mn-lt"/>
-                <a:ea typeface="+mn-ea"/>
-                <a:cs typeface="+mn-cs"/>
-              </a:defRPr>
-            </a:lvl2pPr>
-            <a:lvl3pPr marL="1143000" indent="-228600" algn="l" defTabSz="914400" rtl="0" eaLnBrk="1" latinLnBrk="0" hangingPunct="1">
-              <a:lnSpc>
-                <a:spcPct val="90000"/>
-              </a:lnSpc>
-              <a:spcBef>
-                <a:spcPts val="500"/>
-              </a:spcBef>
-              <a:buFont typeface="Arial" panose="020B0604020202020204" pitchFamily="34" charset="0"/>
-              <a:buChar char="•"/>
-              <a:defRPr sz="2000" kern="1200">
-                <a:solidFill>
-                  <a:schemeClr val="tx1"/>
-                </a:solidFill>
-                <a:latin typeface="+mn-lt"/>
-                <a:ea typeface="+mn-ea"/>
-                <a:cs typeface="+mn-cs"/>
-              </a:defRPr>
-            </a:lvl3pPr>
-            <a:lvl4pPr marL="1600200" indent="-228600" algn="l" defTabSz="914400" rtl="0" eaLnBrk="1" latinLnBrk="0" hangingPunct="1">
-              <a:lnSpc>
-                <a:spcPct val="90000"/>
-              </a:lnSpc>
-              <a:spcBef>
-                <a:spcPts val="500"/>
-              </a:spcBef>
-              <a:buFont typeface="Arial" panose="020B0604020202020204" pitchFamily="34" charset="0"/>
-              <a:buChar char="•"/>
-              <a:defRPr sz="1800" kern="1200">
-                <a:solidFill>
-                  <a:schemeClr val="tx1"/>
-                </a:solidFill>
-                <a:latin typeface="+mn-lt"/>
-                <a:ea typeface="+mn-ea"/>
-                <a:cs typeface="+mn-cs"/>
-              </a:defRPr>
-            </a:lvl4pPr>
-            <a:lvl5pPr marL="2057400" indent="-228600" algn="l" defTabSz="914400" rtl="0" eaLnBrk="1" latinLnBrk="0" hangingPunct="1">
-              <a:lnSpc>
-                <a:spcPct val="90000"/>
-              </a:lnSpc>
-              <a:spcBef>
-                <a:spcPts val="500"/>
-              </a:spcBef>
-              <a:buFont typeface="Arial" panose="020B0604020202020204" pitchFamily="34" charset="0"/>
-              <a:buChar char="•"/>
-              <a:defRPr sz="1800" kern="1200">
-                <a:solidFill>
-                  <a:schemeClr val="tx1"/>
-                </a:solidFill>
-                <a:latin typeface="+mn-lt"/>
-                <a:ea typeface="+mn-ea"/>
-                <a:cs typeface="+mn-cs"/>
-              </a:defRPr>
-            </a:lvl5pPr>
-            <a:lvl6pPr marL="2514600" indent="-228600" algn="l" defTabSz="914400" rtl="0" eaLnBrk="1" latinLnBrk="0" hangingPunct="1">
-              <a:lnSpc>
-                <a:spcPct val="90000"/>
-              </a:lnSpc>
-              <a:spcBef>
-                <a:spcPts val="500"/>
-              </a:spcBef>
-              <a:buFont typeface="Arial" panose="020B0604020202020204" pitchFamily="34" charset="0"/>
-              <a:buChar char="•"/>
-              <a:defRPr sz="1800" kern="1200">
-                <a:solidFill>
-                  <a:schemeClr val="tx1"/>
-                </a:solidFill>
-                <a:latin typeface="+mn-lt"/>
-                <a:ea typeface="+mn-ea"/>
-                <a:cs typeface="+mn-cs"/>
-              </a:defRPr>
-            </a:lvl6pPr>
-            <a:lvl7pPr marL="2971800" indent="-228600" algn="l" defTabSz="914400" rtl="0" eaLnBrk="1" latinLnBrk="0" hangingPunct="1">
-              <a:lnSpc>
-                <a:spcPct val="90000"/>
-              </a:lnSpc>
-              <a:spcBef>
-                <a:spcPts val="500"/>
-              </a:spcBef>
-              <a:buFont typeface="Arial" panose="020B0604020202020204" pitchFamily="34" charset="0"/>
-              <a:buChar char="•"/>
-              <a:defRPr sz="1800" kern="1200">
-                <a:solidFill>
-                  <a:schemeClr val="tx1"/>
-                </a:solidFill>
-                <a:latin typeface="+mn-lt"/>
-                <a:ea typeface="+mn-ea"/>
-                <a:cs typeface="+mn-cs"/>
-              </a:defRPr>
-            </a:lvl7pPr>
-            <a:lvl8pPr marL="3429000" indent="-228600" algn="l" defTabSz="914400" rtl="0" eaLnBrk="1" latinLnBrk="0" hangingPunct="1">
-              <a:lnSpc>
-                <a:spcPct val="90000"/>
-              </a:lnSpc>
-              <a:spcBef>
-                <a:spcPts val="500"/>
-              </a:spcBef>
-              <a:buFont typeface="Arial" panose="020B0604020202020204" pitchFamily="34" charset="0"/>
-              <a:buChar char="•"/>
-              <a:defRPr sz="1800" kern="1200">
-                <a:solidFill>
-                  <a:schemeClr val="tx1"/>
-                </a:solidFill>
-                <a:latin typeface="+mn-lt"/>
-                <a:ea typeface="+mn-ea"/>
-                <a:cs typeface="+mn-cs"/>
-              </a:defRPr>
-            </a:lvl8pPr>
-            <a:lvl9pPr marL="3886200" indent="-228600" algn="l" defTabSz="914400" rtl="0" eaLnBrk="1" latinLnBrk="0" hangingPunct="1">
-              <a:lnSpc>
-                <a:spcPct val="90000"/>
-              </a:lnSpc>
-              <a:spcBef>
-                <a:spcPts val="500"/>
-              </a:spcBef>
-              <a:buFont typeface="Arial" panose="020B0604020202020204" pitchFamily="34" charset="0"/>
-              <a:buChar char="•"/>
-              <a:defRPr sz="1800" kern="1200">
-                <a:solidFill>
-                  <a:schemeClr val="tx1"/>
-                </a:solidFill>
-                <a:latin typeface="+mn-lt"/>
-                <a:ea typeface="+mn-ea"/>
-                <a:cs typeface="+mn-cs"/>
-              </a:defRPr>
-            </a:lvl9pPr>
-          </a:lstStyle>
-          <a:p>
-            <a:pPr marL="0" indent="0">
-              <a:buNone/>
-            </a:pPr>
-            <a:r>
-              <a:rPr lang="pt-PT" sz="2000" b="1" dirty="0" err="1" smtClean="0"/>
-              <a:t>Projecto</a:t>
-            </a:r>
-            <a:endParaRPr lang="it-IT" sz="2000" dirty="0" smtClean="0"/>
-          </a:p>
-          <a:p>
-            <a:pPr lvl="1"/>
-            <a:r>
-              <a:rPr lang="pt-BR" sz="1800" dirty="0" smtClean="0"/>
-              <a:t>número </a:t>
-            </a:r>
-          </a:p>
-          <a:p>
-            <a:pPr lvl="1"/>
-            <a:r>
-              <a:rPr lang="pt-BR" sz="1800" dirty="0" smtClean="0"/>
-              <a:t>data </a:t>
-            </a:r>
-            <a:r>
-              <a:rPr lang="pt-BR" sz="1800" dirty="0"/>
-              <a:t>de </a:t>
-            </a:r>
-            <a:r>
-              <a:rPr lang="pt-BR" sz="1800" dirty="0" smtClean="0"/>
-              <a:t>início</a:t>
-            </a:r>
-          </a:p>
-          <a:p>
-            <a:pPr lvl="1"/>
-            <a:r>
-              <a:rPr lang="pt-BR" sz="1800" dirty="0"/>
-              <a:t>data </a:t>
-            </a:r>
-            <a:r>
-              <a:rPr lang="pt-BR" sz="1800" dirty="0" smtClean="0"/>
-              <a:t>término </a:t>
-            </a:r>
-          </a:p>
-          <a:p>
-            <a:pPr lvl="1"/>
-            <a:r>
-              <a:rPr lang="pt-BR" sz="1800" dirty="0" smtClean="0"/>
-              <a:t>valor </a:t>
-            </a:r>
-            <a:endParaRPr lang="it-IT" sz="1800" dirty="0"/>
-          </a:p>
-          <a:p>
-            <a:pPr marL="0" indent="0">
-              <a:buNone/>
-            </a:pPr>
-            <a:r>
-              <a:rPr lang="pt-PT" sz="2000" b="1" dirty="0" smtClean="0"/>
-              <a:t>Consultor</a:t>
-            </a:r>
-            <a:endParaRPr lang="it-IT" sz="2000" dirty="0"/>
-          </a:p>
-          <a:p>
-            <a:pPr lvl="1"/>
-            <a:r>
-              <a:rPr lang="pt-BR" sz="1800" dirty="0"/>
-              <a:t>número</a:t>
-            </a:r>
-            <a:endParaRPr lang="it-IT" sz="1800" dirty="0"/>
-          </a:p>
-          <a:p>
-            <a:pPr lvl="1"/>
-            <a:r>
-              <a:rPr lang="it-IT" sz="1800" dirty="0" smtClean="0"/>
-              <a:t>nome</a:t>
-            </a:r>
-            <a:endParaRPr lang="it-IT" sz="1800" dirty="0"/>
-          </a:p>
-          <a:p>
-            <a:pPr lvl="1"/>
-            <a:r>
-              <a:rPr lang="pt-PT" sz="1800" dirty="0" smtClean="0"/>
-              <a:t>documento</a:t>
-            </a:r>
-            <a:endParaRPr lang="it-IT" sz="1800" dirty="0"/>
-          </a:p>
-          <a:p>
-            <a:pPr lvl="1"/>
-            <a:r>
-              <a:rPr lang="pt-PT" sz="1800" b="1" dirty="0" smtClean="0">
-                <a:solidFill>
-                  <a:srgbClr val="C00000"/>
-                </a:solidFill>
-              </a:rPr>
-              <a:t>especialidade</a:t>
-            </a:r>
-            <a:endParaRPr lang="it-IT" sz="1800" b="1" dirty="0">
-              <a:solidFill>
-                <a:srgbClr val="C00000"/>
-              </a:solidFill>
-            </a:endParaRPr>
-          </a:p>
-          <a:p>
-            <a:pPr lvl="1"/>
-            <a:endParaRPr lang="pt-PT" dirty="0"/>
-          </a:p>
-        </p:txBody>
-      </p:sp>
-      <p:sp>
-        <p:nvSpPr>
-          <p:cNvPr id="5" name="CasellaDiTesto 4"/>
-          <p:cNvSpPr txBox="1"/>
-          <p:nvPr/>
-        </p:nvSpPr>
-        <p:spPr>
-          <a:xfrm>
-            <a:off x="1132422" y="5161300"/>
-            <a:ext cx="9537192" cy="1600438"/>
-          </a:xfrm>
-          <a:prstGeom prst="rect">
-            <a:avLst/>
-          </a:prstGeom>
-        </p:spPr>
-        <p:style>
-          <a:lnRef idx="2">
-            <a:schemeClr val="accent2"/>
-          </a:lnRef>
-          <a:fillRef idx="1">
-            <a:schemeClr val="lt1"/>
-          </a:fillRef>
-          <a:effectRef idx="0">
-            <a:schemeClr val="accent2"/>
-          </a:effectRef>
-          <a:fontRef idx="minor">
-            <a:schemeClr val="dk1"/>
-          </a:fontRef>
-        </p:style>
-        <p:txBody>
-          <a:bodyPr wrap="square" rtlCol="0">
-            <a:spAutoFit/>
-          </a:bodyPr>
-          <a:lstStyle/>
-          <a:p>
-            <a:r>
-              <a:rPr lang="pt-BR" sz="1600" dirty="0"/>
-              <a:t>De acordo com o solicitado pelo cliente, para cada projecto dever-se-á armazenar o código, nome e endereço da empresa que solicitou o projecto, o número do projecto, a data de início e de término do projecto, o valor do projeto, o número, nome, número do documento de identidade e </a:t>
-            </a:r>
-            <a:r>
-              <a:rPr lang="pt-BR" sz="1600" dirty="0" smtClean="0"/>
-              <a:t>especialidade </a:t>
-            </a:r>
-            <a:r>
-              <a:rPr lang="pt-BR" sz="1600" dirty="0"/>
-              <a:t>dos consultores que participaram do projecto, </a:t>
-            </a:r>
-            <a:r>
-              <a:rPr lang="pt-BR" sz="1600" i="1" dirty="0">
-                <a:solidFill>
-                  <a:srgbClr val="00B050"/>
-                </a:solidFill>
-              </a:rPr>
-              <a:t>as horas que trabalharam em cada projecto e a função que algum deles exerceu (líder ou membro) no projecto. </a:t>
-            </a:r>
-          </a:p>
-          <a:p>
-            <a:endParaRPr lang="it-IT" dirty="0"/>
-          </a:p>
-        </p:txBody>
-      </p:sp>
-      <p:sp>
-        <p:nvSpPr>
-          <p:cNvPr id="6" name="Segnaposto contenuto 2"/>
-          <p:cNvSpPr txBox="1">
-            <a:spLocks/>
-          </p:cNvSpPr>
-          <p:nvPr/>
-        </p:nvSpPr>
-        <p:spPr>
-          <a:xfrm>
-            <a:off x="7488218" y="1825625"/>
-            <a:ext cx="3065034" cy="3413349"/>
-          </a:xfrm>
-          <a:prstGeom prst="rect">
-            <a:avLst/>
-          </a:prstGeom>
-        </p:spPr>
-        <p:txBody>
-          <a:bodyPr vert="horz" lIns="91440" tIns="45720" rIns="91440" bIns="45720" rtlCol="0">
-            <a:normAutofit/>
-          </a:bodyPr>
-          <a:lstStyle>
-            <a:lvl1pPr marL="228600" indent="-228600" algn="l" defTabSz="914400" rtl="0" eaLnBrk="1" latinLnBrk="0" hangingPunct="1">
-              <a:lnSpc>
-                <a:spcPct val="90000"/>
-              </a:lnSpc>
-              <a:spcBef>
-                <a:spcPts val="1000"/>
-              </a:spcBef>
-              <a:buFont typeface="Arial" panose="020B0604020202020204" pitchFamily="34" charset="0"/>
-              <a:buChar char="•"/>
-              <a:defRPr sz="2800" kern="1200">
-                <a:solidFill>
-                  <a:schemeClr val="tx1"/>
-                </a:solidFill>
-                <a:latin typeface="+mn-lt"/>
-                <a:ea typeface="+mn-ea"/>
-                <a:cs typeface="+mn-cs"/>
-              </a:defRPr>
-            </a:lvl1pPr>
-            <a:lvl2pPr marL="685800" indent="-228600" algn="l" defTabSz="914400" rtl="0" eaLnBrk="1" latinLnBrk="0" hangingPunct="1">
-              <a:lnSpc>
-                <a:spcPct val="90000"/>
-              </a:lnSpc>
-              <a:spcBef>
-                <a:spcPts val="500"/>
-              </a:spcBef>
-              <a:buFont typeface="Arial" panose="020B0604020202020204" pitchFamily="34" charset="0"/>
-              <a:buChar char="•"/>
-              <a:defRPr sz="2400" kern="1200">
-                <a:solidFill>
-                  <a:schemeClr val="tx1"/>
-                </a:solidFill>
-                <a:latin typeface="+mn-lt"/>
-                <a:ea typeface="+mn-ea"/>
-                <a:cs typeface="+mn-cs"/>
-              </a:defRPr>
-            </a:lvl2pPr>
-            <a:lvl3pPr marL="1143000" indent="-228600" algn="l" defTabSz="914400" rtl="0" eaLnBrk="1" latinLnBrk="0" hangingPunct="1">
-              <a:lnSpc>
-                <a:spcPct val="90000"/>
-              </a:lnSpc>
-              <a:spcBef>
-                <a:spcPts val="500"/>
-              </a:spcBef>
-              <a:buFont typeface="Arial" panose="020B0604020202020204" pitchFamily="34" charset="0"/>
-              <a:buChar char="•"/>
-              <a:defRPr sz="2000" kern="1200">
-                <a:solidFill>
-                  <a:schemeClr val="tx1"/>
-                </a:solidFill>
-                <a:latin typeface="+mn-lt"/>
-                <a:ea typeface="+mn-ea"/>
-                <a:cs typeface="+mn-cs"/>
-              </a:defRPr>
-            </a:lvl3pPr>
-            <a:lvl4pPr marL="1600200" indent="-228600" algn="l" defTabSz="914400" rtl="0" eaLnBrk="1" latinLnBrk="0" hangingPunct="1">
-              <a:lnSpc>
-                <a:spcPct val="90000"/>
-              </a:lnSpc>
-              <a:spcBef>
-                <a:spcPts val="500"/>
-              </a:spcBef>
-              <a:buFont typeface="Arial" panose="020B0604020202020204" pitchFamily="34" charset="0"/>
-              <a:buChar char="•"/>
-              <a:defRPr sz="1800" kern="1200">
-                <a:solidFill>
-                  <a:schemeClr val="tx1"/>
-                </a:solidFill>
-                <a:latin typeface="+mn-lt"/>
-                <a:ea typeface="+mn-ea"/>
-                <a:cs typeface="+mn-cs"/>
-              </a:defRPr>
-            </a:lvl4pPr>
-            <a:lvl5pPr marL="2057400" indent="-228600" algn="l" defTabSz="914400" rtl="0" eaLnBrk="1" latinLnBrk="0" hangingPunct="1">
-              <a:lnSpc>
-                <a:spcPct val="90000"/>
-              </a:lnSpc>
-              <a:spcBef>
-                <a:spcPts val="500"/>
-              </a:spcBef>
-              <a:buFont typeface="Arial" panose="020B0604020202020204" pitchFamily="34" charset="0"/>
-              <a:buChar char="•"/>
-              <a:defRPr sz="1800" kern="1200">
-                <a:solidFill>
-                  <a:schemeClr val="tx1"/>
-                </a:solidFill>
-                <a:latin typeface="+mn-lt"/>
-                <a:ea typeface="+mn-ea"/>
-                <a:cs typeface="+mn-cs"/>
-              </a:defRPr>
-            </a:lvl5pPr>
-            <a:lvl6pPr marL="2514600" indent="-228600" algn="l" defTabSz="914400" rtl="0" eaLnBrk="1" latinLnBrk="0" hangingPunct="1">
-              <a:lnSpc>
-                <a:spcPct val="90000"/>
-              </a:lnSpc>
-              <a:spcBef>
-                <a:spcPts val="500"/>
-              </a:spcBef>
-              <a:buFont typeface="Arial" panose="020B0604020202020204" pitchFamily="34" charset="0"/>
-              <a:buChar char="•"/>
-              <a:defRPr sz="1800" kern="1200">
-                <a:solidFill>
-                  <a:schemeClr val="tx1"/>
-                </a:solidFill>
-                <a:latin typeface="+mn-lt"/>
-                <a:ea typeface="+mn-ea"/>
-                <a:cs typeface="+mn-cs"/>
-              </a:defRPr>
-            </a:lvl6pPr>
-            <a:lvl7pPr marL="2971800" indent="-228600" algn="l" defTabSz="914400" rtl="0" eaLnBrk="1" latinLnBrk="0" hangingPunct="1">
-              <a:lnSpc>
-                <a:spcPct val="90000"/>
-              </a:lnSpc>
-              <a:spcBef>
-                <a:spcPts val="500"/>
-              </a:spcBef>
-              <a:buFont typeface="Arial" panose="020B0604020202020204" pitchFamily="34" charset="0"/>
-              <a:buChar char="•"/>
-              <a:defRPr sz="1800" kern="1200">
-                <a:solidFill>
-                  <a:schemeClr val="tx1"/>
-                </a:solidFill>
-                <a:latin typeface="+mn-lt"/>
-                <a:ea typeface="+mn-ea"/>
-                <a:cs typeface="+mn-cs"/>
-              </a:defRPr>
-            </a:lvl7pPr>
-            <a:lvl8pPr marL="3429000" indent="-228600" algn="l" defTabSz="914400" rtl="0" eaLnBrk="1" latinLnBrk="0" hangingPunct="1">
-              <a:lnSpc>
-                <a:spcPct val="90000"/>
-              </a:lnSpc>
-              <a:spcBef>
-                <a:spcPts val="500"/>
-              </a:spcBef>
-              <a:buFont typeface="Arial" panose="020B0604020202020204" pitchFamily="34" charset="0"/>
-              <a:buChar char="•"/>
-              <a:defRPr sz="1800" kern="1200">
-                <a:solidFill>
-                  <a:schemeClr val="tx1"/>
-                </a:solidFill>
-                <a:latin typeface="+mn-lt"/>
-                <a:ea typeface="+mn-ea"/>
-                <a:cs typeface="+mn-cs"/>
-              </a:defRPr>
-            </a:lvl8pPr>
-            <a:lvl9pPr marL="3886200" indent="-228600" algn="l" defTabSz="914400" rtl="0" eaLnBrk="1" latinLnBrk="0" hangingPunct="1">
-              <a:lnSpc>
-                <a:spcPct val="90000"/>
-              </a:lnSpc>
-              <a:spcBef>
-                <a:spcPts val="500"/>
-              </a:spcBef>
-              <a:buFont typeface="Arial" panose="020B0604020202020204" pitchFamily="34" charset="0"/>
-              <a:buChar char="•"/>
-              <a:defRPr sz="1800" kern="1200">
-                <a:solidFill>
-                  <a:schemeClr val="tx1"/>
-                </a:solidFill>
-                <a:latin typeface="+mn-lt"/>
-                <a:ea typeface="+mn-ea"/>
-                <a:cs typeface="+mn-cs"/>
-              </a:defRPr>
-            </a:lvl9pPr>
-          </a:lstStyle>
-          <a:p>
-            <a:pPr marL="0" indent="0">
-              <a:buNone/>
-            </a:pPr>
-            <a:endParaRPr lang="pt-PT" sz="2000" b="1" dirty="0" smtClean="0"/>
-          </a:p>
-          <a:p>
-            <a:pPr marL="0" indent="0">
-              <a:buNone/>
-            </a:pPr>
-            <a:endParaRPr lang="pt-PT" sz="2000" b="1" dirty="0"/>
-          </a:p>
-          <a:p>
-            <a:pPr marL="0" indent="0" algn="ctr">
-              <a:buNone/>
-            </a:pPr>
-            <a:r>
-              <a:rPr lang="pt-PT" sz="4400" b="1" dirty="0" smtClean="0"/>
-              <a:t>?</a:t>
-            </a:r>
-            <a:endParaRPr lang="it-IT" sz="4400" dirty="0" smtClean="0"/>
-          </a:p>
-          <a:p>
-            <a:pPr lvl="1"/>
-            <a:r>
-              <a:rPr lang="pt-BR" sz="1800" dirty="0"/>
-              <a:t>h</a:t>
-            </a:r>
-            <a:r>
-              <a:rPr lang="pt-BR" sz="1800" dirty="0" smtClean="0"/>
-              <a:t>oras trabalhadas </a:t>
-            </a:r>
-          </a:p>
-          <a:p>
-            <a:pPr lvl="1"/>
-            <a:r>
-              <a:rPr lang="pt-BR" sz="1800" dirty="0" smtClean="0"/>
-              <a:t>função</a:t>
-            </a:r>
-          </a:p>
-          <a:p>
-            <a:pPr lvl="1"/>
-            <a:endParaRPr lang="pt-PT" dirty="0"/>
-          </a:p>
-        </p:txBody>
-      </p:sp>
-    </p:spTree>
-    <p:extLst>
-      <p:ext uri="{BB962C8B-B14F-4D97-AF65-F5344CB8AC3E}">
-        <p14:creationId xmlns:p14="http://schemas.microsoft.com/office/powerpoint/2010/main" val="1134579907"/>
       </p:ext>
     </p:extLst>
   </p:cSld>
